--- a/notes/core-data-structures.pptx
+++ b/notes/core-data-structures.pptx
@@ -5,27 +5,31 @@
     <p:sldMasterId id="2147483648" r:id="rId1"/>
   </p:sldMasterIdLst>
   <p:notesMasterIdLst>
-    <p:notesMasterId r:id="rId17"/>
+    <p:notesMasterId r:id="rId21"/>
   </p:notesMasterIdLst>
   <p:handoutMasterIdLst>
-    <p:handoutMasterId r:id="rId18"/>
+    <p:handoutMasterId r:id="rId22"/>
   </p:handoutMasterIdLst>
   <p:sldIdLst>
     <p:sldId id="256" r:id="rId2"/>
-    <p:sldId id="268" r:id="rId3"/>
-    <p:sldId id="271" r:id="rId4"/>
-    <p:sldId id="272" r:id="rId5"/>
-    <p:sldId id="274" r:id="rId6"/>
-    <p:sldId id="280" r:id="rId7"/>
-    <p:sldId id="278" r:id="rId8"/>
-    <p:sldId id="279" r:id="rId9"/>
-    <p:sldId id="277" r:id="rId10"/>
-    <p:sldId id="273" r:id="rId11"/>
-    <p:sldId id="281" r:id="rId12"/>
-    <p:sldId id="275" r:id="rId13"/>
-    <p:sldId id="276" r:id="rId14"/>
-    <p:sldId id="270" r:id="rId15"/>
-    <p:sldId id="269" r:id="rId16"/>
+    <p:sldId id="272" r:id="rId3"/>
+    <p:sldId id="286" r:id="rId4"/>
+    <p:sldId id="270" r:id="rId5"/>
+    <p:sldId id="287" r:id="rId6"/>
+    <p:sldId id="271" r:id="rId7"/>
+    <p:sldId id="285" r:id="rId8"/>
+    <p:sldId id="283" r:id="rId9"/>
+    <p:sldId id="274" r:id="rId10"/>
+    <p:sldId id="280" r:id="rId11"/>
+    <p:sldId id="278" r:id="rId12"/>
+    <p:sldId id="279" r:id="rId13"/>
+    <p:sldId id="284" r:id="rId14"/>
+    <p:sldId id="277" r:id="rId15"/>
+    <p:sldId id="282" r:id="rId16"/>
+    <p:sldId id="273" r:id="rId17"/>
+    <p:sldId id="276" r:id="rId18"/>
+    <p:sldId id="275" r:id="rId19"/>
+    <p:sldId id="288" r:id="rId20"/>
   </p:sldIdLst>
   <p:sldSz cx="12192000" cy="6858000"/>
   <p:notesSz cx="6858000" cy="9144000"/>
@@ -4135,2397 +4139,6 @@
           <p:cNvPr id="2" name="Title 1">
             <a:extLst>
               <a:ext uri="{FF2B5EF4-FFF2-40B4-BE49-F238E27FC236}">
-                <a16:creationId xmlns:a16="http://schemas.microsoft.com/office/drawing/2014/main" id="{BC25C61D-FFF0-0E4F-ADA3-1A4D540FE016}"/>
-              </a:ext>
-            </a:extLst>
-          </p:cNvPr>
-          <p:cNvSpPr>
-            <a:spLocks noGrp="1"/>
-          </p:cNvSpPr>
-          <p:nvPr>
-            <p:ph type="title"/>
-          </p:nvPr>
-        </p:nvSpPr>
-        <p:spPr>
-          <a:xfrm>
-            <a:off x="485078" y="376276"/>
-            <a:ext cx="11706922" cy="1325563"/>
-          </a:xfrm>
-        </p:spPr>
-        <p:txBody>
-          <a:bodyPr/>
-          <a:lstStyle/>
-          <a:p>
-            <a:r>
-              <a:rPr lang="en-US" dirty="0"/>
-              <a:t>Binary tree implementation: contiguous array</a:t>
-            </a:r>
-          </a:p>
-        </p:txBody>
-      </p:sp>
-      <p:pic>
-        <p:nvPicPr>
-          <p:cNvPr id="5" name="Content Placeholder 4">
-            <a:extLst>
-              <a:ext uri="{FF2B5EF4-FFF2-40B4-BE49-F238E27FC236}">
-                <a16:creationId xmlns:a16="http://schemas.microsoft.com/office/drawing/2014/main" id="{8CBCCF28-AD55-6442-A66C-C89268CCBD80}"/>
-              </a:ext>
-            </a:extLst>
-          </p:cNvPr>
-          <p:cNvPicPr>
-            <a:picLocks noGrp="1" noChangeAspect="1"/>
-          </p:cNvPicPr>
-          <p:nvPr>
-            <p:ph idx="1"/>
-          </p:nvPr>
-        </p:nvPicPr>
-        <p:blipFill>
-          <a:blip r:embed="rId2"/>
-          <a:stretch>
-            <a:fillRect/>
-          </a:stretch>
-        </p:blipFill>
-        <p:spPr>
-          <a:xfrm>
-            <a:off x="873773" y="2453269"/>
-            <a:ext cx="3473344" cy="3269030"/>
-          </a:xfrm>
-        </p:spPr>
-      </p:pic>
-      <p:pic>
-        <p:nvPicPr>
-          <p:cNvPr id="9" name="Picture 8">
-            <a:extLst>
-              <a:ext uri="{FF2B5EF4-FFF2-40B4-BE49-F238E27FC236}">
-                <a16:creationId xmlns:a16="http://schemas.microsoft.com/office/drawing/2014/main" id="{352ED110-78E4-7D44-99C8-6390620C231B}"/>
-              </a:ext>
-            </a:extLst>
-          </p:cNvPr>
-          <p:cNvPicPr>
-            <a:picLocks noChangeAspect="1"/>
-          </p:cNvPicPr>
-          <p:nvPr/>
-        </p:nvPicPr>
-        <p:blipFill>
-          <a:blip r:embed="rId3"/>
-          <a:stretch>
-            <a:fillRect/>
-          </a:stretch>
-        </p:blipFill>
-        <p:spPr>
-          <a:xfrm>
-            <a:off x="4637514" y="3939652"/>
-            <a:ext cx="4991100" cy="901700"/>
-          </a:xfrm>
-          <a:prstGeom prst="rect">
-            <a:avLst/>
-          </a:prstGeom>
-        </p:spPr>
-      </p:pic>
-      <p:sp>
-        <p:nvSpPr>
-          <p:cNvPr id="10" name="TextBox 9">
-            <a:extLst>
-              <a:ext uri="{FF2B5EF4-FFF2-40B4-BE49-F238E27FC236}">
-                <a16:creationId xmlns:a16="http://schemas.microsoft.com/office/drawing/2014/main" id="{3AD34BD6-56C7-CB40-9782-9EDC1B5ABBD8}"/>
-              </a:ext>
-            </a:extLst>
-          </p:cNvPr>
-          <p:cNvSpPr txBox="1"/>
-          <p:nvPr/>
-        </p:nvSpPr>
-        <p:spPr>
-          <a:xfrm>
-            <a:off x="5742878" y="2542478"/>
-            <a:ext cx="2488182" cy="830997"/>
-          </a:xfrm>
-          <a:prstGeom prst="rect">
-            <a:avLst/>
-          </a:prstGeom>
-          <a:noFill/>
-        </p:spPr>
-        <p:txBody>
-          <a:bodyPr wrap="none" rtlCol="0">
-            <a:spAutoFit/>
-          </a:bodyPr>
-          <a:lstStyle/>
-          <a:p>
-            <a:r>
-              <a:rPr lang="en-US" sz="2400" dirty="0"/>
-              <a:t>left child is 2i+1</a:t>
-            </a:r>
-          </a:p>
-          <a:p>
-            <a:r>
-              <a:rPr lang="en-US" sz="2400" dirty="0"/>
-              <a:t>right child is 2i+2</a:t>
-            </a:r>
-          </a:p>
-        </p:txBody>
-      </p:sp>
-    </p:spTree>
-    <p:extLst>
-      <p:ext uri="{BB962C8B-B14F-4D97-AF65-F5344CB8AC3E}">
-        <p14:creationId xmlns:p14="http://schemas.microsoft.com/office/powerpoint/2010/main" val="616378627"/>
-      </p:ext>
-    </p:extLst>
-  </p:cSld>
-  <p:clrMapOvr>
-    <a:masterClrMapping/>
-  </p:clrMapOvr>
-</p:sld>
-</file>
-
-<file path=ppt/slides/slide11.xml><?xml version="1.0" encoding="utf-8"?>
-<p:sld xmlns:a="http://schemas.openxmlformats.org/drawingml/2006/main" xmlns:r="http://schemas.openxmlformats.org/officeDocument/2006/relationships" xmlns:p="http://schemas.openxmlformats.org/presentationml/2006/main">
-  <p:cSld>
-    <p:spTree>
-      <p:nvGrpSpPr>
-        <p:cNvPr id="1" name=""/>
-        <p:cNvGrpSpPr/>
-        <p:nvPr/>
-      </p:nvGrpSpPr>
-      <p:grpSpPr>
-        <a:xfrm>
-          <a:off x="0" y="0"/>
-          <a:ext cx="0" cy="0"/>
-          <a:chOff x="0" y="0"/>
-          <a:chExt cx="0" cy="0"/>
-        </a:xfrm>
-      </p:grpSpPr>
-      <p:sp>
-        <p:nvSpPr>
-          <p:cNvPr id="2" name="Title 1">
-            <a:extLst>
-              <a:ext uri="{FF2B5EF4-FFF2-40B4-BE49-F238E27FC236}">
-                <a16:creationId xmlns:a16="http://schemas.microsoft.com/office/drawing/2014/main" id="{10FB6D91-F519-A74D-A4F9-53C8D8B9267D}"/>
-              </a:ext>
-            </a:extLst>
-          </p:cNvPr>
-          <p:cNvSpPr>
-            <a:spLocks noGrp="1"/>
-          </p:cNvSpPr>
-          <p:nvPr>
-            <p:ph type="title"/>
-          </p:nvPr>
-        </p:nvSpPr>
-        <p:spPr/>
-        <p:txBody>
-          <a:bodyPr/>
-          <a:lstStyle/>
-          <a:p>
-            <a:endParaRPr lang="en-US"/>
-          </a:p>
-        </p:txBody>
-      </p:sp>
-      <p:sp>
-        <p:nvSpPr>
-          <p:cNvPr id="3" name="Content Placeholder 2">
-            <a:extLst>
-              <a:ext uri="{FF2B5EF4-FFF2-40B4-BE49-F238E27FC236}">
-                <a16:creationId xmlns:a16="http://schemas.microsoft.com/office/drawing/2014/main" id="{5154F3D6-EFE7-A94C-9688-554F134FC2B3}"/>
-              </a:ext>
-            </a:extLst>
-          </p:cNvPr>
-          <p:cNvSpPr>
-            <a:spLocks noGrp="1"/>
-          </p:cNvSpPr>
-          <p:nvPr>
-            <p:ph idx="1"/>
-          </p:nvPr>
-        </p:nvSpPr>
-        <p:spPr/>
-        <p:txBody>
-          <a:bodyPr/>
-          <a:lstStyle/>
-          <a:p>
-            <a:endParaRPr lang="en-US"/>
-          </a:p>
-        </p:txBody>
-      </p:sp>
-    </p:spTree>
-    <p:extLst>
-      <p:ext uri="{BB962C8B-B14F-4D97-AF65-F5344CB8AC3E}">
-        <p14:creationId xmlns:p14="http://schemas.microsoft.com/office/powerpoint/2010/main" val="3848208195"/>
-      </p:ext>
-    </p:extLst>
-  </p:cSld>
-  <p:clrMapOvr>
-    <a:masterClrMapping/>
-  </p:clrMapOvr>
-</p:sld>
-</file>
-
-<file path=ppt/slides/slide12.xml><?xml version="1.0" encoding="utf-8"?>
-<p:sld xmlns:a="http://schemas.openxmlformats.org/drawingml/2006/main" xmlns:r="http://schemas.openxmlformats.org/officeDocument/2006/relationships" xmlns:p="http://schemas.openxmlformats.org/presentationml/2006/main">
-  <p:cSld>
-    <p:spTree>
-      <p:nvGrpSpPr>
-        <p:cNvPr id="1" name=""/>
-        <p:cNvGrpSpPr/>
-        <p:nvPr/>
-      </p:nvGrpSpPr>
-      <p:grpSpPr>
-        <a:xfrm>
-          <a:off x="0" y="0"/>
-          <a:ext cx="0" cy="0"/>
-          <a:chOff x="0" y="0"/>
-          <a:chExt cx="0" cy="0"/>
-        </a:xfrm>
-      </p:grpSpPr>
-      <p:sp>
-        <p:nvSpPr>
-          <p:cNvPr id="2" name="Title 1">
-            <a:extLst>
-              <a:ext uri="{FF2B5EF4-FFF2-40B4-BE49-F238E27FC236}">
-                <a16:creationId xmlns:a16="http://schemas.microsoft.com/office/drawing/2014/main" id="{99839AF0-5B4F-C849-AB72-AB5093AACEDB}"/>
-              </a:ext>
-            </a:extLst>
-          </p:cNvPr>
-          <p:cNvSpPr>
-            <a:spLocks noGrp="1"/>
-          </p:cNvSpPr>
-          <p:nvPr>
-            <p:ph type="title"/>
-          </p:nvPr>
-        </p:nvSpPr>
-        <p:spPr/>
-        <p:txBody>
-          <a:bodyPr/>
-          <a:lstStyle/>
-          <a:p>
-            <a:r>
-              <a:rPr lang="en-US" dirty="0"/>
-              <a:t>Basic node definitions</a:t>
-            </a:r>
-          </a:p>
-        </p:txBody>
-      </p:sp>
-      <p:sp>
-        <p:nvSpPr>
-          <p:cNvPr id="4" name="TextBox 3">
-            <a:extLst>
-              <a:ext uri="{FF2B5EF4-FFF2-40B4-BE49-F238E27FC236}">
-                <a16:creationId xmlns:a16="http://schemas.microsoft.com/office/drawing/2014/main" id="{1071BE35-812A-2946-97EC-EC0CA3C11D23}"/>
-              </a:ext>
-            </a:extLst>
-          </p:cNvPr>
-          <p:cNvSpPr txBox="1"/>
-          <p:nvPr/>
-        </p:nvSpPr>
-        <p:spPr>
-          <a:xfrm>
-            <a:off x="1456294" y="1589050"/>
-            <a:ext cx="9538808" cy="1569660"/>
-          </a:xfrm>
-          <a:prstGeom prst="rect">
-            <a:avLst/>
-          </a:prstGeom>
-          <a:noFill/>
-          <a:ln>
-            <a:solidFill>
-              <a:schemeClr val="accent1"/>
-            </a:solidFill>
-          </a:ln>
-        </p:spPr>
-        <p:txBody>
-          <a:bodyPr wrap="square" rtlCol="0">
-            <a:spAutoFit/>
-          </a:bodyPr>
-          <a:lstStyle/>
-          <a:p>
-            <a:r>
-              <a:rPr lang="en-US" sz="2400" dirty="0">
-                <a:latin typeface="Monaco" charset="0"/>
-                <a:ea typeface="Monaco" charset="0"/>
-                <a:cs typeface="Monaco" charset="0"/>
-              </a:rPr>
-              <a:t>class </a:t>
-            </a:r>
-            <a:r>
-              <a:rPr lang="en-US" sz="2400" dirty="0" err="1">
-                <a:latin typeface="Monaco" charset="0"/>
-                <a:ea typeface="Monaco" charset="0"/>
-                <a:cs typeface="Monaco" charset="0"/>
-              </a:rPr>
-              <a:t>LLNode</a:t>
-            </a:r>
-            <a:r>
-              <a:rPr lang="en-US" sz="2400" dirty="0">
-                <a:latin typeface="Monaco" charset="0"/>
-                <a:ea typeface="Monaco" charset="0"/>
-                <a:cs typeface="Monaco" charset="0"/>
-              </a:rPr>
-              <a:t>:</a:t>
-            </a:r>
-          </a:p>
-          <a:p>
-            <a:r>
-              <a:rPr lang="en-US" sz="2400" dirty="0">
-                <a:latin typeface="Monaco" charset="0"/>
-                <a:ea typeface="Monaco" charset="0"/>
-                <a:cs typeface="Monaco" charset="0"/>
-              </a:rPr>
-              <a:t>  def __</a:t>
-            </a:r>
-            <a:r>
-              <a:rPr lang="en-US" sz="2400" dirty="0" err="1">
-                <a:latin typeface="Monaco" charset="0"/>
-                <a:ea typeface="Monaco" charset="0"/>
-                <a:cs typeface="Monaco" charset="0"/>
-              </a:rPr>
-              <a:t>init</a:t>
-            </a:r>
-            <a:r>
-              <a:rPr lang="en-US" sz="2400" dirty="0">
-                <a:latin typeface="Monaco" charset="0"/>
-                <a:ea typeface="Monaco" charset="0"/>
-                <a:cs typeface="Monaco" charset="0"/>
-              </a:rPr>
-              <a:t>__(self, value, next=None):</a:t>
-            </a:r>
-          </a:p>
-          <a:p>
-            <a:r>
-              <a:rPr lang="en-US" sz="2400" dirty="0">
-                <a:latin typeface="Monaco" charset="0"/>
-                <a:ea typeface="Monaco" charset="0"/>
-                <a:cs typeface="Monaco" charset="0"/>
-              </a:rPr>
-              <a:t>      </a:t>
-            </a:r>
-            <a:r>
-              <a:rPr lang="en-US" sz="2400" dirty="0" err="1">
-                <a:latin typeface="Monaco" charset="0"/>
-                <a:ea typeface="Monaco" charset="0"/>
-                <a:cs typeface="Monaco" charset="0"/>
-              </a:rPr>
-              <a:t>self.value</a:t>
-            </a:r>
-            <a:r>
-              <a:rPr lang="en-US" sz="2400" dirty="0">
-                <a:latin typeface="Monaco" charset="0"/>
-                <a:ea typeface="Monaco" charset="0"/>
-                <a:cs typeface="Monaco" charset="0"/>
-              </a:rPr>
-              <a:t> = value</a:t>
-            </a:r>
-          </a:p>
-          <a:p>
-            <a:r>
-              <a:rPr lang="en-US" sz="2400" dirty="0">
-                <a:latin typeface="Monaco" charset="0"/>
-                <a:ea typeface="Monaco" charset="0"/>
-                <a:cs typeface="Monaco" charset="0"/>
-              </a:rPr>
-              <a:t>      </a:t>
-            </a:r>
-            <a:r>
-              <a:rPr lang="en-US" sz="2400" dirty="0" err="1">
-                <a:latin typeface="Monaco" charset="0"/>
-                <a:ea typeface="Monaco" charset="0"/>
-                <a:cs typeface="Monaco" charset="0"/>
-              </a:rPr>
-              <a:t>self.next</a:t>
-            </a:r>
-            <a:r>
-              <a:rPr lang="en-US" sz="2400" dirty="0">
-                <a:latin typeface="Monaco" charset="0"/>
-                <a:ea typeface="Monaco" charset="0"/>
-                <a:cs typeface="Monaco" charset="0"/>
-              </a:rPr>
-              <a:t> = next</a:t>
-            </a:r>
-          </a:p>
-        </p:txBody>
-      </p:sp>
-      <p:sp>
-        <p:nvSpPr>
-          <p:cNvPr id="6" name="TextBox 5">
-            <a:extLst>
-              <a:ext uri="{FF2B5EF4-FFF2-40B4-BE49-F238E27FC236}">
-                <a16:creationId xmlns:a16="http://schemas.microsoft.com/office/drawing/2014/main" id="{48C1BC31-AC84-344B-BA95-8BE4698C9E47}"/>
-              </a:ext>
-            </a:extLst>
-          </p:cNvPr>
-          <p:cNvSpPr txBox="1"/>
-          <p:nvPr/>
-        </p:nvSpPr>
-        <p:spPr>
-          <a:xfrm>
-            <a:off x="1456294" y="3597805"/>
-            <a:ext cx="9538808" cy="1938992"/>
-          </a:xfrm>
-          <a:prstGeom prst="rect">
-            <a:avLst/>
-          </a:prstGeom>
-          <a:noFill/>
-          <a:ln>
-            <a:solidFill>
-              <a:schemeClr val="accent1"/>
-            </a:solidFill>
-          </a:ln>
-        </p:spPr>
-        <p:txBody>
-          <a:bodyPr wrap="square" rtlCol="0">
-            <a:spAutoFit/>
-          </a:bodyPr>
-          <a:lstStyle/>
-          <a:p>
-            <a:r>
-              <a:rPr lang="en-US" sz="2400" dirty="0">
-                <a:latin typeface="Monaco" charset="0"/>
-                <a:ea typeface="Monaco" charset="0"/>
-                <a:cs typeface="Monaco" charset="0"/>
-              </a:rPr>
-              <a:t>class </a:t>
-            </a:r>
-            <a:r>
-              <a:rPr lang="en-US" sz="2400" dirty="0" err="1">
-                <a:latin typeface="Monaco" charset="0"/>
-                <a:ea typeface="Monaco" charset="0"/>
-                <a:cs typeface="Monaco" charset="0"/>
-              </a:rPr>
-              <a:t>TreeNode</a:t>
-            </a:r>
-            <a:r>
-              <a:rPr lang="en-US" sz="2400" dirty="0">
-                <a:latin typeface="Monaco" charset="0"/>
-                <a:ea typeface="Monaco" charset="0"/>
-                <a:cs typeface="Monaco" charset="0"/>
-              </a:rPr>
-              <a:t>:</a:t>
-            </a:r>
-          </a:p>
-          <a:p>
-            <a:r>
-              <a:rPr lang="en-US" sz="2400" dirty="0">
-                <a:latin typeface="Monaco" charset="0"/>
-                <a:ea typeface="Monaco" charset="0"/>
-                <a:cs typeface="Monaco" charset="0"/>
-              </a:rPr>
-              <a:t>  def __</a:t>
-            </a:r>
-            <a:r>
-              <a:rPr lang="en-US" sz="2400" dirty="0" err="1">
-                <a:latin typeface="Monaco" charset="0"/>
-                <a:ea typeface="Monaco" charset="0"/>
-                <a:cs typeface="Monaco" charset="0"/>
-              </a:rPr>
-              <a:t>init</a:t>
-            </a:r>
-            <a:r>
-              <a:rPr lang="en-US" sz="2400" dirty="0">
-                <a:latin typeface="Monaco" charset="0"/>
-                <a:ea typeface="Monaco" charset="0"/>
-                <a:cs typeface="Monaco" charset="0"/>
-              </a:rPr>
-              <a:t>__(self, value, left=None, right=None):</a:t>
-            </a:r>
-          </a:p>
-          <a:p>
-            <a:r>
-              <a:rPr lang="en-US" sz="2400" dirty="0">
-                <a:latin typeface="Monaco" charset="0"/>
-                <a:ea typeface="Monaco" charset="0"/>
-                <a:cs typeface="Monaco" charset="0"/>
-              </a:rPr>
-              <a:t>    </a:t>
-            </a:r>
-            <a:r>
-              <a:rPr lang="en-US" sz="2400" dirty="0" err="1">
-                <a:latin typeface="Monaco" charset="0"/>
-                <a:ea typeface="Monaco" charset="0"/>
-                <a:cs typeface="Monaco" charset="0"/>
-              </a:rPr>
-              <a:t>self.value</a:t>
-            </a:r>
-            <a:r>
-              <a:rPr lang="en-US" sz="2400" dirty="0">
-                <a:latin typeface="Monaco" charset="0"/>
-                <a:ea typeface="Monaco" charset="0"/>
-                <a:cs typeface="Monaco" charset="0"/>
-              </a:rPr>
-              <a:t> = value</a:t>
-            </a:r>
-          </a:p>
-          <a:p>
-            <a:r>
-              <a:rPr lang="en-US" sz="2400" dirty="0">
-                <a:latin typeface="Monaco" charset="0"/>
-                <a:ea typeface="Monaco" charset="0"/>
-                <a:cs typeface="Monaco" charset="0"/>
-              </a:rPr>
-              <a:t>    </a:t>
-            </a:r>
-            <a:r>
-              <a:rPr lang="en-US" sz="2400" dirty="0" err="1">
-                <a:latin typeface="Monaco" charset="0"/>
-                <a:ea typeface="Monaco" charset="0"/>
-                <a:cs typeface="Monaco" charset="0"/>
-              </a:rPr>
-              <a:t>self.left</a:t>
-            </a:r>
-            <a:r>
-              <a:rPr lang="en-US" sz="2400" dirty="0">
-                <a:latin typeface="Monaco" charset="0"/>
-                <a:ea typeface="Monaco" charset="0"/>
-                <a:cs typeface="Monaco" charset="0"/>
-              </a:rPr>
-              <a:t> = left</a:t>
-            </a:r>
-          </a:p>
-          <a:p>
-            <a:r>
-              <a:rPr lang="en-US" sz="2400" dirty="0">
-                <a:latin typeface="Monaco" charset="0"/>
-                <a:ea typeface="Monaco" charset="0"/>
-                <a:cs typeface="Monaco" charset="0"/>
-              </a:rPr>
-              <a:t>    </a:t>
-            </a:r>
-            <a:r>
-              <a:rPr lang="en-US" sz="2400" dirty="0" err="1">
-                <a:latin typeface="Monaco" charset="0"/>
-                <a:ea typeface="Monaco" charset="0"/>
-                <a:cs typeface="Monaco" charset="0"/>
-              </a:rPr>
-              <a:t>self.right</a:t>
-            </a:r>
-            <a:r>
-              <a:rPr lang="en-US" sz="2400" dirty="0">
-                <a:latin typeface="Monaco" charset="0"/>
-                <a:ea typeface="Monaco" charset="0"/>
-                <a:cs typeface="Monaco" charset="0"/>
-              </a:rPr>
-              <a:t> = right</a:t>
-            </a:r>
-          </a:p>
-        </p:txBody>
-      </p:sp>
-    </p:spTree>
-    <p:extLst>
-      <p:ext uri="{BB962C8B-B14F-4D97-AF65-F5344CB8AC3E}">
-        <p14:creationId xmlns:p14="http://schemas.microsoft.com/office/powerpoint/2010/main" val="3563627406"/>
-      </p:ext>
-    </p:extLst>
-  </p:cSld>
-  <p:clrMapOvr>
-    <a:masterClrMapping/>
-  </p:clrMapOvr>
-</p:sld>
-</file>
-
-<file path=ppt/slides/slide13.xml><?xml version="1.0" encoding="utf-8"?>
-<p:sld xmlns:a="http://schemas.openxmlformats.org/drawingml/2006/main" xmlns:r="http://schemas.openxmlformats.org/officeDocument/2006/relationships" xmlns:p="http://schemas.openxmlformats.org/presentationml/2006/main">
-  <p:cSld>
-    <p:spTree>
-      <p:nvGrpSpPr>
-        <p:cNvPr id="1" name=""/>
-        <p:cNvGrpSpPr/>
-        <p:nvPr/>
-      </p:nvGrpSpPr>
-      <p:grpSpPr>
-        <a:xfrm>
-          <a:off x="0" y="0"/>
-          <a:ext cx="0" cy="0"/>
-          <a:chOff x="0" y="0"/>
-          <a:chExt cx="0" cy="0"/>
-        </a:xfrm>
-      </p:grpSpPr>
-      <p:sp>
-        <p:nvSpPr>
-          <p:cNvPr id="2" name="Title 1">
-            <a:extLst>
-              <a:ext uri="{FF2B5EF4-FFF2-40B4-BE49-F238E27FC236}">
-                <a16:creationId xmlns:a16="http://schemas.microsoft.com/office/drawing/2014/main" id="{42C12433-9499-CE4E-AAD9-70F10CA7773F}"/>
-              </a:ext>
-            </a:extLst>
-          </p:cNvPr>
-          <p:cNvSpPr>
-            <a:spLocks noGrp="1"/>
-          </p:cNvSpPr>
-          <p:nvPr>
-            <p:ph type="title"/>
-          </p:nvPr>
-        </p:nvSpPr>
-        <p:spPr/>
-        <p:txBody>
-          <a:bodyPr/>
-          <a:lstStyle/>
-          <a:p>
-            <a:r>
-              <a:rPr lang="en-US" dirty="0"/>
-              <a:t>Graph node definition</a:t>
-            </a:r>
-          </a:p>
-        </p:txBody>
-      </p:sp>
-      <p:sp>
-        <p:nvSpPr>
-          <p:cNvPr id="3" name="Content Placeholder 2">
-            <a:extLst>
-              <a:ext uri="{FF2B5EF4-FFF2-40B4-BE49-F238E27FC236}">
-                <a16:creationId xmlns:a16="http://schemas.microsoft.com/office/drawing/2014/main" id="{07388987-0D96-F549-A901-9F02AAF23D54}"/>
-              </a:ext>
-            </a:extLst>
-          </p:cNvPr>
-          <p:cNvSpPr>
-            <a:spLocks noGrp="1"/>
-          </p:cNvSpPr>
-          <p:nvPr>
-            <p:ph idx="1"/>
-          </p:nvPr>
-        </p:nvSpPr>
-        <p:spPr/>
-        <p:txBody>
-          <a:bodyPr/>
-          <a:lstStyle/>
-          <a:p>
-            <a:r>
-              <a:rPr lang="en-US" dirty="0"/>
-              <a:t>An arbitrary number of outgoing edges, not just two like binary trees</a:t>
-            </a:r>
-          </a:p>
-          <a:p>
-            <a:r>
-              <a:rPr lang="en-US" dirty="0"/>
-              <a:t>Can be pointed out by any number of nodes</a:t>
-            </a:r>
-          </a:p>
-          <a:p>
-            <a:endParaRPr lang="en-US" dirty="0"/>
-          </a:p>
-          <a:p>
-            <a:endParaRPr lang="en-US" dirty="0"/>
-          </a:p>
-          <a:p>
-            <a:endParaRPr lang="en-US" dirty="0"/>
-          </a:p>
-          <a:p>
-            <a:endParaRPr lang="en-US" dirty="0"/>
-          </a:p>
-          <a:p>
-            <a:r>
-              <a:rPr lang="en-US" dirty="0"/>
-              <a:t>Notice: these objects differ only in the number of outgoing edges!!!</a:t>
-            </a:r>
-          </a:p>
-        </p:txBody>
-      </p:sp>
-      <p:sp>
-        <p:nvSpPr>
-          <p:cNvPr id="4" name="TextBox 3">
-            <a:extLst>
-              <a:ext uri="{FF2B5EF4-FFF2-40B4-BE49-F238E27FC236}">
-                <a16:creationId xmlns:a16="http://schemas.microsoft.com/office/drawing/2014/main" id="{50EA1E9D-1212-444D-9D18-EACF6EB2CD81}"/>
-              </a:ext>
-            </a:extLst>
-          </p:cNvPr>
-          <p:cNvSpPr txBox="1"/>
-          <p:nvPr/>
-        </p:nvSpPr>
-        <p:spPr>
-          <a:xfrm>
-            <a:off x="1489747" y="3352478"/>
-            <a:ext cx="9538808" cy="1569660"/>
-          </a:xfrm>
-          <a:prstGeom prst="rect">
-            <a:avLst/>
-          </a:prstGeom>
-          <a:noFill/>
-          <a:ln>
-            <a:solidFill>
-              <a:schemeClr val="accent1"/>
-            </a:solidFill>
-          </a:ln>
-        </p:spPr>
-        <p:txBody>
-          <a:bodyPr wrap="square" rtlCol="0">
-            <a:spAutoFit/>
-          </a:bodyPr>
-          <a:lstStyle/>
-          <a:p>
-            <a:r>
-              <a:rPr lang="en-US" sz="2400" dirty="0">
-                <a:latin typeface="Monaco" charset="0"/>
-                <a:ea typeface="Monaco" charset="0"/>
-                <a:cs typeface="Monaco" charset="0"/>
-              </a:rPr>
-              <a:t>class Node:</a:t>
-            </a:r>
-          </a:p>
-          <a:p>
-            <a:r>
-              <a:rPr lang="en-US" sz="2400" dirty="0">
-                <a:latin typeface="Monaco" charset="0"/>
-                <a:ea typeface="Monaco" charset="0"/>
-                <a:cs typeface="Monaco" charset="0"/>
-              </a:rPr>
-              <a:t>    def __</a:t>
-            </a:r>
-            <a:r>
-              <a:rPr lang="en-US" sz="2400" dirty="0" err="1">
-                <a:latin typeface="Monaco" charset="0"/>
-                <a:ea typeface="Monaco" charset="0"/>
-                <a:cs typeface="Monaco" charset="0"/>
-              </a:rPr>
-              <a:t>init</a:t>
-            </a:r>
-            <a:r>
-              <a:rPr lang="en-US" sz="2400" dirty="0">
-                <a:latin typeface="Monaco" charset="0"/>
-                <a:ea typeface="Monaco" charset="0"/>
-                <a:cs typeface="Monaco" charset="0"/>
-              </a:rPr>
-              <a:t>__(self, value):</a:t>
-            </a:r>
-          </a:p>
-          <a:p>
-            <a:r>
-              <a:rPr lang="en-US" sz="2400" dirty="0">
-                <a:latin typeface="Monaco" charset="0"/>
-                <a:ea typeface="Monaco" charset="0"/>
-                <a:cs typeface="Monaco" charset="0"/>
-              </a:rPr>
-              <a:t>        </a:t>
-            </a:r>
-            <a:r>
-              <a:rPr lang="en-US" sz="2400" dirty="0" err="1">
-                <a:latin typeface="Monaco" charset="0"/>
-                <a:ea typeface="Monaco" charset="0"/>
-                <a:cs typeface="Monaco" charset="0"/>
-              </a:rPr>
-              <a:t>self.value</a:t>
-            </a:r>
-            <a:r>
-              <a:rPr lang="en-US" sz="2400" dirty="0">
-                <a:latin typeface="Monaco" charset="0"/>
-                <a:ea typeface="Monaco" charset="0"/>
-                <a:cs typeface="Monaco" charset="0"/>
-              </a:rPr>
-              <a:t> = value</a:t>
-            </a:r>
-          </a:p>
-          <a:p>
-            <a:r>
-              <a:rPr lang="en-US" sz="2400" dirty="0">
-                <a:latin typeface="Monaco" charset="0"/>
-                <a:ea typeface="Monaco" charset="0"/>
-                <a:cs typeface="Monaco" charset="0"/>
-              </a:rPr>
-              <a:t>        </a:t>
-            </a:r>
-            <a:r>
-              <a:rPr lang="en-US" sz="2400" dirty="0" err="1">
-                <a:latin typeface="Monaco" charset="0"/>
-                <a:ea typeface="Monaco" charset="0"/>
-                <a:cs typeface="Monaco" charset="0"/>
-              </a:rPr>
-              <a:t>self.edges</a:t>
-            </a:r>
-            <a:r>
-              <a:rPr lang="en-US" sz="2400" dirty="0">
-                <a:latin typeface="Monaco" charset="0"/>
-                <a:ea typeface="Monaco" charset="0"/>
-                <a:cs typeface="Monaco" charset="0"/>
-              </a:rPr>
-              <a:t> = [] # outgoing edges</a:t>
-            </a:r>
-          </a:p>
-        </p:txBody>
-      </p:sp>
-    </p:spTree>
-    <p:extLst>
-      <p:ext uri="{BB962C8B-B14F-4D97-AF65-F5344CB8AC3E}">
-        <p14:creationId xmlns:p14="http://schemas.microsoft.com/office/powerpoint/2010/main" val="92807234"/>
-      </p:ext>
-    </p:extLst>
-  </p:cSld>
-  <p:clrMapOvr>
-    <a:masterClrMapping/>
-  </p:clrMapOvr>
-</p:sld>
-</file>
-
-<file path=ppt/slides/slide14.xml><?xml version="1.0" encoding="utf-8"?>
-<p:sld xmlns:a="http://schemas.openxmlformats.org/drawingml/2006/main" xmlns:r="http://schemas.openxmlformats.org/officeDocument/2006/relationships" xmlns:p="http://schemas.openxmlformats.org/presentationml/2006/main">
-  <p:cSld>
-    <p:spTree>
-      <p:nvGrpSpPr>
-        <p:cNvPr id="1" name=""/>
-        <p:cNvGrpSpPr/>
-        <p:nvPr/>
-      </p:nvGrpSpPr>
-      <p:grpSpPr>
-        <a:xfrm>
-          <a:off x="0" y="0"/>
-          <a:ext cx="0" cy="0"/>
-          <a:chOff x="0" y="0"/>
-          <a:chExt cx="0" cy="0"/>
-        </a:xfrm>
-      </p:grpSpPr>
-      <p:sp>
-        <p:nvSpPr>
-          <p:cNvPr id="2" name="Title 1">
-            <a:extLst>
-              <a:ext uri="{FF2B5EF4-FFF2-40B4-BE49-F238E27FC236}">
-                <a16:creationId xmlns:a16="http://schemas.microsoft.com/office/drawing/2014/main" id="{74FD0DC6-7BF2-5E41-AC61-BBC9150AC7C7}"/>
-              </a:ext>
-            </a:extLst>
-          </p:cNvPr>
-          <p:cNvSpPr>
-            <a:spLocks noGrp="1"/>
-          </p:cNvSpPr>
-          <p:nvPr>
-            <p:ph type="title"/>
-          </p:nvPr>
-        </p:nvSpPr>
-        <p:spPr/>
-        <p:txBody>
-          <a:bodyPr/>
-          <a:lstStyle/>
-          <a:p>
-            <a:r>
-              <a:rPr lang="en-US" dirty="0"/>
-              <a:t>Blobs of data</a:t>
-            </a:r>
-          </a:p>
-        </p:txBody>
-      </p:sp>
-      <p:sp>
-        <p:nvSpPr>
-          <p:cNvPr id="3" name="Content Placeholder 2">
-            <a:extLst>
-              <a:ext uri="{FF2B5EF4-FFF2-40B4-BE49-F238E27FC236}">
-                <a16:creationId xmlns:a16="http://schemas.microsoft.com/office/drawing/2014/main" id="{3574E199-93FE-5047-9D18-A30CF6E97147}"/>
-              </a:ext>
-            </a:extLst>
-          </p:cNvPr>
-          <p:cNvSpPr>
-            <a:spLocks noGrp="1"/>
-          </p:cNvSpPr>
-          <p:nvPr>
-            <p:ph idx="1"/>
-          </p:nvPr>
-        </p:nvSpPr>
-        <p:spPr/>
-        <p:txBody>
-          <a:bodyPr/>
-          <a:lstStyle/>
-          <a:p>
-            <a:endParaRPr lang="en-US" dirty="0"/>
-          </a:p>
-        </p:txBody>
-      </p:sp>
-      <p:sp>
-        <p:nvSpPr>
-          <p:cNvPr id="4" name="Rectangle 3">
-            <a:extLst>
-              <a:ext uri="{FF2B5EF4-FFF2-40B4-BE49-F238E27FC236}">
-                <a16:creationId xmlns:a16="http://schemas.microsoft.com/office/drawing/2014/main" id="{3BBF8EE8-F469-2943-9D7B-F38B397138F6}"/>
-              </a:ext>
-            </a:extLst>
-          </p:cNvPr>
-          <p:cNvSpPr/>
-          <p:nvPr/>
-        </p:nvSpPr>
-        <p:spPr>
-          <a:xfrm>
-            <a:off x="343710" y="2202828"/>
-            <a:ext cx="6096000" cy="2031325"/>
-          </a:xfrm>
-          <a:prstGeom prst="rect">
-            <a:avLst/>
-          </a:prstGeom>
-          <a:solidFill>
-            <a:schemeClr val="accent4">
-              <a:lumMod val="20000"/>
-              <a:lumOff val="80000"/>
-            </a:schemeClr>
-          </a:solidFill>
-          <a:ln>
-            <a:solidFill>
-              <a:schemeClr val="accent1"/>
-            </a:solidFill>
-          </a:ln>
-        </p:spPr>
-        <p:txBody>
-          <a:bodyPr>
-            <a:spAutoFit/>
-          </a:bodyPr>
-          <a:lstStyle/>
-          <a:p>
-            <a:r>
-              <a:rPr lang="en-US" dirty="0">
-                <a:solidFill>
-                  <a:srgbClr val="000000"/>
-                </a:solidFill>
-                <a:latin typeface="Arial" panose="020B0604020202020204" pitchFamily="34" charset="0"/>
-                <a:cs typeface="Arial" panose="020B0604020202020204" pitchFamily="34" charset="0"/>
-              </a:rPr>
-              <a:t>Date: Wed, 18 Oct 2000 03:00:00 -0700 (PDT)</a:t>
-            </a:r>
-          </a:p>
-          <a:p>
-            <a:r>
-              <a:rPr lang="en-US" dirty="0">
-                <a:solidFill>
-                  <a:srgbClr val="000000"/>
-                </a:solidFill>
-                <a:latin typeface="Arial" panose="020B0604020202020204" pitchFamily="34" charset="0"/>
-                <a:cs typeface="Arial" panose="020B0604020202020204" pitchFamily="34" charset="0"/>
-              </a:rPr>
-              <a:t>From: </a:t>
-            </a:r>
-            <a:r>
-              <a:rPr lang="en-US" dirty="0" err="1">
-                <a:solidFill>
-                  <a:srgbClr val="000000"/>
-                </a:solidFill>
-                <a:latin typeface="Arial" panose="020B0604020202020204" pitchFamily="34" charset="0"/>
-                <a:cs typeface="Arial" panose="020B0604020202020204" pitchFamily="34" charset="0"/>
-              </a:rPr>
-              <a:t>phillip.allen@enron.com</a:t>
-            </a:r>
-            <a:endParaRPr lang="en-US" dirty="0">
-              <a:solidFill>
-                <a:srgbClr val="000000"/>
-              </a:solidFill>
-              <a:latin typeface="Arial" panose="020B0604020202020204" pitchFamily="34" charset="0"/>
-              <a:cs typeface="Arial" panose="020B0604020202020204" pitchFamily="34" charset="0"/>
-            </a:endParaRPr>
-          </a:p>
-          <a:p>
-            <a:r>
-              <a:rPr lang="en-US" dirty="0">
-                <a:solidFill>
-                  <a:srgbClr val="000000"/>
-                </a:solidFill>
-                <a:latin typeface="Arial" panose="020B0604020202020204" pitchFamily="34" charset="0"/>
-                <a:cs typeface="Arial" panose="020B0604020202020204" pitchFamily="34" charset="0"/>
-              </a:rPr>
-              <a:t>To: </a:t>
-            </a:r>
-            <a:r>
-              <a:rPr lang="en-US" dirty="0" err="1">
-                <a:solidFill>
-                  <a:srgbClr val="000000"/>
-                </a:solidFill>
-                <a:latin typeface="Arial" panose="020B0604020202020204" pitchFamily="34" charset="0"/>
-                <a:cs typeface="Arial" panose="020B0604020202020204" pitchFamily="34" charset="0"/>
-              </a:rPr>
-              <a:t>leah.arsdall@enron.com</a:t>
-            </a:r>
-            <a:endParaRPr lang="en-US" dirty="0">
-              <a:solidFill>
-                <a:srgbClr val="000000"/>
-              </a:solidFill>
-              <a:latin typeface="Arial" panose="020B0604020202020204" pitchFamily="34" charset="0"/>
-              <a:cs typeface="Arial" panose="020B0604020202020204" pitchFamily="34" charset="0"/>
-            </a:endParaRPr>
-          </a:p>
-          <a:p>
-            <a:r>
-              <a:rPr lang="en-US" dirty="0">
-                <a:solidFill>
-                  <a:srgbClr val="000000"/>
-                </a:solidFill>
-                <a:latin typeface="Arial" panose="020B0604020202020204" pitchFamily="34" charset="0"/>
-                <a:cs typeface="Arial" panose="020B0604020202020204" pitchFamily="34" charset="0"/>
-              </a:rPr>
-              <a:t>Subject: Re: test</a:t>
-            </a:r>
-          </a:p>
-          <a:p>
-            <a:r>
-              <a:rPr lang="en-US" dirty="0">
-                <a:solidFill>
-                  <a:srgbClr val="000000"/>
-                </a:solidFill>
-                <a:latin typeface="Arial" panose="020B0604020202020204" pitchFamily="34" charset="0"/>
-                <a:cs typeface="Arial" panose="020B0604020202020204" pitchFamily="34" charset="0"/>
-              </a:rPr>
-              <a:t>Mime-Version: 1.0</a:t>
-            </a:r>
-          </a:p>
-          <a:p>
-            <a:r>
-              <a:rPr lang="en-US" dirty="0">
-                <a:solidFill>
-                  <a:srgbClr val="000000"/>
-                </a:solidFill>
-                <a:latin typeface="Arial" panose="020B0604020202020204" pitchFamily="34" charset="0"/>
-                <a:cs typeface="Arial" panose="020B0604020202020204" pitchFamily="34" charset="0"/>
-              </a:rPr>
-              <a:t>Content-Type: text/plain; charset=us-ascii</a:t>
-            </a:r>
-          </a:p>
-          <a:p>
-            <a:r>
-              <a:rPr lang="en-US" dirty="0">
-                <a:solidFill>
-                  <a:srgbClr val="000000"/>
-                </a:solidFill>
-                <a:effectLst/>
-                <a:latin typeface="Arial" panose="020B0604020202020204" pitchFamily="34" charset="0"/>
-                <a:cs typeface="Arial" panose="020B0604020202020204" pitchFamily="34" charset="0"/>
-              </a:rPr>
-              <a:t>…</a:t>
-            </a:r>
-          </a:p>
-        </p:txBody>
-      </p:sp>
-      <p:sp>
-        <p:nvSpPr>
-          <p:cNvPr id="5" name="Rectangle 4">
-            <a:extLst>
-              <a:ext uri="{FF2B5EF4-FFF2-40B4-BE49-F238E27FC236}">
-                <a16:creationId xmlns:a16="http://schemas.microsoft.com/office/drawing/2014/main" id="{AC513689-AAC6-6446-984D-5CDBC2C58D4C}"/>
-              </a:ext>
-            </a:extLst>
-          </p:cNvPr>
-          <p:cNvSpPr/>
-          <p:nvPr/>
-        </p:nvSpPr>
-        <p:spPr>
-          <a:xfrm>
-            <a:off x="1316684" y="3079991"/>
-            <a:ext cx="6096000" cy="2308324"/>
-          </a:xfrm>
-          <a:prstGeom prst="rect">
-            <a:avLst/>
-          </a:prstGeom>
-          <a:solidFill>
-            <a:schemeClr val="accent4">
-              <a:lumMod val="20000"/>
-              <a:lumOff val="80000"/>
-            </a:schemeClr>
-          </a:solidFill>
-          <a:ln>
-            <a:solidFill>
-              <a:schemeClr val="accent1"/>
-            </a:solidFill>
-          </a:ln>
-        </p:spPr>
-        <p:txBody>
-          <a:bodyPr>
-            <a:spAutoFit/>
-          </a:bodyPr>
-          <a:lstStyle/>
-          <a:p>
-            <a:r>
-              <a:rPr lang="en-US" dirty="0"/>
-              <a:t>Date: Mon, 16 Oct 2000 06:42:00 -0700 (PDT)</a:t>
-            </a:r>
-          </a:p>
-          <a:p>
-            <a:r>
-              <a:rPr lang="en-US" dirty="0"/>
-              <a:t>From: </a:t>
-            </a:r>
-            <a:r>
-              <a:rPr lang="en-US" dirty="0" err="1"/>
-              <a:t>phillip.allen@enron.com</a:t>
-            </a:r>
-            <a:endParaRPr lang="en-US" dirty="0"/>
-          </a:p>
-          <a:p>
-            <a:r>
-              <a:rPr lang="en-US" dirty="0"/>
-              <a:t>To: </a:t>
-            </a:r>
-            <a:r>
-              <a:rPr lang="en-US" dirty="0" err="1"/>
-              <a:t>buck.buckner@honeywell.com</a:t>
-            </a:r>
-            <a:endParaRPr lang="en-US" dirty="0"/>
-          </a:p>
-          <a:p>
-            <a:r>
-              <a:rPr lang="en-US" dirty="0"/>
-              <a:t>Subject: Re: FW: fixed forward or other Collar floor gas price terms</a:t>
-            </a:r>
-          </a:p>
-          <a:p>
-            <a:r>
-              <a:rPr lang="en-US" dirty="0"/>
-              <a:t>Mime-Version: 1.0</a:t>
-            </a:r>
-          </a:p>
-          <a:p>
-            <a:r>
-              <a:rPr lang="en-US" dirty="0"/>
-              <a:t>Content-Type: text/plain; charset=us-ascii</a:t>
-            </a:r>
-          </a:p>
-          <a:p>
-            <a:r>
-              <a:rPr lang="en-US" dirty="0"/>
-              <a:t>…</a:t>
-            </a:r>
-          </a:p>
-        </p:txBody>
-      </p:sp>
-      <p:sp>
-        <p:nvSpPr>
-          <p:cNvPr id="6" name="Rectangle 5">
-            <a:extLst>
-              <a:ext uri="{FF2B5EF4-FFF2-40B4-BE49-F238E27FC236}">
-                <a16:creationId xmlns:a16="http://schemas.microsoft.com/office/drawing/2014/main" id="{45B01D02-B9B9-E74B-B066-9DDCDAC91D68}"/>
-              </a:ext>
-            </a:extLst>
-          </p:cNvPr>
-          <p:cNvSpPr/>
-          <p:nvPr/>
-        </p:nvSpPr>
-        <p:spPr>
-          <a:xfrm>
-            <a:off x="2314268" y="4001294"/>
-            <a:ext cx="6096000" cy="2031325"/>
-          </a:xfrm>
-          <a:prstGeom prst="rect">
-            <a:avLst/>
-          </a:prstGeom>
-          <a:solidFill>
-            <a:schemeClr val="accent4">
-              <a:lumMod val="20000"/>
-              <a:lumOff val="80000"/>
-            </a:schemeClr>
-          </a:solidFill>
-          <a:ln>
-            <a:solidFill>
-              <a:schemeClr val="accent1"/>
-            </a:solidFill>
-          </a:ln>
-        </p:spPr>
-        <p:txBody>
-          <a:bodyPr>
-            <a:spAutoFit/>
-          </a:bodyPr>
-          <a:lstStyle/>
-          <a:p>
-            <a:r>
-              <a:rPr lang="en-US" dirty="0"/>
-              <a:t>Date: Mon, 9 Oct 2000 07:00:00 -0700 (PDT)</a:t>
-            </a:r>
-          </a:p>
-          <a:p>
-            <a:r>
-              <a:rPr lang="en-US" dirty="0"/>
-              <a:t>From: </a:t>
-            </a:r>
-            <a:r>
-              <a:rPr lang="en-US" dirty="0" err="1"/>
-              <a:t>phillip.allen@enron.com</a:t>
-            </a:r>
-            <a:endParaRPr lang="en-US" dirty="0"/>
-          </a:p>
-          <a:p>
-            <a:r>
-              <a:rPr lang="en-US" dirty="0"/>
-              <a:t>To: </a:t>
-            </a:r>
-            <a:r>
-              <a:rPr lang="en-US" dirty="0" err="1"/>
-              <a:t>keith.holst@enron.com</a:t>
-            </a:r>
-            <a:endParaRPr lang="en-US" dirty="0"/>
-          </a:p>
-          <a:p>
-            <a:r>
-              <a:rPr lang="en-US" dirty="0"/>
-              <a:t>Subject: Consolidated positions: Issues &amp; To Do list</a:t>
-            </a:r>
-          </a:p>
-          <a:p>
-            <a:r>
-              <a:rPr lang="en-US" dirty="0"/>
-              <a:t>Mime-Version: 1.0</a:t>
-            </a:r>
-          </a:p>
-          <a:p>
-            <a:r>
-              <a:rPr lang="en-US" dirty="0"/>
-              <a:t>Content-Type: text/plain; charset=us-ascii</a:t>
-            </a:r>
-          </a:p>
-          <a:p>
-            <a:r>
-              <a:rPr lang="en-US" dirty="0"/>
-              <a:t>…</a:t>
-            </a:r>
-          </a:p>
-        </p:txBody>
-      </p:sp>
-      <p:sp>
-        <p:nvSpPr>
-          <p:cNvPr id="7" name="TextBox 6">
-            <a:extLst>
-              <a:ext uri="{FF2B5EF4-FFF2-40B4-BE49-F238E27FC236}">
-                <a16:creationId xmlns:a16="http://schemas.microsoft.com/office/drawing/2014/main" id="{C01C093C-D6BA-8B46-9100-3445530B1AAA}"/>
-              </a:ext>
-            </a:extLst>
-          </p:cNvPr>
-          <p:cNvSpPr txBox="1"/>
-          <p:nvPr/>
-        </p:nvSpPr>
-        <p:spPr>
-          <a:xfrm>
-            <a:off x="243051" y="6337634"/>
-            <a:ext cx="5852949" cy="369332"/>
-          </a:xfrm>
-          <a:prstGeom prst="rect">
-            <a:avLst/>
-          </a:prstGeom>
-          <a:noFill/>
-        </p:spPr>
-        <p:txBody>
-          <a:bodyPr wrap="none" rtlCol="0">
-            <a:spAutoFit/>
-          </a:bodyPr>
-          <a:lstStyle/>
-          <a:p>
-            <a:r>
-              <a:rPr lang="en-US" dirty="0"/>
-              <a:t>https://</a:t>
-            </a:r>
-            <a:r>
-              <a:rPr lang="en-US" dirty="0" err="1"/>
-              <a:t>www.kaggle.com</a:t>
-            </a:r>
-            <a:r>
-              <a:rPr lang="en-US" dirty="0"/>
-              <a:t>/</a:t>
-            </a:r>
-            <a:r>
-              <a:rPr lang="en-US" dirty="0" err="1"/>
-              <a:t>wcukierski</a:t>
-            </a:r>
-            <a:r>
-              <a:rPr lang="en-US" dirty="0"/>
-              <a:t>/</a:t>
-            </a:r>
-            <a:r>
-              <a:rPr lang="en-US" dirty="0" err="1"/>
-              <a:t>enron</a:t>
-            </a:r>
-            <a:r>
-              <a:rPr lang="en-US" dirty="0"/>
-              <a:t>-email-dataset</a:t>
-            </a:r>
-          </a:p>
-        </p:txBody>
-      </p:sp>
-    </p:spTree>
-    <p:extLst>
-      <p:ext uri="{BB962C8B-B14F-4D97-AF65-F5344CB8AC3E}">
-        <p14:creationId xmlns:p14="http://schemas.microsoft.com/office/powerpoint/2010/main" val="1704895157"/>
-      </p:ext>
-    </p:extLst>
-  </p:cSld>
-  <p:clrMapOvr>
-    <a:masterClrMapping/>
-  </p:clrMapOvr>
-</p:sld>
-</file>
-
-<file path=ppt/slides/slide15.xml><?xml version="1.0" encoding="utf-8"?>
-<p:sld xmlns:a="http://schemas.openxmlformats.org/drawingml/2006/main" xmlns:r="http://schemas.openxmlformats.org/officeDocument/2006/relationships" xmlns:p="http://schemas.openxmlformats.org/presentationml/2006/main">
-  <p:cSld>
-    <p:spTree>
-      <p:nvGrpSpPr>
-        <p:cNvPr id="1" name=""/>
-        <p:cNvGrpSpPr/>
-        <p:nvPr/>
-      </p:nvGrpSpPr>
-      <p:grpSpPr>
-        <a:xfrm>
-          <a:off x="0" y="0"/>
-          <a:ext cx="0" cy="0"/>
-          <a:chOff x="0" y="0"/>
-          <a:chExt cx="0" cy="0"/>
-        </a:xfrm>
-      </p:grpSpPr>
-      <p:sp>
-        <p:nvSpPr>
-          <p:cNvPr id="2" name="Title 1">
-            <a:extLst>
-              <a:ext uri="{FF2B5EF4-FFF2-40B4-BE49-F238E27FC236}">
-                <a16:creationId xmlns:a16="http://schemas.microsoft.com/office/drawing/2014/main" id="{808F939B-86D1-E344-85EA-E906B5894925}"/>
-              </a:ext>
-            </a:extLst>
-          </p:cNvPr>
-          <p:cNvSpPr>
-            <a:spLocks noGrp="1"/>
-          </p:cNvSpPr>
-          <p:nvPr>
-            <p:ph type="title"/>
-          </p:nvPr>
-        </p:nvSpPr>
-        <p:spPr/>
-        <p:txBody>
-          <a:bodyPr/>
-          <a:lstStyle/>
-          <a:p>
-            <a:r>
-              <a:rPr lang="en-US" i="1" dirty="0"/>
-              <a:t>Depth-first walk,</a:t>
-            </a:r>
-            <a:r>
-              <a:rPr lang="en-US" dirty="0"/>
-              <a:t> two different </a:t>
-            </a:r>
-            <a:r>
-              <a:rPr lang="en-US" i="1" dirty="0"/>
-              <a:t>traversals</a:t>
-            </a:r>
-          </a:p>
-        </p:txBody>
-      </p:sp>
-      <p:pic>
-        <p:nvPicPr>
-          <p:cNvPr id="5" name="Content Placeholder 4">
-            <a:extLst>
-              <a:ext uri="{FF2B5EF4-FFF2-40B4-BE49-F238E27FC236}">
-                <a16:creationId xmlns:a16="http://schemas.microsoft.com/office/drawing/2014/main" id="{FFD8B17C-9D7A-CB4E-9BF2-5FDCC112FC52}"/>
-              </a:ext>
-            </a:extLst>
-          </p:cNvPr>
-          <p:cNvPicPr>
-            <a:picLocks noGrp="1" noChangeAspect="1"/>
-          </p:cNvPicPr>
-          <p:nvPr>
-            <p:ph idx="1"/>
-          </p:nvPr>
-        </p:nvPicPr>
-        <p:blipFill>
-          <a:blip r:embed="rId2"/>
-          <a:stretch>
-            <a:fillRect/>
-          </a:stretch>
-        </p:blipFill>
-        <p:spPr>
-          <a:xfrm>
-            <a:off x="838200" y="3873770"/>
-            <a:ext cx="2794000" cy="2387600"/>
-          </a:xfrm>
-          <a:prstGeom prst="rect">
-            <a:avLst/>
-          </a:prstGeom>
-        </p:spPr>
-      </p:pic>
-      <p:pic>
-        <p:nvPicPr>
-          <p:cNvPr id="4" name="Picture 3">
-            <a:extLst>
-              <a:ext uri="{FF2B5EF4-FFF2-40B4-BE49-F238E27FC236}">
-                <a16:creationId xmlns:a16="http://schemas.microsoft.com/office/drawing/2014/main" id="{C27CCADF-D780-6A49-90A4-98D9C79746C0}"/>
-              </a:ext>
-            </a:extLst>
-          </p:cNvPr>
-          <p:cNvPicPr>
-            <a:picLocks noChangeAspect="1"/>
-          </p:cNvPicPr>
-          <p:nvPr/>
-        </p:nvPicPr>
-        <p:blipFill>
-          <a:blip r:embed="rId3"/>
-          <a:stretch>
-            <a:fillRect/>
-          </a:stretch>
-        </p:blipFill>
-        <p:spPr>
-          <a:xfrm>
-            <a:off x="838200" y="1486170"/>
-            <a:ext cx="2794000" cy="2387600"/>
-          </a:xfrm>
-          <a:prstGeom prst="rect">
-            <a:avLst/>
-          </a:prstGeom>
-        </p:spPr>
-      </p:pic>
-      <p:sp>
-        <p:nvSpPr>
-          <p:cNvPr id="6" name="Rectangle 5">
-            <a:extLst>
-              <a:ext uri="{FF2B5EF4-FFF2-40B4-BE49-F238E27FC236}">
-                <a16:creationId xmlns:a16="http://schemas.microsoft.com/office/drawing/2014/main" id="{02B723C5-4686-F141-8512-D3865FD95D72}"/>
-              </a:ext>
-            </a:extLst>
-          </p:cNvPr>
-          <p:cNvSpPr/>
-          <p:nvPr/>
-        </p:nvSpPr>
-        <p:spPr>
-          <a:xfrm>
-            <a:off x="144573" y="6435166"/>
-            <a:ext cx="2504853" cy="369332"/>
-          </a:xfrm>
-          <a:prstGeom prst="rect">
-            <a:avLst/>
-          </a:prstGeom>
-        </p:spPr>
-        <p:txBody>
-          <a:bodyPr wrap="none">
-            <a:spAutoFit/>
-          </a:bodyPr>
-          <a:lstStyle/>
-          <a:p>
-            <a:r>
-              <a:rPr lang="en-US" dirty="0">
-                <a:solidFill>
-                  <a:srgbClr val="000000"/>
-                </a:solidFill>
-                <a:latin typeface="Helvetica Neue" panose="02000503000000020004" pitchFamily="2" charset="0"/>
-              </a:rPr>
-              <a:t>Images from </a:t>
-            </a:r>
-            <a:r>
-              <a:rPr lang="en-US" dirty="0" err="1">
-                <a:solidFill>
-                  <a:srgbClr val="000000"/>
-                </a:solidFill>
-                <a:latin typeface="Helvetica Neue" panose="02000503000000020004" pitchFamily="2" charset="0"/>
-              </a:rPr>
-              <a:t>wikipedia</a:t>
-            </a:r>
-            <a:endParaRPr lang="en-US" dirty="0"/>
-          </a:p>
-        </p:txBody>
-      </p:sp>
-      <p:sp>
-        <p:nvSpPr>
-          <p:cNvPr id="8" name="TextBox 7">
-            <a:extLst>
-              <a:ext uri="{FF2B5EF4-FFF2-40B4-BE49-F238E27FC236}">
-                <a16:creationId xmlns:a16="http://schemas.microsoft.com/office/drawing/2014/main" id="{DFD99BD3-B035-754E-A881-47DC2C10B1E4}"/>
-              </a:ext>
-            </a:extLst>
-          </p:cNvPr>
-          <p:cNvSpPr txBox="1"/>
-          <p:nvPr/>
-        </p:nvSpPr>
-        <p:spPr>
-          <a:xfrm>
-            <a:off x="4645543" y="1690688"/>
-            <a:ext cx="5840874" cy="1938992"/>
-          </a:xfrm>
-          <a:prstGeom prst="rect">
-            <a:avLst/>
-          </a:prstGeom>
-          <a:noFill/>
-          <a:ln>
-            <a:solidFill>
-              <a:schemeClr val="accent1"/>
-            </a:solidFill>
-          </a:ln>
-        </p:spPr>
-        <p:txBody>
-          <a:bodyPr wrap="square" rtlCol="0">
-            <a:spAutoFit/>
-          </a:bodyPr>
-          <a:lstStyle/>
-          <a:p>
-            <a:r>
-              <a:rPr lang="en-US" sz="2400" dirty="0">
-                <a:latin typeface="Monaco" charset="0"/>
-                <a:ea typeface="Monaco" charset="0"/>
-                <a:cs typeface="Monaco" charset="0"/>
-              </a:rPr>
-              <a:t>def walk(t):</a:t>
-            </a:r>
-          </a:p>
-          <a:p>
-            <a:r>
-              <a:rPr lang="en-US" sz="2400" dirty="0">
-                <a:latin typeface="Monaco" charset="0"/>
-                <a:ea typeface="Monaco" charset="0"/>
-                <a:cs typeface="Monaco" charset="0"/>
-              </a:rPr>
-              <a:t>    if t is None: return</a:t>
-            </a:r>
-          </a:p>
-          <a:p>
-            <a:r>
-              <a:rPr lang="en-US" sz="2400" dirty="0">
-                <a:latin typeface="Monaco" charset="0"/>
-                <a:ea typeface="Monaco" charset="0"/>
-                <a:cs typeface="Monaco" charset="0"/>
-              </a:rPr>
-              <a:t>    print(</a:t>
-            </a:r>
-            <a:r>
-              <a:rPr lang="en-US" sz="2400" dirty="0" err="1">
-                <a:latin typeface="Monaco" charset="0"/>
-                <a:ea typeface="Monaco" charset="0"/>
-                <a:cs typeface="Monaco" charset="0"/>
-              </a:rPr>
-              <a:t>t.value</a:t>
-            </a:r>
-            <a:r>
-              <a:rPr lang="en-US" sz="2400" dirty="0">
-                <a:latin typeface="Monaco" charset="0"/>
-                <a:ea typeface="Monaco" charset="0"/>
-                <a:cs typeface="Monaco" charset="0"/>
-              </a:rPr>
-              <a:t>) # before    </a:t>
-            </a:r>
-          </a:p>
-          <a:p>
-            <a:r>
-              <a:rPr lang="en-US" sz="2400" dirty="0">
-                <a:latin typeface="Monaco" charset="0"/>
-                <a:ea typeface="Monaco" charset="0"/>
-                <a:cs typeface="Monaco" charset="0"/>
-              </a:rPr>
-              <a:t>    walk(</a:t>
-            </a:r>
-            <a:r>
-              <a:rPr lang="en-US" sz="2400" dirty="0" err="1">
-                <a:latin typeface="Monaco" charset="0"/>
-                <a:ea typeface="Monaco" charset="0"/>
-                <a:cs typeface="Monaco" charset="0"/>
-              </a:rPr>
-              <a:t>t.left</a:t>
-            </a:r>
-            <a:r>
-              <a:rPr lang="en-US" sz="2400" dirty="0">
-                <a:latin typeface="Monaco" charset="0"/>
-                <a:ea typeface="Monaco" charset="0"/>
-                <a:cs typeface="Monaco" charset="0"/>
-              </a:rPr>
-              <a:t>)</a:t>
-            </a:r>
-          </a:p>
-          <a:p>
-            <a:r>
-              <a:rPr lang="en-US" sz="2400" dirty="0">
-                <a:latin typeface="Monaco" charset="0"/>
-                <a:ea typeface="Monaco" charset="0"/>
-                <a:cs typeface="Monaco" charset="0"/>
-              </a:rPr>
-              <a:t>    walk(</a:t>
-            </a:r>
-            <a:r>
-              <a:rPr lang="en-US" sz="2400" dirty="0" err="1">
-                <a:latin typeface="Monaco" charset="0"/>
-                <a:ea typeface="Monaco" charset="0"/>
-                <a:cs typeface="Monaco" charset="0"/>
-              </a:rPr>
-              <a:t>t.right</a:t>
-            </a:r>
-            <a:r>
-              <a:rPr lang="en-US" sz="2400" dirty="0">
-                <a:latin typeface="Monaco" charset="0"/>
-                <a:ea typeface="Monaco" charset="0"/>
-                <a:cs typeface="Monaco" charset="0"/>
-              </a:rPr>
-              <a:t>)</a:t>
-            </a:r>
-          </a:p>
-        </p:txBody>
-      </p:sp>
-      <p:sp>
-        <p:nvSpPr>
-          <p:cNvPr id="9" name="TextBox 8">
-            <a:extLst>
-              <a:ext uri="{FF2B5EF4-FFF2-40B4-BE49-F238E27FC236}">
-                <a16:creationId xmlns:a16="http://schemas.microsoft.com/office/drawing/2014/main" id="{6E9F57A8-254F-CA44-823F-E0CBA8D6720D}"/>
-              </a:ext>
-            </a:extLst>
-          </p:cNvPr>
-          <p:cNvSpPr txBox="1"/>
-          <p:nvPr/>
-        </p:nvSpPr>
-        <p:spPr>
-          <a:xfrm>
-            <a:off x="4645543" y="4098074"/>
-            <a:ext cx="5840874" cy="1938992"/>
-          </a:xfrm>
-          <a:prstGeom prst="rect">
-            <a:avLst/>
-          </a:prstGeom>
-          <a:noFill/>
-          <a:ln>
-            <a:solidFill>
-              <a:schemeClr val="accent1"/>
-            </a:solidFill>
-          </a:ln>
-        </p:spPr>
-        <p:txBody>
-          <a:bodyPr wrap="square" rtlCol="0">
-            <a:spAutoFit/>
-          </a:bodyPr>
-          <a:lstStyle/>
-          <a:p>
-            <a:r>
-              <a:rPr lang="en-US" sz="2400" dirty="0">
-                <a:latin typeface="Monaco" charset="0"/>
-                <a:ea typeface="Monaco" charset="0"/>
-                <a:cs typeface="Monaco" charset="0"/>
-              </a:rPr>
-              <a:t>def walk(t):</a:t>
-            </a:r>
-          </a:p>
-          <a:p>
-            <a:r>
-              <a:rPr lang="en-US" sz="2400" dirty="0">
-                <a:latin typeface="Monaco" charset="0"/>
-                <a:ea typeface="Monaco" charset="0"/>
-                <a:cs typeface="Monaco" charset="0"/>
-              </a:rPr>
-              <a:t>    if t is None: return</a:t>
-            </a:r>
-          </a:p>
-          <a:p>
-            <a:r>
-              <a:rPr lang="en-US" sz="2400" dirty="0">
-                <a:latin typeface="Monaco" charset="0"/>
-                <a:ea typeface="Monaco" charset="0"/>
-                <a:cs typeface="Monaco" charset="0"/>
-              </a:rPr>
-              <a:t>    walk(</a:t>
-            </a:r>
-            <a:r>
-              <a:rPr lang="en-US" sz="2400" dirty="0" err="1">
-                <a:latin typeface="Monaco" charset="0"/>
-                <a:ea typeface="Monaco" charset="0"/>
-                <a:cs typeface="Monaco" charset="0"/>
-              </a:rPr>
-              <a:t>t.left</a:t>
-            </a:r>
-            <a:r>
-              <a:rPr lang="en-US" sz="2400" dirty="0">
-                <a:latin typeface="Monaco" charset="0"/>
-                <a:ea typeface="Monaco" charset="0"/>
-                <a:cs typeface="Monaco" charset="0"/>
-              </a:rPr>
-              <a:t>)</a:t>
-            </a:r>
-          </a:p>
-          <a:p>
-            <a:r>
-              <a:rPr lang="en-US" sz="2400" dirty="0">
-                <a:latin typeface="Monaco" charset="0"/>
-                <a:ea typeface="Monaco" charset="0"/>
-                <a:cs typeface="Monaco" charset="0"/>
-              </a:rPr>
-              <a:t>    walk(</a:t>
-            </a:r>
-            <a:r>
-              <a:rPr lang="en-US" sz="2400" dirty="0" err="1">
-                <a:latin typeface="Monaco" charset="0"/>
-                <a:ea typeface="Monaco" charset="0"/>
-                <a:cs typeface="Monaco" charset="0"/>
-              </a:rPr>
-              <a:t>t.right</a:t>
-            </a:r>
-            <a:r>
-              <a:rPr lang="en-US" sz="2400" dirty="0">
-                <a:latin typeface="Monaco" charset="0"/>
-                <a:ea typeface="Monaco" charset="0"/>
-                <a:cs typeface="Monaco" charset="0"/>
-              </a:rPr>
-              <a:t>)</a:t>
-            </a:r>
-          </a:p>
-          <a:p>
-            <a:r>
-              <a:rPr lang="en-US" sz="2400" dirty="0">
-                <a:latin typeface="Monaco" charset="0"/>
-                <a:ea typeface="Monaco" charset="0"/>
-                <a:cs typeface="Monaco" charset="0"/>
-              </a:rPr>
-              <a:t>    print(</a:t>
-            </a:r>
-            <a:r>
-              <a:rPr lang="en-US" sz="2400" dirty="0" err="1">
-                <a:latin typeface="Monaco" charset="0"/>
-                <a:ea typeface="Monaco" charset="0"/>
-                <a:cs typeface="Monaco" charset="0"/>
-              </a:rPr>
-              <a:t>t.value</a:t>
-            </a:r>
-            <a:r>
-              <a:rPr lang="en-US" sz="2400" dirty="0">
-                <a:latin typeface="Monaco" charset="0"/>
-                <a:ea typeface="Monaco" charset="0"/>
-                <a:cs typeface="Monaco" charset="0"/>
-              </a:rPr>
-              <a:t>) # after</a:t>
-            </a:r>
-          </a:p>
-        </p:txBody>
-      </p:sp>
-    </p:spTree>
-    <p:extLst>
-      <p:ext uri="{BB962C8B-B14F-4D97-AF65-F5344CB8AC3E}">
-        <p14:creationId xmlns:p14="http://schemas.microsoft.com/office/powerpoint/2010/main" val="2215821749"/>
-      </p:ext>
-    </p:extLst>
-  </p:cSld>
-  <p:clrMapOvr>
-    <a:masterClrMapping/>
-  </p:clrMapOvr>
-</p:sld>
-</file>
-
-<file path=ppt/slides/slide2.xml><?xml version="1.0" encoding="utf-8"?>
-<p:sld xmlns:a="http://schemas.openxmlformats.org/drawingml/2006/main" xmlns:r="http://schemas.openxmlformats.org/officeDocument/2006/relationships" xmlns:p="http://schemas.openxmlformats.org/presentationml/2006/main">
-  <p:cSld>
-    <p:spTree>
-      <p:nvGrpSpPr>
-        <p:cNvPr id="1" name=""/>
-        <p:cNvGrpSpPr/>
-        <p:nvPr/>
-      </p:nvGrpSpPr>
-      <p:grpSpPr>
-        <a:xfrm>
-          <a:off x="0" y="0"/>
-          <a:ext cx="0" cy="0"/>
-          <a:chOff x="0" y="0"/>
-          <a:chExt cx="0" cy="0"/>
-        </a:xfrm>
-      </p:grpSpPr>
-      <p:sp>
-        <p:nvSpPr>
-          <p:cNvPr id="2" name="Title 1"/>
-          <p:cNvSpPr>
-            <a:spLocks noGrp="1"/>
-          </p:cNvSpPr>
-          <p:nvPr>
-            <p:ph type="title"/>
-          </p:nvPr>
-        </p:nvSpPr>
-        <p:spPr/>
-        <p:txBody>
-          <a:bodyPr/>
-          <a:lstStyle/>
-          <a:p>
-            <a:r>
-              <a:rPr lang="en-US" dirty="0"/>
-              <a:t>title</a:t>
-            </a:r>
-          </a:p>
-        </p:txBody>
-      </p:sp>
-      <p:sp>
-        <p:nvSpPr>
-          <p:cNvPr id="3" name="Content Placeholder 2"/>
-          <p:cNvSpPr>
-            <a:spLocks noGrp="1"/>
-          </p:cNvSpPr>
-          <p:nvPr>
-            <p:ph idx="1"/>
-          </p:nvPr>
-        </p:nvSpPr>
-        <p:spPr>
-          <a:xfrm>
-            <a:off x="838200" y="1815897"/>
-            <a:ext cx="10515600" cy="4351338"/>
-          </a:xfrm>
-        </p:spPr>
-        <p:txBody>
-          <a:bodyPr>
-            <a:normAutofit fontScale="77500" lnSpcReduction="20000"/>
-          </a:bodyPr>
-          <a:lstStyle/>
-          <a:p>
-            <a:r>
-              <a:rPr lang="en-US" dirty="0"/>
-              <a:t>trade off between time and space, like driving to the other side of town to say 5%.  unordered list, sorted list, hash table</a:t>
-            </a:r>
-          </a:p>
-          <a:p>
-            <a:r>
-              <a:rPr lang="en-US" dirty="0"/>
-              <a:t>linked list, array, sets, stack, </a:t>
-            </a:r>
-            <a:r>
-              <a:rPr lang="en-US" dirty="0" err="1"/>
-              <a:t>htable</a:t>
-            </a:r>
-            <a:r>
-              <a:rPr lang="en-US" dirty="0"/>
-              <a:t>, graph, tree, binary tree</a:t>
-            </a:r>
-          </a:p>
-          <a:p>
-            <a:r>
-              <a:rPr lang="en-US" dirty="0"/>
-              <a:t> abstract data type vs implementation; tree with pointers and order 2k+1, 2k+2</a:t>
-            </a:r>
-          </a:p>
-          <a:p>
-            <a:r>
-              <a:rPr lang="en-US" dirty="0"/>
-              <a:t>what’s inside the cells matters; type. is there an order or is it purely categorical. heterogeneous types / data? sorted array, BST vs binary-tree</a:t>
-            </a:r>
-          </a:p>
-          <a:p>
-            <a:r>
-              <a:rPr lang="en-US" dirty="0" err="1"/>
-              <a:t>alg</a:t>
-            </a:r>
-            <a:r>
-              <a:rPr lang="en-US" dirty="0"/>
-              <a:t> operate on data structures, but we often need algorithms to construct them</a:t>
-            </a:r>
-          </a:p>
-          <a:p>
-            <a:r>
-              <a:rPr lang="en-US" dirty="0" err="1"/>
-              <a:t>enron</a:t>
-            </a:r>
-            <a:endParaRPr lang="en-US" dirty="0"/>
-          </a:p>
-          <a:p>
-            <a:r>
-              <a:rPr lang="en-US" dirty="0"/>
-              <a:t> why do we study </a:t>
-            </a:r>
-            <a:r>
-              <a:rPr lang="en-US" dirty="0" err="1"/>
-              <a:t>alg</a:t>
-            </a:r>
-            <a:r>
-              <a:rPr lang="en-US" dirty="0"/>
-              <a:t>/ds?  searching strings, edit distance to find misspellings, relationship between emails, find email path between an employee and evildoer</a:t>
-            </a:r>
-          </a:p>
-          <a:p>
-            <a:r>
-              <a:rPr lang="en-US" dirty="0"/>
-              <a:t> do the simplest thing first because you never know if that code will survive. waste processor and memory power rather than brainpower</a:t>
-            </a:r>
-          </a:p>
-          <a:p>
-            <a:endParaRPr lang="en-US" dirty="0"/>
-          </a:p>
-        </p:txBody>
-      </p:sp>
-    </p:spTree>
-    <p:extLst>
-      <p:ext uri="{BB962C8B-B14F-4D97-AF65-F5344CB8AC3E}">
-        <p14:creationId xmlns:p14="http://schemas.microsoft.com/office/powerpoint/2010/main" val="154305458"/>
-      </p:ext>
-    </p:extLst>
-  </p:cSld>
-  <p:clrMapOvr>
-    <a:masterClrMapping/>
-  </p:clrMapOvr>
-</p:sld>
-</file>
-
-<file path=ppt/slides/slide3.xml><?xml version="1.0" encoding="utf-8"?>
-<p:sld xmlns:a="http://schemas.openxmlformats.org/drawingml/2006/main" xmlns:r="http://schemas.openxmlformats.org/officeDocument/2006/relationships" xmlns:p="http://schemas.openxmlformats.org/presentationml/2006/main">
-  <p:cSld>
-    <p:spTree>
-      <p:nvGrpSpPr>
-        <p:cNvPr id="1" name=""/>
-        <p:cNvGrpSpPr/>
-        <p:nvPr/>
-      </p:nvGrpSpPr>
-      <p:grpSpPr>
-        <a:xfrm>
-          <a:off x="0" y="0"/>
-          <a:ext cx="0" cy="0"/>
-          <a:chOff x="0" y="0"/>
-          <a:chExt cx="0" cy="0"/>
-        </a:xfrm>
-      </p:grpSpPr>
-      <p:sp>
-        <p:nvSpPr>
-          <p:cNvPr id="2" name="Title 1">
-            <a:extLst>
-              <a:ext uri="{FF2B5EF4-FFF2-40B4-BE49-F238E27FC236}">
-                <a16:creationId xmlns:a16="http://schemas.microsoft.com/office/drawing/2014/main" id="{39EF873E-26B1-6C49-9A9B-902C716168AC}"/>
-              </a:ext>
-            </a:extLst>
-          </p:cNvPr>
-          <p:cNvSpPr>
-            <a:spLocks noGrp="1"/>
-          </p:cNvSpPr>
-          <p:nvPr>
-            <p:ph type="title"/>
-          </p:nvPr>
-        </p:nvSpPr>
-        <p:spPr/>
-        <p:txBody>
-          <a:bodyPr/>
-          <a:lstStyle/>
-          <a:p>
-            <a:r>
-              <a:rPr lang="en-US" dirty="0"/>
-              <a:t>Data in memory (RAM)</a:t>
-            </a:r>
-          </a:p>
-        </p:txBody>
-      </p:sp>
-      <p:sp>
-        <p:nvSpPr>
-          <p:cNvPr id="3" name="Content Placeholder 2">
-            <a:extLst>
-              <a:ext uri="{FF2B5EF4-FFF2-40B4-BE49-F238E27FC236}">
-                <a16:creationId xmlns:a16="http://schemas.microsoft.com/office/drawing/2014/main" id="{B17073A1-49C2-7448-B9DD-44341CBEE8F3}"/>
-              </a:ext>
-            </a:extLst>
-          </p:cNvPr>
-          <p:cNvSpPr>
-            <a:spLocks noGrp="1"/>
-          </p:cNvSpPr>
-          <p:nvPr>
-            <p:ph idx="1"/>
-          </p:nvPr>
-        </p:nvSpPr>
-        <p:spPr/>
-        <p:txBody>
-          <a:bodyPr>
-            <a:normAutofit fontScale="92500" lnSpcReduction="10000"/>
-          </a:bodyPr>
-          <a:lstStyle/>
-          <a:p>
-            <a:r>
-              <a:rPr lang="en-US" dirty="0"/>
-              <a:t>(not disk formats, we covered in data acquisition MSDS692)</a:t>
-            </a:r>
-          </a:p>
-          <a:p>
-            <a:r>
-              <a:rPr lang="en-US" dirty="0"/>
-              <a:t>What’s the </a:t>
-            </a:r>
-            <a:r>
-              <a:rPr lang="en-US" i="1" dirty="0"/>
-              <a:t>type</a:t>
-            </a:r>
-            <a:r>
-              <a:rPr lang="en-US" dirty="0"/>
-              <a:t>?:  typically </a:t>
-            </a:r>
-            <a:r>
-              <a:rPr lang="en-US" dirty="0" err="1"/>
-              <a:t>int</a:t>
-            </a:r>
-            <a:r>
-              <a:rPr lang="en-US" dirty="0"/>
-              <a:t>, float, string</a:t>
-            </a:r>
-          </a:p>
-          <a:p>
-            <a:r>
-              <a:rPr lang="en-US" dirty="0"/>
-              <a:t>Numbers can be of different sizes; e.g., np.float32, np.float64</a:t>
-            </a:r>
-          </a:p>
-          <a:p>
-            <a:r>
-              <a:rPr lang="en-US" dirty="0"/>
-              <a:t>Data </a:t>
-            </a:r>
-            <a:r>
-              <a:rPr lang="en-US" i="1" dirty="0"/>
-              <a:t>values</a:t>
-            </a:r>
-            <a:r>
-              <a:rPr lang="en-US" dirty="0"/>
-              <a:t>: an </a:t>
-            </a:r>
-            <a:r>
-              <a:rPr lang="en-US" dirty="0" err="1"/>
-              <a:t>int</a:t>
-            </a:r>
-            <a:r>
-              <a:rPr lang="en-US" dirty="0"/>
-              <a:t> can represent a number, signed or unsigned, but can also represent a categorical item such as US state</a:t>
-            </a:r>
-          </a:p>
-          <a:p>
-            <a:r>
-              <a:rPr lang="en-US" dirty="0"/>
-              <a:t>We can also use strings for categorical but it’s much less efficient in space, and often time</a:t>
-            </a:r>
-          </a:p>
-          <a:p>
-            <a:r>
-              <a:rPr lang="en-US" dirty="0"/>
-              <a:t>You can even encode multiple things within a single number, such as 5 and 32005 could be a combined 32 and 5</a:t>
-            </a:r>
-          </a:p>
-          <a:p>
-            <a:r>
-              <a:rPr lang="en-US" dirty="0"/>
-              <a:t>Data </a:t>
-            </a:r>
-            <a:r>
-              <a:rPr lang="en-US" i="1" dirty="0"/>
-              <a:t>properties</a:t>
-            </a:r>
-            <a:r>
-              <a:rPr lang="en-US" dirty="0"/>
-              <a:t>: e.g., can such values be ordered? Is there a notion of distance between values?</a:t>
-            </a:r>
-          </a:p>
-        </p:txBody>
-      </p:sp>
-    </p:spTree>
-    <p:extLst>
-      <p:ext uri="{BB962C8B-B14F-4D97-AF65-F5344CB8AC3E}">
-        <p14:creationId xmlns:p14="http://schemas.microsoft.com/office/powerpoint/2010/main" val="2321212955"/>
-      </p:ext>
-    </p:extLst>
-  </p:cSld>
-  <p:clrMapOvr>
-    <a:masterClrMapping/>
-  </p:clrMapOvr>
-</p:sld>
-</file>
-
-<file path=ppt/slides/slide4.xml><?xml version="1.0" encoding="utf-8"?>
-<p:sld xmlns:a="http://schemas.openxmlformats.org/drawingml/2006/main" xmlns:r="http://schemas.openxmlformats.org/officeDocument/2006/relationships" xmlns:p="http://schemas.openxmlformats.org/presentationml/2006/main">
-  <p:cSld>
-    <p:spTree>
-      <p:nvGrpSpPr>
-        <p:cNvPr id="1" name=""/>
-        <p:cNvGrpSpPr/>
-        <p:nvPr/>
-      </p:nvGrpSpPr>
-      <p:grpSpPr>
-        <a:xfrm>
-          <a:off x="0" y="0"/>
-          <a:ext cx="0" cy="0"/>
-          <a:chOff x="0" y="0"/>
-          <a:chExt cx="0" cy="0"/>
-        </a:xfrm>
-      </p:grpSpPr>
-      <p:sp>
-        <p:nvSpPr>
-          <p:cNvPr id="2" name="Title 1">
-            <a:extLst>
-              <a:ext uri="{FF2B5EF4-FFF2-40B4-BE49-F238E27FC236}">
-                <a16:creationId xmlns:a16="http://schemas.microsoft.com/office/drawing/2014/main" id="{C8451DA8-ADC0-AF4E-A8C7-0B86CDC9FD74}"/>
-              </a:ext>
-            </a:extLst>
-          </p:cNvPr>
-          <p:cNvSpPr>
-            <a:spLocks noGrp="1"/>
-          </p:cNvSpPr>
-          <p:nvPr>
-            <p:ph type="title"/>
-          </p:nvPr>
-        </p:nvSpPr>
-        <p:spPr/>
-        <p:txBody>
-          <a:bodyPr/>
-          <a:lstStyle/>
-          <a:p>
-            <a:r>
-              <a:rPr lang="en-US" dirty="0"/>
-              <a:t>Data structures organize data</a:t>
-            </a:r>
-          </a:p>
-        </p:txBody>
-      </p:sp>
-      <p:sp>
-        <p:nvSpPr>
-          <p:cNvPr id="3" name="Content Placeholder 2">
-            <a:extLst>
-              <a:ext uri="{FF2B5EF4-FFF2-40B4-BE49-F238E27FC236}">
-                <a16:creationId xmlns:a16="http://schemas.microsoft.com/office/drawing/2014/main" id="{337ED65D-FCCD-7949-BFF2-157CDB2560D8}"/>
-              </a:ext>
-            </a:extLst>
-          </p:cNvPr>
-          <p:cNvSpPr>
-            <a:spLocks noGrp="1"/>
-          </p:cNvSpPr>
-          <p:nvPr>
-            <p:ph idx="1"/>
-          </p:nvPr>
-        </p:nvSpPr>
-        <p:spPr>
-          <a:xfrm>
-            <a:off x="838200" y="1505415"/>
-            <a:ext cx="10515600" cy="4850780"/>
-          </a:xfrm>
-        </p:spPr>
-        <p:txBody>
-          <a:bodyPr>
-            <a:normAutofit lnSpcReduction="10000"/>
-          </a:bodyPr>
-          <a:lstStyle/>
-          <a:p>
-            <a:r>
-              <a:rPr lang="en-US" dirty="0"/>
-              <a:t>There’s a difference between the </a:t>
-            </a:r>
-            <a:r>
-              <a:rPr lang="en-US" i="1" dirty="0"/>
-              <a:t>abstract data type </a:t>
-            </a:r>
-            <a:r>
-              <a:rPr lang="en-US" dirty="0"/>
-              <a:t>and the implementation. Here’s an array implementation of a </a:t>
-            </a:r>
-            <a:r>
-              <a:rPr lang="en-US" i="1" dirty="0"/>
-              <a:t>list</a:t>
-            </a:r>
-            <a:r>
-              <a:rPr lang="en-US" dirty="0"/>
-              <a:t> data structure created with code “a=[9,2,45]”</a:t>
-            </a:r>
-          </a:p>
-          <a:p>
-            <a:endParaRPr lang="en-US" dirty="0"/>
-          </a:p>
-          <a:p>
-            <a:endParaRPr lang="en-US" dirty="0"/>
-          </a:p>
-          <a:p>
-            <a:endParaRPr lang="en-US" dirty="0"/>
-          </a:p>
-          <a:p>
-            <a:endParaRPr lang="en-US" dirty="0"/>
-          </a:p>
-          <a:p>
-            <a:r>
-              <a:rPr lang="en-US" dirty="0"/>
-              <a:t>Two methods to organize: physical position in RAM and </a:t>
-            </a:r>
-            <a:r>
-              <a:rPr lang="en-US" i="1" dirty="0"/>
-              <a:t>pointers</a:t>
-            </a:r>
-          </a:p>
-          <a:p>
-            <a:r>
-              <a:rPr lang="en-US" dirty="0"/>
-              <a:t>An array uses contiguous memory locations to associate the elements</a:t>
-            </a:r>
-            <a:endParaRPr lang="en-US" i="1" dirty="0"/>
-          </a:p>
-        </p:txBody>
-      </p:sp>
-      <p:pic>
-        <p:nvPicPr>
-          <p:cNvPr id="5" name="Picture 4">
-            <a:extLst>
-              <a:ext uri="{FF2B5EF4-FFF2-40B4-BE49-F238E27FC236}">
-                <a16:creationId xmlns:a16="http://schemas.microsoft.com/office/drawing/2014/main" id="{C44472E7-FCEB-444A-A6E5-F8D3611F83EB}"/>
-              </a:ext>
-            </a:extLst>
-          </p:cNvPr>
-          <p:cNvPicPr>
-            <a:picLocks noChangeAspect="1"/>
-          </p:cNvPicPr>
-          <p:nvPr/>
-        </p:nvPicPr>
-        <p:blipFill>
-          <a:blip r:embed="rId2"/>
-          <a:stretch>
-            <a:fillRect/>
-          </a:stretch>
-        </p:blipFill>
-        <p:spPr>
-          <a:xfrm>
-            <a:off x="3153782" y="2830978"/>
-            <a:ext cx="5549900" cy="1371600"/>
-          </a:xfrm>
-          <a:prstGeom prst="rect">
-            <a:avLst/>
-          </a:prstGeom>
-        </p:spPr>
-      </p:pic>
-    </p:spTree>
-    <p:extLst>
-      <p:ext uri="{BB962C8B-B14F-4D97-AF65-F5344CB8AC3E}">
-        <p14:creationId xmlns:p14="http://schemas.microsoft.com/office/powerpoint/2010/main" val="2903529265"/>
-      </p:ext>
-    </p:extLst>
-  </p:cSld>
-  <p:clrMapOvr>
-    <a:masterClrMapping/>
-  </p:clrMapOvr>
-</p:sld>
-</file>
-
-<file path=ppt/slides/slide5.xml><?xml version="1.0" encoding="utf-8"?>
-<p:sld xmlns:a="http://schemas.openxmlformats.org/drawingml/2006/main" xmlns:r="http://schemas.openxmlformats.org/officeDocument/2006/relationships" xmlns:p="http://schemas.openxmlformats.org/presentationml/2006/main">
-  <p:cSld>
-    <p:spTree>
-      <p:nvGrpSpPr>
-        <p:cNvPr id="1" name=""/>
-        <p:cNvGrpSpPr/>
-        <p:nvPr/>
-      </p:nvGrpSpPr>
-      <p:grpSpPr>
-        <a:xfrm>
-          <a:off x="0" y="0"/>
-          <a:ext cx="0" cy="0"/>
-          <a:chOff x="0" y="0"/>
-          <a:chExt cx="0" cy="0"/>
-        </a:xfrm>
-      </p:grpSpPr>
-      <p:sp>
-        <p:nvSpPr>
-          <p:cNvPr id="2" name="Title 1">
-            <a:extLst>
-              <a:ext uri="{FF2B5EF4-FFF2-40B4-BE49-F238E27FC236}">
-                <a16:creationId xmlns:a16="http://schemas.microsoft.com/office/drawing/2014/main" id="{99D9C008-6B56-2B48-83A9-764D984372E9}"/>
-              </a:ext>
-            </a:extLst>
-          </p:cNvPr>
-          <p:cNvSpPr>
-            <a:spLocks noGrp="1"/>
-          </p:cNvSpPr>
-          <p:nvPr>
-            <p:ph type="title"/>
-          </p:nvPr>
-        </p:nvSpPr>
-        <p:spPr/>
-        <p:txBody>
-          <a:bodyPr/>
-          <a:lstStyle/>
-          <a:p>
-            <a:r>
-              <a:rPr lang="en-US" dirty="0"/>
-              <a:t>Non-contiguous lists: </a:t>
-            </a:r>
-            <a:r>
-              <a:rPr lang="en-US" i="1" dirty="0"/>
-              <a:t>linked lists</a:t>
-            </a:r>
-          </a:p>
-        </p:txBody>
-      </p:sp>
-      <p:sp>
-        <p:nvSpPr>
-          <p:cNvPr id="3" name="Content Placeholder 2">
-            <a:extLst>
-              <a:ext uri="{FF2B5EF4-FFF2-40B4-BE49-F238E27FC236}">
-                <a16:creationId xmlns:a16="http://schemas.microsoft.com/office/drawing/2014/main" id="{550053E9-7D15-5848-9325-F8BD84887FBF}"/>
-              </a:ext>
-            </a:extLst>
-          </p:cNvPr>
-          <p:cNvSpPr>
-            <a:spLocks noGrp="1"/>
-          </p:cNvSpPr>
-          <p:nvPr>
-            <p:ph idx="1"/>
-          </p:nvPr>
-        </p:nvSpPr>
-        <p:spPr/>
-        <p:txBody>
-          <a:bodyPr>
-            <a:normAutofit lnSpcReduction="10000"/>
-          </a:bodyPr>
-          <a:lstStyle/>
-          <a:p>
-            <a:r>
-              <a:rPr lang="en-US" dirty="0"/>
-              <a:t>The other way to implement a list data type is with explicit pointers from one element to the next: “a = (9,(2,(45,None)))</a:t>
-            </a:r>
-            <a:r>
-              <a:rPr lang="en-US" i="1" dirty="0"/>
-              <a:t>”</a:t>
-            </a:r>
-          </a:p>
-          <a:p>
-            <a:endParaRPr lang="en-US" i="1" dirty="0"/>
-          </a:p>
-          <a:p>
-            <a:endParaRPr lang="en-US" i="1" dirty="0"/>
-          </a:p>
-          <a:p>
-            <a:endParaRPr lang="en-US" i="1" dirty="0"/>
-          </a:p>
-          <a:p>
-            <a:endParaRPr lang="en-US" dirty="0"/>
-          </a:p>
-          <a:p>
-            <a:r>
-              <a:rPr lang="en-US" dirty="0"/>
-              <a:t>A pointer p is implemented as an integer variable that holds a memory address, such as “p = Point(3,4)”  Python knows that the variable is actually a reference to a location in memory</a:t>
-            </a:r>
-          </a:p>
-          <a:p>
-            <a:r>
-              <a:rPr lang="en-US" dirty="0"/>
-              <a:t>Pointers are also called </a:t>
-            </a:r>
-            <a:r>
-              <a:rPr lang="en-US" i="1" dirty="0"/>
-              <a:t>references</a:t>
-            </a:r>
-          </a:p>
-        </p:txBody>
-      </p:sp>
-      <p:pic>
-        <p:nvPicPr>
-          <p:cNvPr id="5" name="Picture 4">
-            <a:extLst>
-              <a:ext uri="{FF2B5EF4-FFF2-40B4-BE49-F238E27FC236}">
-                <a16:creationId xmlns:a16="http://schemas.microsoft.com/office/drawing/2014/main" id="{7F7EAD7D-6C5A-634F-81E9-62923348D25D}"/>
-              </a:ext>
-            </a:extLst>
-          </p:cNvPr>
-          <p:cNvPicPr>
-            <a:picLocks noChangeAspect="1"/>
-          </p:cNvPicPr>
-          <p:nvPr/>
-        </p:nvPicPr>
-        <p:blipFill>
-          <a:blip r:embed="rId2"/>
-          <a:stretch>
-            <a:fillRect/>
-          </a:stretch>
-        </p:blipFill>
-        <p:spPr>
-          <a:xfrm>
-            <a:off x="1756782" y="2829157"/>
-            <a:ext cx="8343900" cy="1333500"/>
-          </a:xfrm>
-          <a:prstGeom prst="rect">
-            <a:avLst/>
-          </a:prstGeom>
-        </p:spPr>
-      </p:pic>
-    </p:spTree>
-    <p:extLst>
-      <p:ext uri="{BB962C8B-B14F-4D97-AF65-F5344CB8AC3E}">
-        <p14:creationId xmlns:p14="http://schemas.microsoft.com/office/powerpoint/2010/main" val="1035915936"/>
-      </p:ext>
-    </p:extLst>
-  </p:cSld>
-  <p:clrMapOvr>
-    <a:masterClrMapping/>
-  </p:clrMapOvr>
-</p:sld>
-</file>
-
-<file path=ppt/slides/slide6.xml><?xml version="1.0" encoding="utf-8"?>
-<p:sld xmlns:a="http://schemas.openxmlformats.org/drawingml/2006/main" xmlns:r="http://schemas.openxmlformats.org/officeDocument/2006/relationships" xmlns:p="http://schemas.openxmlformats.org/presentationml/2006/main">
-  <p:cSld>
-    <p:spTree>
-      <p:nvGrpSpPr>
-        <p:cNvPr id="1" name=""/>
-        <p:cNvGrpSpPr/>
-        <p:nvPr/>
-      </p:nvGrpSpPr>
-      <p:grpSpPr>
-        <a:xfrm>
-          <a:off x="0" y="0"/>
-          <a:ext cx="0" cy="0"/>
-          <a:chOff x="0" y="0"/>
-          <a:chExt cx="0" cy="0"/>
-        </a:xfrm>
-      </p:grpSpPr>
-      <p:sp>
-        <p:nvSpPr>
-          <p:cNvPr id="2" name="Title 1">
-            <a:extLst>
-              <a:ext uri="{FF2B5EF4-FFF2-40B4-BE49-F238E27FC236}">
                 <a16:creationId xmlns:a16="http://schemas.microsoft.com/office/drawing/2014/main" id="{921D0779-40BC-0D4E-A06E-A908418E7967}"/>
               </a:ext>
             </a:extLst>
@@ -6640,7 +4253,7 @@
 </p:sld>
 </file>
 
-<file path=ppt/slides/slide7.xml><?xml version="1.0" encoding="utf-8"?>
+<file path=ppt/slides/slide11.xml><?xml version="1.0" encoding="utf-8"?>
 <p:sld xmlns:a="http://schemas.openxmlformats.org/drawingml/2006/main" xmlns:r="http://schemas.openxmlformats.org/officeDocument/2006/relationships" xmlns:p="http://schemas.openxmlformats.org/presentationml/2006/main">
   <p:cSld>
     <p:spTree>
@@ -6948,6 +4561,3436 @@
     <p:extLst>
       <p:ext uri="{BB962C8B-B14F-4D97-AF65-F5344CB8AC3E}">
         <p14:creationId xmlns:p14="http://schemas.microsoft.com/office/powerpoint/2010/main" val="1997267979"/>
+      </p:ext>
+    </p:extLst>
+  </p:cSld>
+  <p:clrMapOvr>
+    <a:masterClrMapping/>
+  </p:clrMapOvr>
+</p:sld>
+</file>
+
+<file path=ppt/slides/slide12.xml><?xml version="1.0" encoding="utf-8"?>
+<p:sld xmlns:a="http://schemas.openxmlformats.org/drawingml/2006/main" xmlns:r="http://schemas.openxmlformats.org/officeDocument/2006/relationships" xmlns:p="http://schemas.openxmlformats.org/presentationml/2006/main">
+  <p:cSld>
+    <p:spTree>
+      <p:nvGrpSpPr>
+        <p:cNvPr id="1" name=""/>
+        <p:cNvGrpSpPr/>
+        <p:nvPr/>
+      </p:nvGrpSpPr>
+      <p:grpSpPr>
+        <a:xfrm>
+          <a:off x="0" y="0"/>
+          <a:ext cx="0" cy="0"/>
+          <a:chOff x="0" y="0"/>
+          <a:chExt cx="0" cy="0"/>
+        </a:xfrm>
+      </p:grpSpPr>
+      <p:sp>
+        <p:nvSpPr>
+          <p:cNvPr id="2" name="Title 1">
+            <a:extLst>
+              <a:ext uri="{FF2B5EF4-FFF2-40B4-BE49-F238E27FC236}">
+                <a16:creationId xmlns:a16="http://schemas.microsoft.com/office/drawing/2014/main" id="{4B23924E-F064-B84E-8617-21E4D161E390}"/>
+              </a:ext>
+            </a:extLst>
+          </p:cNvPr>
+          <p:cNvSpPr>
+            <a:spLocks noGrp="1"/>
+          </p:cNvSpPr>
+          <p:nvPr>
+            <p:ph type="title"/>
+          </p:nvPr>
+        </p:nvSpPr>
+        <p:spPr/>
+        <p:txBody>
+          <a:bodyPr/>
+          <a:lstStyle/>
+          <a:p>
+            <a:r>
+              <a:rPr lang="en-US" dirty="0"/>
+              <a:t>Set: unordered collection</a:t>
+            </a:r>
+          </a:p>
+        </p:txBody>
+      </p:sp>
+      <p:sp>
+        <p:nvSpPr>
+          <p:cNvPr id="3" name="Content Placeholder 2">
+            <a:extLst>
+              <a:ext uri="{FF2B5EF4-FFF2-40B4-BE49-F238E27FC236}">
+                <a16:creationId xmlns:a16="http://schemas.microsoft.com/office/drawing/2014/main" id="{390F7516-E242-6D43-BECD-3BEDBBC54C00}"/>
+              </a:ext>
+            </a:extLst>
+          </p:cNvPr>
+          <p:cNvSpPr>
+            <a:spLocks noGrp="1"/>
+          </p:cNvSpPr>
+          <p:nvPr>
+            <p:ph idx="1"/>
+          </p:nvPr>
+        </p:nvSpPr>
+        <p:spPr/>
+        <p:txBody>
+          <a:bodyPr/>
+          <a:lstStyle/>
+          <a:p>
+            <a:r>
+              <a:rPr lang="en-US" dirty="0"/>
+              <a:t>Typical implementation is a hash table</a:t>
+            </a:r>
+          </a:p>
+          <a:p>
+            <a:r>
+              <a:rPr lang="en-US" dirty="0"/>
+              <a:t>Operations are add, delete, contains, union, intersection, </a:t>
+            </a:r>
+            <a:r>
+              <a:rPr lang="en-US" dirty="0" err="1"/>
+              <a:t>etc</a:t>
+            </a:r>
+            <a:r>
+              <a:rPr lang="en-US" dirty="0"/>
+              <a:t>…</a:t>
+            </a:r>
+          </a:p>
+          <a:p>
+            <a:r>
+              <a:rPr lang="en-US" dirty="0"/>
+              <a:t>“contains” operation takes constant time for </a:t>
+            </a:r>
+            <a:r>
+              <a:rPr lang="en-US" dirty="0" err="1"/>
+              <a:t>hashtable</a:t>
+            </a:r>
+            <a:r>
+              <a:rPr lang="en-US" dirty="0"/>
+              <a:t> implementation</a:t>
+            </a:r>
+          </a:p>
+        </p:txBody>
+      </p:sp>
+    </p:spTree>
+    <p:extLst>
+      <p:ext uri="{BB962C8B-B14F-4D97-AF65-F5344CB8AC3E}">
+        <p14:creationId xmlns:p14="http://schemas.microsoft.com/office/powerpoint/2010/main" val="2201856676"/>
+      </p:ext>
+    </p:extLst>
+  </p:cSld>
+  <p:clrMapOvr>
+    <a:masterClrMapping/>
+  </p:clrMapOvr>
+</p:sld>
+</file>
+
+<file path=ppt/slides/slide13.xml><?xml version="1.0" encoding="utf-8"?>
+<p:sld xmlns:a="http://schemas.openxmlformats.org/drawingml/2006/main" xmlns:r="http://schemas.openxmlformats.org/officeDocument/2006/relationships" xmlns:p="http://schemas.openxmlformats.org/presentationml/2006/main">
+  <p:cSld>
+    <p:spTree>
+      <p:nvGrpSpPr>
+        <p:cNvPr id="1" name=""/>
+        <p:cNvGrpSpPr/>
+        <p:nvPr/>
+      </p:nvGrpSpPr>
+      <p:grpSpPr>
+        <a:xfrm>
+          <a:off x="0" y="0"/>
+          <a:ext cx="0" cy="0"/>
+          <a:chOff x="0" y="0"/>
+          <a:chExt cx="0" cy="0"/>
+        </a:xfrm>
+      </p:grpSpPr>
+      <p:sp>
+        <p:nvSpPr>
+          <p:cNvPr id="2" name="Title 1">
+            <a:extLst>
+              <a:ext uri="{FF2B5EF4-FFF2-40B4-BE49-F238E27FC236}">
+                <a16:creationId xmlns:a16="http://schemas.microsoft.com/office/drawing/2014/main" id="{9A1A294C-52F4-9B4F-A6D0-166BA92A0F0D}"/>
+              </a:ext>
+            </a:extLst>
+          </p:cNvPr>
+          <p:cNvSpPr>
+            <a:spLocks noGrp="1"/>
+          </p:cNvSpPr>
+          <p:nvPr>
+            <p:ph type="title"/>
+          </p:nvPr>
+        </p:nvSpPr>
+        <p:spPr/>
+        <p:txBody>
+          <a:bodyPr/>
+          <a:lstStyle/>
+          <a:p>
+            <a:r>
+              <a:rPr lang="en-US" dirty="0"/>
+              <a:t>Dictionary abstract data structure</a:t>
+            </a:r>
+          </a:p>
+        </p:txBody>
+      </p:sp>
+      <p:sp>
+        <p:nvSpPr>
+          <p:cNvPr id="3" name="Content Placeholder 2">
+            <a:extLst>
+              <a:ext uri="{FF2B5EF4-FFF2-40B4-BE49-F238E27FC236}">
+                <a16:creationId xmlns:a16="http://schemas.microsoft.com/office/drawing/2014/main" id="{FEACF48F-8398-4B49-AABD-E829279AAFD1}"/>
+              </a:ext>
+            </a:extLst>
+          </p:cNvPr>
+          <p:cNvSpPr>
+            <a:spLocks noGrp="1"/>
+          </p:cNvSpPr>
+          <p:nvPr>
+            <p:ph idx="1"/>
+          </p:nvPr>
+        </p:nvSpPr>
+        <p:spPr/>
+        <p:txBody>
+          <a:bodyPr/>
+          <a:lstStyle/>
+          <a:p>
+            <a:r>
+              <a:rPr lang="en-US" dirty="0"/>
+              <a:t>Maps key to value; i.e., d[key] = value</a:t>
+            </a:r>
+          </a:p>
+          <a:p>
+            <a:r>
+              <a:rPr lang="en-US" dirty="0"/>
+              <a:t>Look up values by key; i.e., d[key]</a:t>
+            </a:r>
+          </a:p>
+          <a:p>
+            <a:r>
+              <a:rPr lang="en-US" dirty="0" err="1"/>
+              <a:t>Hashtable</a:t>
+            </a:r>
+            <a:r>
+              <a:rPr lang="en-US" dirty="0"/>
+              <a:t> is implementation of choice</a:t>
+            </a:r>
+          </a:p>
+          <a:p>
+            <a:r>
+              <a:rPr lang="en-US" dirty="0"/>
+              <a:t>Recall </a:t>
+            </a:r>
+            <a:r>
+              <a:rPr lang="en-US" dirty="0" err="1"/>
+              <a:t>hashtable</a:t>
+            </a:r>
+            <a:r>
+              <a:rPr lang="en-US" dirty="0"/>
+              <a:t> is array of buckets,</a:t>
+            </a:r>
+            <a:br>
+              <a:rPr lang="en-US" dirty="0"/>
+            </a:br>
+            <a:r>
+              <a:rPr lang="en-US" dirty="0"/>
+              <a:t>each bucket is array of (</a:t>
+            </a:r>
+            <a:r>
+              <a:rPr lang="en-US" dirty="0" err="1"/>
+              <a:t>key,value</a:t>
+            </a:r>
+            <a:r>
+              <a:rPr lang="en-US" dirty="0"/>
+              <a:t>) pairs</a:t>
+            </a:r>
+          </a:p>
+        </p:txBody>
+      </p:sp>
+      <p:pic>
+        <p:nvPicPr>
+          <p:cNvPr id="4" name="Picture 3">
+            <a:extLst>
+              <a:ext uri="{FF2B5EF4-FFF2-40B4-BE49-F238E27FC236}">
+                <a16:creationId xmlns:a16="http://schemas.microsoft.com/office/drawing/2014/main" id="{95D887A6-5133-6944-80D4-9BA5BFE8CBB1}"/>
+              </a:ext>
+            </a:extLst>
+          </p:cNvPr>
+          <p:cNvPicPr>
+            <a:picLocks noChangeAspect="1"/>
+          </p:cNvPicPr>
+          <p:nvPr/>
+        </p:nvPicPr>
+        <p:blipFill>
+          <a:blip r:embed="rId2"/>
+          <a:stretch>
+            <a:fillRect/>
+          </a:stretch>
+        </p:blipFill>
+        <p:spPr>
+          <a:xfrm>
+            <a:off x="7593981" y="3016208"/>
+            <a:ext cx="4469161" cy="3160755"/>
+          </a:xfrm>
+          <a:prstGeom prst="rect">
+            <a:avLst/>
+          </a:prstGeom>
+        </p:spPr>
+      </p:pic>
+    </p:spTree>
+    <p:extLst>
+      <p:ext uri="{BB962C8B-B14F-4D97-AF65-F5344CB8AC3E}">
+        <p14:creationId xmlns:p14="http://schemas.microsoft.com/office/powerpoint/2010/main" val="64208840"/>
+      </p:ext>
+    </p:extLst>
+  </p:cSld>
+  <p:clrMapOvr>
+    <a:masterClrMapping/>
+  </p:clrMapOvr>
+</p:sld>
+</file>
+
+<file path=ppt/slides/slide14.xml><?xml version="1.0" encoding="utf-8"?>
+<p:sld xmlns:a="http://schemas.openxmlformats.org/drawingml/2006/main" xmlns:r="http://schemas.openxmlformats.org/officeDocument/2006/relationships" xmlns:p="http://schemas.openxmlformats.org/presentationml/2006/main">
+  <p:cSld>
+    <p:spTree>
+      <p:nvGrpSpPr>
+        <p:cNvPr id="1" name=""/>
+        <p:cNvGrpSpPr/>
+        <p:nvPr/>
+      </p:nvGrpSpPr>
+      <p:grpSpPr>
+        <a:xfrm>
+          <a:off x="0" y="0"/>
+          <a:ext cx="0" cy="0"/>
+          <a:chOff x="0" y="0"/>
+          <a:chExt cx="0" cy="0"/>
+        </a:xfrm>
+      </p:grpSpPr>
+      <p:sp>
+        <p:nvSpPr>
+          <p:cNvPr id="2" name="Title 1">
+            <a:extLst>
+              <a:ext uri="{FF2B5EF4-FFF2-40B4-BE49-F238E27FC236}">
+                <a16:creationId xmlns:a16="http://schemas.microsoft.com/office/drawing/2014/main" id="{6BD47379-BDB8-6E43-AA3E-96F5F7117BAD}"/>
+              </a:ext>
+            </a:extLst>
+          </p:cNvPr>
+          <p:cNvSpPr>
+            <a:spLocks noGrp="1"/>
+          </p:cNvSpPr>
+          <p:nvPr>
+            <p:ph type="title"/>
+          </p:nvPr>
+        </p:nvSpPr>
+        <p:spPr/>
+        <p:txBody>
+          <a:bodyPr/>
+          <a:lstStyle/>
+          <a:p>
+            <a:r>
+              <a:rPr lang="en-US" dirty="0"/>
+              <a:t>Binary tree abstract data structure</a:t>
+            </a:r>
+          </a:p>
+        </p:txBody>
+      </p:sp>
+      <p:sp>
+        <p:nvSpPr>
+          <p:cNvPr id="3" name="Content Placeholder 2">
+            <a:extLst>
+              <a:ext uri="{FF2B5EF4-FFF2-40B4-BE49-F238E27FC236}">
+                <a16:creationId xmlns:a16="http://schemas.microsoft.com/office/drawing/2014/main" id="{02A1749F-8FEC-9B4F-B807-C64CAB7943AF}"/>
+              </a:ext>
+            </a:extLst>
+          </p:cNvPr>
+          <p:cNvSpPr>
+            <a:spLocks noGrp="1"/>
+          </p:cNvSpPr>
+          <p:nvPr>
+            <p:ph idx="1"/>
+          </p:nvPr>
+        </p:nvSpPr>
+        <p:spPr/>
+        <p:txBody>
+          <a:bodyPr>
+            <a:normAutofit lnSpcReduction="10000"/>
+          </a:bodyPr>
+          <a:lstStyle/>
+          <a:p>
+            <a:r>
+              <a:rPr lang="en-US" dirty="0"/>
+              <a:t>A directed-graph with internal nodes and leaves</a:t>
+            </a:r>
+          </a:p>
+          <a:p>
+            <a:r>
+              <a:rPr lang="en-US" dirty="0"/>
+              <a:t>No cycles and each node has at most one parent</a:t>
+            </a:r>
+          </a:p>
+          <a:p>
+            <a:r>
+              <a:rPr lang="en-US" dirty="0"/>
+              <a:t>Each node has at most 2 child nodes</a:t>
+            </a:r>
+          </a:p>
+          <a:p>
+            <a:r>
+              <a:rPr lang="en-US" dirty="0"/>
+              <a:t>For n nodes, there are n-1 edges</a:t>
+            </a:r>
+          </a:p>
+          <a:p>
+            <a:r>
+              <a:rPr lang="en-US" dirty="0"/>
+              <a:t>A </a:t>
+            </a:r>
+            <a:r>
+              <a:rPr lang="en-US" i="1" dirty="0"/>
+              <a:t>full</a:t>
+            </a:r>
+            <a:r>
+              <a:rPr lang="en-US" dirty="0"/>
+              <a:t> binary tree: all internal nodes have 2 children</a:t>
+            </a:r>
+          </a:p>
+          <a:p>
+            <a:r>
+              <a:rPr lang="en-US" dirty="0"/>
+              <a:t>Height of full tree with n internal nodes is about log2(n)</a:t>
+            </a:r>
+          </a:p>
+          <a:p>
+            <a:r>
+              <a:rPr lang="en-US" dirty="0"/>
+              <a:t>Height defined as number of edges along path root-&gt;leaf</a:t>
+            </a:r>
+          </a:p>
+          <a:p>
+            <a:r>
+              <a:rPr lang="en-US" dirty="0"/>
+              <a:t>Level 0 is root, level 1, …</a:t>
+            </a:r>
+          </a:p>
+          <a:p>
+            <a:r>
+              <a:rPr lang="en-US" dirty="0"/>
+              <a:t>Note: binary tree doesn’t imply </a:t>
+            </a:r>
+            <a:r>
+              <a:rPr lang="en-US" i="1" dirty="0"/>
+              <a:t>binary search tree</a:t>
+            </a:r>
+          </a:p>
+        </p:txBody>
+      </p:sp>
+      <p:pic>
+        <p:nvPicPr>
+          <p:cNvPr id="4" name="Content Placeholder 4">
+            <a:extLst>
+              <a:ext uri="{FF2B5EF4-FFF2-40B4-BE49-F238E27FC236}">
+                <a16:creationId xmlns:a16="http://schemas.microsoft.com/office/drawing/2014/main" id="{C972E14B-A36A-294C-8386-0A3A4CB139F6}"/>
+              </a:ext>
+            </a:extLst>
+          </p:cNvPr>
+          <p:cNvPicPr>
+            <a:picLocks noChangeAspect="1"/>
+          </p:cNvPicPr>
+          <p:nvPr/>
+        </p:nvPicPr>
+        <p:blipFill>
+          <a:blip r:embed="rId2"/>
+          <a:stretch>
+            <a:fillRect/>
+          </a:stretch>
+        </p:blipFill>
+        <p:spPr>
+          <a:xfrm>
+            <a:off x="9383752" y="1395626"/>
+            <a:ext cx="2590800" cy="2438400"/>
+          </a:xfrm>
+          <a:prstGeom prst="rect">
+            <a:avLst/>
+          </a:prstGeom>
+        </p:spPr>
+      </p:pic>
+    </p:spTree>
+    <p:extLst>
+      <p:ext uri="{BB962C8B-B14F-4D97-AF65-F5344CB8AC3E}">
+        <p14:creationId xmlns:p14="http://schemas.microsoft.com/office/powerpoint/2010/main" val="3763329553"/>
+      </p:ext>
+    </p:extLst>
+  </p:cSld>
+  <p:clrMapOvr>
+    <a:masterClrMapping/>
+  </p:clrMapOvr>
+</p:sld>
+</file>
+
+<file path=ppt/slides/slide15.xml><?xml version="1.0" encoding="utf-8"?>
+<p:sld xmlns:a="http://schemas.openxmlformats.org/drawingml/2006/main" xmlns:r="http://schemas.openxmlformats.org/officeDocument/2006/relationships" xmlns:p="http://schemas.openxmlformats.org/presentationml/2006/main">
+  <p:cSld>
+    <p:spTree>
+      <p:nvGrpSpPr>
+        <p:cNvPr id="1" name=""/>
+        <p:cNvGrpSpPr/>
+        <p:nvPr/>
+      </p:nvGrpSpPr>
+      <p:grpSpPr>
+        <a:xfrm>
+          <a:off x="0" y="0"/>
+          <a:ext cx="0" cy="0"/>
+          <a:chOff x="0" y="0"/>
+          <a:chExt cx="0" cy="0"/>
+        </a:xfrm>
+      </p:grpSpPr>
+      <p:sp>
+        <p:nvSpPr>
+          <p:cNvPr id="2" name="Title 1">
+            <a:extLst>
+              <a:ext uri="{FF2B5EF4-FFF2-40B4-BE49-F238E27FC236}">
+                <a16:creationId xmlns:a16="http://schemas.microsoft.com/office/drawing/2014/main" id="{460B226E-6008-4F48-85C9-56A34BE04FA4}"/>
+              </a:ext>
+            </a:extLst>
+          </p:cNvPr>
+          <p:cNvSpPr>
+            <a:spLocks noGrp="1"/>
+          </p:cNvSpPr>
+          <p:nvPr>
+            <p:ph type="title"/>
+          </p:nvPr>
+        </p:nvSpPr>
+        <p:spPr/>
+        <p:txBody>
+          <a:bodyPr/>
+          <a:lstStyle/>
+          <a:p>
+            <a:r>
+              <a:rPr lang="en-US" dirty="0"/>
+              <a:t>Binary tree implementation using pointers</a:t>
+            </a:r>
+          </a:p>
+        </p:txBody>
+      </p:sp>
+      <p:pic>
+        <p:nvPicPr>
+          <p:cNvPr id="4" name="Content Placeholder 4">
+            <a:extLst>
+              <a:ext uri="{FF2B5EF4-FFF2-40B4-BE49-F238E27FC236}">
+                <a16:creationId xmlns:a16="http://schemas.microsoft.com/office/drawing/2014/main" id="{DAF58F19-79C2-8D48-A0C7-28342257C381}"/>
+              </a:ext>
+            </a:extLst>
+          </p:cNvPr>
+          <p:cNvPicPr>
+            <a:picLocks noChangeAspect="1"/>
+          </p:cNvPicPr>
+          <p:nvPr/>
+        </p:nvPicPr>
+        <p:blipFill>
+          <a:blip r:embed="rId2"/>
+          <a:stretch>
+            <a:fillRect/>
+          </a:stretch>
+        </p:blipFill>
+        <p:spPr>
+          <a:xfrm>
+            <a:off x="6114846" y="2215809"/>
+            <a:ext cx="3473344" cy="3269030"/>
+          </a:xfrm>
+          <a:prstGeom prst="rect">
+            <a:avLst/>
+          </a:prstGeom>
+        </p:spPr>
+      </p:pic>
+      <p:pic>
+        <p:nvPicPr>
+          <p:cNvPr id="7" name="Picture 6">
+            <a:extLst>
+              <a:ext uri="{FF2B5EF4-FFF2-40B4-BE49-F238E27FC236}">
+                <a16:creationId xmlns:a16="http://schemas.microsoft.com/office/drawing/2014/main" id="{40CB8070-9A70-034D-852F-B0E533492ED2}"/>
+              </a:ext>
+            </a:extLst>
+          </p:cNvPr>
+          <p:cNvPicPr>
+            <a:picLocks noChangeAspect="1"/>
+          </p:cNvPicPr>
+          <p:nvPr/>
+        </p:nvPicPr>
+        <p:blipFill>
+          <a:blip r:embed="rId3"/>
+          <a:stretch>
+            <a:fillRect/>
+          </a:stretch>
+        </p:blipFill>
+        <p:spPr>
+          <a:xfrm>
+            <a:off x="90447" y="492647"/>
+            <a:ext cx="5447597" cy="7101332"/>
+          </a:xfrm>
+          <a:prstGeom prst="rect">
+            <a:avLst/>
+          </a:prstGeom>
+        </p:spPr>
+      </p:pic>
+    </p:spTree>
+    <p:extLst>
+      <p:ext uri="{BB962C8B-B14F-4D97-AF65-F5344CB8AC3E}">
+        <p14:creationId xmlns:p14="http://schemas.microsoft.com/office/powerpoint/2010/main" val="3097156199"/>
+      </p:ext>
+    </p:extLst>
+  </p:cSld>
+  <p:clrMapOvr>
+    <a:masterClrMapping/>
+  </p:clrMapOvr>
+</p:sld>
+</file>
+
+<file path=ppt/slides/slide16.xml><?xml version="1.0" encoding="utf-8"?>
+<p:sld xmlns:a="http://schemas.openxmlformats.org/drawingml/2006/main" xmlns:r="http://schemas.openxmlformats.org/officeDocument/2006/relationships" xmlns:p="http://schemas.openxmlformats.org/presentationml/2006/main">
+  <p:cSld>
+    <p:spTree>
+      <p:nvGrpSpPr>
+        <p:cNvPr id="1" name=""/>
+        <p:cNvGrpSpPr/>
+        <p:nvPr/>
+      </p:nvGrpSpPr>
+      <p:grpSpPr>
+        <a:xfrm>
+          <a:off x="0" y="0"/>
+          <a:ext cx="0" cy="0"/>
+          <a:chOff x="0" y="0"/>
+          <a:chExt cx="0" cy="0"/>
+        </a:xfrm>
+      </p:grpSpPr>
+      <p:sp>
+        <p:nvSpPr>
+          <p:cNvPr id="2" name="Title 1">
+            <a:extLst>
+              <a:ext uri="{FF2B5EF4-FFF2-40B4-BE49-F238E27FC236}">
+                <a16:creationId xmlns:a16="http://schemas.microsoft.com/office/drawing/2014/main" id="{BC25C61D-FFF0-0E4F-ADA3-1A4D540FE016}"/>
+              </a:ext>
+            </a:extLst>
+          </p:cNvPr>
+          <p:cNvSpPr>
+            <a:spLocks noGrp="1"/>
+          </p:cNvSpPr>
+          <p:nvPr>
+            <p:ph type="title"/>
+          </p:nvPr>
+        </p:nvSpPr>
+        <p:spPr>
+          <a:xfrm>
+            <a:off x="485078" y="376276"/>
+            <a:ext cx="11706922" cy="1325563"/>
+          </a:xfrm>
+        </p:spPr>
+        <p:txBody>
+          <a:bodyPr/>
+          <a:lstStyle/>
+          <a:p>
+            <a:r>
+              <a:rPr lang="en-US" dirty="0"/>
+              <a:t>Binary tree implementation: contiguous array</a:t>
+            </a:r>
+          </a:p>
+        </p:txBody>
+      </p:sp>
+      <p:pic>
+        <p:nvPicPr>
+          <p:cNvPr id="5" name="Content Placeholder 4">
+            <a:extLst>
+              <a:ext uri="{FF2B5EF4-FFF2-40B4-BE49-F238E27FC236}">
+                <a16:creationId xmlns:a16="http://schemas.microsoft.com/office/drawing/2014/main" id="{8CBCCF28-AD55-6442-A66C-C89268CCBD80}"/>
+              </a:ext>
+            </a:extLst>
+          </p:cNvPr>
+          <p:cNvPicPr>
+            <a:picLocks noGrp="1" noChangeAspect="1"/>
+          </p:cNvPicPr>
+          <p:nvPr>
+            <p:ph idx="1"/>
+          </p:nvPr>
+        </p:nvPicPr>
+        <p:blipFill>
+          <a:blip r:embed="rId2"/>
+          <a:stretch>
+            <a:fillRect/>
+          </a:stretch>
+        </p:blipFill>
+        <p:spPr>
+          <a:xfrm>
+            <a:off x="873773" y="2453269"/>
+            <a:ext cx="3473344" cy="3269030"/>
+          </a:xfrm>
+        </p:spPr>
+      </p:pic>
+      <p:pic>
+        <p:nvPicPr>
+          <p:cNvPr id="9" name="Picture 8">
+            <a:extLst>
+              <a:ext uri="{FF2B5EF4-FFF2-40B4-BE49-F238E27FC236}">
+                <a16:creationId xmlns:a16="http://schemas.microsoft.com/office/drawing/2014/main" id="{352ED110-78E4-7D44-99C8-6390620C231B}"/>
+              </a:ext>
+            </a:extLst>
+          </p:cNvPr>
+          <p:cNvPicPr>
+            <a:picLocks noChangeAspect="1"/>
+          </p:cNvPicPr>
+          <p:nvPr/>
+        </p:nvPicPr>
+        <p:blipFill>
+          <a:blip r:embed="rId3"/>
+          <a:stretch>
+            <a:fillRect/>
+          </a:stretch>
+        </p:blipFill>
+        <p:spPr>
+          <a:xfrm>
+            <a:off x="4637514" y="3939652"/>
+            <a:ext cx="4991100" cy="901700"/>
+          </a:xfrm>
+          <a:prstGeom prst="rect">
+            <a:avLst/>
+          </a:prstGeom>
+        </p:spPr>
+      </p:pic>
+      <p:sp>
+        <p:nvSpPr>
+          <p:cNvPr id="10" name="TextBox 9">
+            <a:extLst>
+              <a:ext uri="{FF2B5EF4-FFF2-40B4-BE49-F238E27FC236}">
+                <a16:creationId xmlns:a16="http://schemas.microsoft.com/office/drawing/2014/main" id="{3AD34BD6-56C7-CB40-9782-9EDC1B5ABBD8}"/>
+              </a:ext>
+            </a:extLst>
+          </p:cNvPr>
+          <p:cNvSpPr txBox="1"/>
+          <p:nvPr/>
+        </p:nvSpPr>
+        <p:spPr>
+          <a:xfrm>
+            <a:off x="5742878" y="2542478"/>
+            <a:ext cx="2488182" cy="830997"/>
+          </a:xfrm>
+          <a:prstGeom prst="rect">
+            <a:avLst/>
+          </a:prstGeom>
+          <a:noFill/>
+        </p:spPr>
+        <p:txBody>
+          <a:bodyPr wrap="none" rtlCol="0">
+            <a:spAutoFit/>
+          </a:bodyPr>
+          <a:lstStyle/>
+          <a:p>
+            <a:r>
+              <a:rPr lang="en-US" sz="2400" dirty="0"/>
+              <a:t>left child is 2i+1</a:t>
+            </a:r>
+          </a:p>
+          <a:p>
+            <a:r>
+              <a:rPr lang="en-US" sz="2400" dirty="0"/>
+              <a:t>right child is 2i+2</a:t>
+            </a:r>
+          </a:p>
+        </p:txBody>
+      </p:sp>
+    </p:spTree>
+    <p:extLst>
+      <p:ext uri="{BB962C8B-B14F-4D97-AF65-F5344CB8AC3E}">
+        <p14:creationId xmlns:p14="http://schemas.microsoft.com/office/powerpoint/2010/main" val="616378627"/>
+      </p:ext>
+    </p:extLst>
+  </p:cSld>
+  <p:clrMapOvr>
+    <a:masterClrMapping/>
+  </p:clrMapOvr>
+</p:sld>
+</file>
+
+<file path=ppt/slides/slide17.xml><?xml version="1.0" encoding="utf-8"?>
+<p:sld xmlns:a="http://schemas.openxmlformats.org/drawingml/2006/main" xmlns:r="http://schemas.openxmlformats.org/officeDocument/2006/relationships" xmlns:p="http://schemas.openxmlformats.org/presentationml/2006/main">
+  <p:cSld>
+    <p:spTree>
+      <p:nvGrpSpPr>
+        <p:cNvPr id="1" name=""/>
+        <p:cNvGrpSpPr/>
+        <p:nvPr/>
+      </p:nvGrpSpPr>
+      <p:grpSpPr>
+        <a:xfrm>
+          <a:off x="0" y="0"/>
+          <a:ext cx="0" cy="0"/>
+          <a:chOff x="0" y="0"/>
+          <a:chExt cx="0" cy="0"/>
+        </a:xfrm>
+      </p:grpSpPr>
+      <p:sp>
+        <p:nvSpPr>
+          <p:cNvPr id="2" name="Title 1">
+            <a:extLst>
+              <a:ext uri="{FF2B5EF4-FFF2-40B4-BE49-F238E27FC236}">
+                <a16:creationId xmlns:a16="http://schemas.microsoft.com/office/drawing/2014/main" id="{42C12433-9499-CE4E-AAD9-70F10CA7773F}"/>
+              </a:ext>
+            </a:extLst>
+          </p:cNvPr>
+          <p:cNvSpPr>
+            <a:spLocks noGrp="1"/>
+          </p:cNvSpPr>
+          <p:nvPr>
+            <p:ph type="title"/>
+          </p:nvPr>
+        </p:nvSpPr>
+        <p:spPr/>
+        <p:txBody>
+          <a:bodyPr/>
+          <a:lstStyle/>
+          <a:p>
+            <a:r>
+              <a:rPr lang="en-US" dirty="0"/>
+              <a:t>Graphs</a:t>
+            </a:r>
+          </a:p>
+        </p:txBody>
+      </p:sp>
+      <p:sp>
+        <p:nvSpPr>
+          <p:cNvPr id="3" name="Content Placeholder 2">
+            <a:extLst>
+              <a:ext uri="{FF2B5EF4-FFF2-40B4-BE49-F238E27FC236}">
+                <a16:creationId xmlns:a16="http://schemas.microsoft.com/office/drawing/2014/main" id="{07388987-0D96-F549-A901-9F02AAF23D54}"/>
+              </a:ext>
+            </a:extLst>
+          </p:cNvPr>
+          <p:cNvSpPr>
+            <a:spLocks noGrp="1"/>
+          </p:cNvSpPr>
+          <p:nvPr>
+            <p:ph idx="1"/>
+          </p:nvPr>
+        </p:nvSpPr>
+        <p:spPr/>
+        <p:txBody>
+          <a:bodyPr>
+            <a:normAutofit/>
+          </a:bodyPr>
+          <a:lstStyle/>
+          <a:p>
+            <a:r>
+              <a:rPr lang="en-US" dirty="0"/>
+              <a:t>An arbitrary number of outgoing edges, not just 2 like binary trees</a:t>
+            </a:r>
+          </a:p>
+          <a:p>
+            <a:r>
+              <a:rPr lang="en-US" dirty="0"/>
+              <a:t>Can be pointed at by any number of nodes</a:t>
+            </a:r>
+          </a:p>
+          <a:p>
+            <a:r>
+              <a:rPr lang="en-US" dirty="0"/>
+              <a:t>Cycles are ok unless specified otherwise; e.g., directed acyclic graph (DAG) is a semi-common term</a:t>
+            </a:r>
+          </a:p>
+        </p:txBody>
+      </p:sp>
+      <p:pic>
+        <p:nvPicPr>
+          <p:cNvPr id="5" name="Picture 4">
+            <a:extLst>
+              <a:ext uri="{FF2B5EF4-FFF2-40B4-BE49-F238E27FC236}">
+                <a16:creationId xmlns:a16="http://schemas.microsoft.com/office/drawing/2014/main" id="{F2314CD2-65A3-8646-9775-21F117F20C12}"/>
+              </a:ext>
+            </a:extLst>
+          </p:cNvPr>
+          <p:cNvPicPr>
+            <a:picLocks noChangeAspect="1"/>
+          </p:cNvPicPr>
+          <p:nvPr/>
+        </p:nvPicPr>
+        <p:blipFill>
+          <a:blip r:embed="rId2"/>
+          <a:stretch>
+            <a:fillRect/>
+          </a:stretch>
+        </p:blipFill>
+        <p:spPr>
+          <a:xfrm>
+            <a:off x="1917856" y="4353931"/>
+            <a:ext cx="8708968" cy="1644612"/>
+          </a:xfrm>
+          <a:prstGeom prst="rect">
+            <a:avLst/>
+          </a:prstGeom>
+        </p:spPr>
+      </p:pic>
+    </p:spTree>
+    <p:extLst>
+      <p:ext uri="{BB962C8B-B14F-4D97-AF65-F5344CB8AC3E}">
+        <p14:creationId xmlns:p14="http://schemas.microsoft.com/office/powerpoint/2010/main" val="92807234"/>
+      </p:ext>
+    </p:extLst>
+  </p:cSld>
+  <p:clrMapOvr>
+    <a:masterClrMapping/>
+  </p:clrMapOvr>
+</p:sld>
+</file>
+
+<file path=ppt/slides/slide18.xml><?xml version="1.0" encoding="utf-8"?>
+<p:sld xmlns:a="http://schemas.openxmlformats.org/drawingml/2006/main" xmlns:r="http://schemas.openxmlformats.org/officeDocument/2006/relationships" xmlns:p="http://schemas.openxmlformats.org/presentationml/2006/main">
+  <p:cSld>
+    <p:spTree>
+      <p:nvGrpSpPr>
+        <p:cNvPr id="1" name=""/>
+        <p:cNvGrpSpPr/>
+        <p:nvPr/>
+      </p:nvGrpSpPr>
+      <p:grpSpPr>
+        <a:xfrm>
+          <a:off x="0" y="0"/>
+          <a:ext cx="0" cy="0"/>
+          <a:chOff x="0" y="0"/>
+          <a:chExt cx="0" cy="0"/>
+        </a:xfrm>
+      </p:grpSpPr>
+      <p:sp>
+        <p:nvSpPr>
+          <p:cNvPr id="2" name="Title 1">
+            <a:extLst>
+              <a:ext uri="{FF2B5EF4-FFF2-40B4-BE49-F238E27FC236}">
+                <a16:creationId xmlns:a16="http://schemas.microsoft.com/office/drawing/2014/main" id="{99839AF0-5B4F-C849-AB72-AB5093AACEDB}"/>
+              </a:ext>
+            </a:extLst>
+          </p:cNvPr>
+          <p:cNvSpPr>
+            <a:spLocks noGrp="1"/>
+          </p:cNvSpPr>
+          <p:nvPr>
+            <p:ph type="title"/>
+          </p:nvPr>
+        </p:nvSpPr>
+        <p:spPr>
+          <a:xfrm>
+            <a:off x="860503" y="0"/>
+            <a:ext cx="10515600" cy="1325563"/>
+          </a:xfrm>
+        </p:spPr>
+        <p:txBody>
+          <a:bodyPr/>
+          <a:lstStyle/>
+          <a:p>
+            <a:r>
+              <a:rPr lang="en-US" dirty="0"/>
+              <a:t>Basic node definitions</a:t>
+            </a:r>
+          </a:p>
+        </p:txBody>
+      </p:sp>
+      <p:sp>
+        <p:nvSpPr>
+          <p:cNvPr id="4" name="TextBox 3">
+            <a:extLst>
+              <a:ext uri="{FF2B5EF4-FFF2-40B4-BE49-F238E27FC236}">
+                <a16:creationId xmlns:a16="http://schemas.microsoft.com/office/drawing/2014/main" id="{1071BE35-812A-2946-97EC-EC0CA3C11D23}"/>
+              </a:ext>
+            </a:extLst>
+          </p:cNvPr>
+          <p:cNvSpPr txBox="1"/>
+          <p:nvPr/>
+        </p:nvSpPr>
+        <p:spPr>
+          <a:xfrm>
+            <a:off x="876429" y="1176456"/>
+            <a:ext cx="9538808" cy="1569660"/>
+          </a:xfrm>
+          <a:prstGeom prst="rect">
+            <a:avLst/>
+          </a:prstGeom>
+          <a:noFill/>
+          <a:ln>
+            <a:solidFill>
+              <a:schemeClr val="accent1"/>
+            </a:solidFill>
+          </a:ln>
+        </p:spPr>
+        <p:txBody>
+          <a:bodyPr wrap="square" rtlCol="0">
+            <a:spAutoFit/>
+          </a:bodyPr>
+          <a:lstStyle/>
+          <a:p>
+            <a:r>
+              <a:rPr lang="en-US" sz="2400" dirty="0">
+                <a:latin typeface="Monaco" charset="0"/>
+                <a:ea typeface="Monaco" charset="0"/>
+                <a:cs typeface="Monaco" charset="0"/>
+              </a:rPr>
+              <a:t>class </a:t>
+            </a:r>
+            <a:r>
+              <a:rPr lang="en-US" sz="2400" dirty="0" err="1">
+                <a:latin typeface="Monaco" charset="0"/>
+                <a:ea typeface="Monaco" charset="0"/>
+                <a:cs typeface="Monaco" charset="0"/>
+              </a:rPr>
+              <a:t>LLNode</a:t>
+            </a:r>
+            <a:r>
+              <a:rPr lang="en-US" sz="2400" dirty="0">
+                <a:latin typeface="Monaco" charset="0"/>
+                <a:ea typeface="Monaco" charset="0"/>
+                <a:cs typeface="Monaco" charset="0"/>
+              </a:rPr>
+              <a:t>:</a:t>
+            </a:r>
+          </a:p>
+          <a:p>
+            <a:r>
+              <a:rPr lang="en-US" sz="2400" dirty="0">
+                <a:latin typeface="Monaco" charset="0"/>
+                <a:ea typeface="Monaco" charset="0"/>
+                <a:cs typeface="Monaco" charset="0"/>
+              </a:rPr>
+              <a:t>  def __</a:t>
+            </a:r>
+            <a:r>
+              <a:rPr lang="en-US" sz="2400" dirty="0" err="1">
+                <a:latin typeface="Monaco" charset="0"/>
+                <a:ea typeface="Monaco" charset="0"/>
+                <a:cs typeface="Monaco" charset="0"/>
+              </a:rPr>
+              <a:t>init</a:t>
+            </a:r>
+            <a:r>
+              <a:rPr lang="en-US" sz="2400" dirty="0">
+                <a:latin typeface="Monaco" charset="0"/>
+                <a:ea typeface="Monaco" charset="0"/>
+                <a:cs typeface="Monaco" charset="0"/>
+              </a:rPr>
+              <a:t>__(self, value, next=None):</a:t>
+            </a:r>
+          </a:p>
+          <a:p>
+            <a:r>
+              <a:rPr lang="en-US" sz="2400" dirty="0">
+                <a:latin typeface="Monaco" charset="0"/>
+                <a:ea typeface="Monaco" charset="0"/>
+                <a:cs typeface="Monaco" charset="0"/>
+              </a:rPr>
+              <a:t>      </a:t>
+            </a:r>
+            <a:r>
+              <a:rPr lang="en-US" sz="2400" dirty="0" err="1">
+                <a:latin typeface="Monaco" charset="0"/>
+                <a:ea typeface="Monaco" charset="0"/>
+                <a:cs typeface="Monaco" charset="0"/>
+              </a:rPr>
+              <a:t>self.value</a:t>
+            </a:r>
+            <a:r>
+              <a:rPr lang="en-US" sz="2400" dirty="0">
+                <a:latin typeface="Monaco" charset="0"/>
+                <a:ea typeface="Monaco" charset="0"/>
+                <a:cs typeface="Monaco" charset="0"/>
+              </a:rPr>
+              <a:t> = value</a:t>
+            </a:r>
+          </a:p>
+          <a:p>
+            <a:r>
+              <a:rPr lang="en-US" sz="2400" dirty="0">
+                <a:latin typeface="Monaco" charset="0"/>
+                <a:ea typeface="Monaco" charset="0"/>
+                <a:cs typeface="Monaco" charset="0"/>
+              </a:rPr>
+              <a:t>      </a:t>
+            </a:r>
+            <a:r>
+              <a:rPr lang="en-US" sz="2400" dirty="0" err="1">
+                <a:latin typeface="Monaco" charset="0"/>
+                <a:ea typeface="Monaco" charset="0"/>
+                <a:cs typeface="Monaco" charset="0"/>
+              </a:rPr>
+              <a:t>self.next</a:t>
+            </a:r>
+            <a:r>
+              <a:rPr lang="en-US" sz="2400" dirty="0">
+                <a:latin typeface="Monaco" charset="0"/>
+                <a:ea typeface="Monaco" charset="0"/>
+                <a:cs typeface="Monaco" charset="0"/>
+              </a:rPr>
+              <a:t> = next</a:t>
+            </a:r>
+          </a:p>
+        </p:txBody>
+      </p:sp>
+      <p:sp>
+        <p:nvSpPr>
+          <p:cNvPr id="6" name="TextBox 5">
+            <a:extLst>
+              <a:ext uri="{FF2B5EF4-FFF2-40B4-BE49-F238E27FC236}">
+                <a16:creationId xmlns:a16="http://schemas.microsoft.com/office/drawing/2014/main" id="{48C1BC31-AC84-344B-BA95-8BE4698C9E47}"/>
+              </a:ext>
+            </a:extLst>
+          </p:cNvPr>
+          <p:cNvSpPr txBox="1"/>
+          <p:nvPr/>
+        </p:nvSpPr>
+        <p:spPr>
+          <a:xfrm>
+            <a:off x="876429" y="2949596"/>
+            <a:ext cx="9538808" cy="1938992"/>
+          </a:xfrm>
+          <a:prstGeom prst="rect">
+            <a:avLst/>
+          </a:prstGeom>
+          <a:noFill/>
+          <a:ln>
+            <a:solidFill>
+              <a:schemeClr val="accent1"/>
+            </a:solidFill>
+          </a:ln>
+        </p:spPr>
+        <p:txBody>
+          <a:bodyPr wrap="square" rtlCol="0">
+            <a:spAutoFit/>
+          </a:bodyPr>
+          <a:lstStyle/>
+          <a:p>
+            <a:r>
+              <a:rPr lang="en-US" sz="2400" dirty="0">
+                <a:latin typeface="Monaco" charset="0"/>
+                <a:ea typeface="Monaco" charset="0"/>
+                <a:cs typeface="Monaco" charset="0"/>
+              </a:rPr>
+              <a:t>class </a:t>
+            </a:r>
+            <a:r>
+              <a:rPr lang="en-US" sz="2400" dirty="0" err="1">
+                <a:latin typeface="Monaco" charset="0"/>
+                <a:ea typeface="Monaco" charset="0"/>
+                <a:cs typeface="Monaco" charset="0"/>
+              </a:rPr>
+              <a:t>TreeNode</a:t>
+            </a:r>
+            <a:r>
+              <a:rPr lang="en-US" sz="2400" dirty="0">
+                <a:latin typeface="Monaco" charset="0"/>
+                <a:ea typeface="Monaco" charset="0"/>
+                <a:cs typeface="Monaco" charset="0"/>
+              </a:rPr>
+              <a:t>:</a:t>
+            </a:r>
+          </a:p>
+          <a:p>
+            <a:r>
+              <a:rPr lang="en-US" sz="2400" dirty="0">
+                <a:latin typeface="Monaco" charset="0"/>
+                <a:ea typeface="Monaco" charset="0"/>
+                <a:cs typeface="Monaco" charset="0"/>
+              </a:rPr>
+              <a:t>  def __</a:t>
+            </a:r>
+            <a:r>
+              <a:rPr lang="en-US" sz="2400" dirty="0" err="1">
+                <a:latin typeface="Monaco" charset="0"/>
+                <a:ea typeface="Monaco" charset="0"/>
+                <a:cs typeface="Monaco" charset="0"/>
+              </a:rPr>
+              <a:t>init</a:t>
+            </a:r>
+            <a:r>
+              <a:rPr lang="en-US" sz="2400" dirty="0">
+                <a:latin typeface="Monaco" charset="0"/>
+                <a:ea typeface="Monaco" charset="0"/>
+                <a:cs typeface="Monaco" charset="0"/>
+              </a:rPr>
+              <a:t>__(self, value, left=None, right=None):</a:t>
+            </a:r>
+          </a:p>
+          <a:p>
+            <a:r>
+              <a:rPr lang="en-US" sz="2400" dirty="0">
+                <a:latin typeface="Monaco" charset="0"/>
+                <a:ea typeface="Monaco" charset="0"/>
+                <a:cs typeface="Monaco" charset="0"/>
+              </a:rPr>
+              <a:t>    </a:t>
+            </a:r>
+            <a:r>
+              <a:rPr lang="en-US" sz="2400" dirty="0" err="1">
+                <a:latin typeface="Monaco" charset="0"/>
+                <a:ea typeface="Monaco" charset="0"/>
+                <a:cs typeface="Monaco" charset="0"/>
+              </a:rPr>
+              <a:t>self.value</a:t>
+            </a:r>
+            <a:r>
+              <a:rPr lang="en-US" sz="2400" dirty="0">
+                <a:latin typeface="Monaco" charset="0"/>
+                <a:ea typeface="Monaco" charset="0"/>
+                <a:cs typeface="Monaco" charset="0"/>
+              </a:rPr>
+              <a:t> = value</a:t>
+            </a:r>
+          </a:p>
+          <a:p>
+            <a:r>
+              <a:rPr lang="en-US" sz="2400" dirty="0">
+                <a:latin typeface="Monaco" charset="0"/>
+                <a:ea typeface="Monaco" charset="0"/>
+                <a:cs typeface="Monaco" charset="0"/>
+              </a:rPr>
+              <a:t>    </a:t>
+            </a:r>
+            <a:r>
+              <a:rPr lang="en-US" sz="2400" dirty="0" err="1">
+                <a:latin typeface="Monaco" charset="0"/>
+                <a:ea typeface="Monaco" charset="0"/>
+                <a:cs typeface="Monaco" charset="0"/>
+              </a:rPr>
+              <a:t>self.left</a:t>
+            </a:r>
+            <a:r>
+              <a:rPr lang="en-US" sz="2400" dirty="0">
+                <a:latin typeface="Monaco" charset="0"/>
+                <a:ea typeface="Monaco" charset="0"/>
+                <a:cs typeface="Monaco" charset="0"/>
+              </a:rPr>
+              <a:t> = left</a:t>
+            </a:r>
+          </a:p>
+          <a:p>
+            <a:r>
+              <a:rPr lang="en-US" sz="2400" dirty="0">
+                <a:latin typeface="Monaco" charset="0"/>
+                <a:ea typeface="Monaco" charset="0"/>
+                <a:cs typeface="Monaco" charset="0"/>
+              </a:rPr>
+              <a:t>    </a:t>
+            </a:r>
+            <a:r>
+              <a:rPr lang="en-US" sz="2400" dirty="0" err="1">
+                <a:latin typeface="Monaco" charset="0"/>
+                <a:ea typeface="Monaco" charset="0"/>
+                <a:cs typeface="Monaco" charset="0"/>
+              </a:rPr>
+              <a:t>self.right</a:t>
+            </a:r>
+            <a:r>
+              <a:rPr lang="en-US" sz="2400" dirty="0">
+                <a:latin typeface="Monaco" charset="0"/>
+                <a:ea typeface="Monaco" charset="0"/>
+                <a:cs typeface="Monaco" charset="0"/>
+              </a:rPr>
+              <a:t> = right</a:t>
+            </a:r>
+          </a:p>
+        </p:txBody>
+      </p:sp>
+      <p:sp>
+        <p:nvSpPr>
+          <p:cNvPr id="7" name="TextBox 6">
+            <a:extLst>
+              <a:ext uri="{FF2B5EF4-FFF2-40B4-BE49-F238E27FC236}">
+                <a16:creationId xmlns:a16="http://schemas.microsoft.com/office/drawing/2014/main" id="{2C23DD90-DDDB-2342-A01D-C49785DFBF80}"/>
+              </a:ext>
+            </a:extLst>
+          </p:cNvPr>
+          <p:cNvSpPr txBox="1"/>
+          <p:nvPr/>
+        </p:nvSpPr>
+        <p:spPr>
+          <a:xfrm>
+            <a:off x="876429" y="5092069"/>
+            <a:ext cx="9538808" cy="1569660"/>
+          </a:xfrm>
+          <a:prstGeom prst="rect">
+            <a:avLst/>
+          </a:prstGeom>
+          <a:noFill/>
+          <a:ln>
+            <a:solidFill>
+              <a:schemeClr val="accent1"/>
+            </a:solidFill>
+          </a:ln>
+        </p:spPr>
+        <p:txBody>
+          <a:bodyPr wrap="square" rtlCol="0">
+            <a:spAutoFit/>
+          </a:bodyPr>
+          <a:lstStyle/>
+          <a:p>
+            <a:r>
+              <a:rPr lang="en-US" sz="2400" dirty="0">
+                <a:latin typeface="Monaco" charset="0"/>
+                <a:ea typeface="Monaco" charset="0"/>
+                <a:cs typeface="Monaco" charset="0"/>
+              </a:rPr>
+              <a:t>class Node:</a:t>
+            </a:r>
+          </a:p>
+          <a:p>
+            <a:r>
+              <a:rPr lang="en-US" sz="2400" dirty="0">
+                <a:latin typeface="Monaco" charset="0"/>
+                <a:ea typeface="Monaco" charset="0"/>
+                <a:cs typeface="Monaco" charset="0"/>
+              </a:rPr>
+              <a:t>  def __</a:t>
+            </a:r>
+            <a:r>
+              <a:rPr lang="en-US" sz="2400" dirty="0" err="1">
+                <a:latin typeface="Monaco" charset="0"/>
+                <a:ea typeface="Monaco" charset="0"/>
+                <a:cs typeface="Monaco" charset="0"/>
+              </a:rPr>
+              <a:t>init</a:t>
+            </a:r>
+            <a:r>
+              <a:rPr lang="en-US" sz="2400" dirty="0">
+                <a:latin typeface="Monaco" charset="0"/>
+                <a:ea typeface="Monaco" charset="0"/>
+                <a:cs typeface="Monaco" charset="0"/>
+              </a:rPr>
+              <a:t>__(self, value):</a:t>
+            </a:r>
+          </a:p>
+          <a:p>
+            <a:r>
+              <a:rPr lang="en-US" sz="2400" dirty="0">
+                <a:latin typeface="Monaco" charset="0"/>
+                <a:ea typeface="Monaco" charset="0"/>
+                <a:cs typeface="Monaco" charset="0"/>
+              </a:rPr>
+              <a:t>    </a:t>
+            </a:r>
+            <a:r>
+              <a:rPr lang="en-US" sz="2400" dirty="0" err="1">
+                <a:latin typeface="Monaco" charset="0"/>
+                <a:ea typeface="Monaco" charset="0"/>
+                <a:cs typeface="Monaco" charset="0"/>
+              </a:rPr>
+              <a:t>self.value</a:t>
+            </a:r>
+            <a:r>
+              <a:rPr lang="en-US" sz="2400" dirty="0">
+                <a:latin typeface="Monaco" charset="0"/>
+                <a:ea typeface="Monaco" charset="0"/>
+                <a:cs typeface="Monaco" charset="0"/>
+              </a:rPr>
+              <a:t> = value</a:t>
+            </a:r>
+          </a:p>
+          <a:p>
+            <a:r>
+              <a:rPr lang="en-US" sz="2400" dirty="0">
+                <a:latin typeface="Monaco" charset="0"/>
+                <a:ea typeface="Monaco" charset="0"/>
+                <a:cs typeface="Monaco" charset="0"/>
+              </a:rPr>
+              <a:t>    </a:t>
+            </a:r>
+            <a:r>
+              <a:rPr lang="en-US" sz="2400" dirty="0" err="1">
+                <a:latin typeface="Monaco" charset="0"/>
+                <a:ea typeface="Monaco" charset="0"/>
+                <a:cs typeface="Monaco" charset="0"/>
+              </a:rPr>
+              <a:t>self.edges</a:t>
+            </a:r>
+            <a:r>
+              <a:rPr lang="en-US" sz="2400" dirty="0">
+                <a:latin typeface="Monaco" charset="0"/>
+                <a:ea typeface="Monaco" charset="0"/>
+                <a:cs typeface="Monaco" charset="0"/>
+              </a:rPr>
+              <a:t> = [] # outgoing edges</a:t>
+            </a:r>
+          </a:p>
+        </p:txBody>
+      </p:sp>
+      <p:sp>
+        <p:nvSpPr>
+          <p:cNvPr id="8" name="Rectangle 7">
+            <a:extLst>
+              <a:ext uri="{FF2B5EF4-FFF2-40B4-BE49-F238E27FC236}">
+                <a16:creationId xmlns:a16="http://schemas.microsoft.com/office/drawing/2014/main" id="{363EA1C5-601D-7C4C-8143-CF2998773783}"/>
+              </a:ext>
+            </a:extLst>
+          </p:cNvPr>
+          <p:cNvSpPr/>
+          <p:nvPr/>
+        </p:nvSpPr>
+        <p:spPr>
+          <a:xfrm>
+            <a:off x="6670750" y="440793"/>
+            <a:ext cx="3744487" cy="461665"/>
+          </a:xfrm>
+          <a:prstGeom prst="rect">
+            <a:avLst/>
+          </a:prstGeom>
+        </p:spPr>
+        <p:txBody>
+          <a:bodyPr wrap="none">
+            <a:spAutoFit/>
+          </a:bodyPr>
+          <a:lstStyle/>
+          <a:p>
+            <a:r>
+              <a:rPr lang="en-US" sz="2400" dirty="0"/>
+              <a:t>(Tattoo these somewhere)</a:t>
+            </a:r>
+          </a:p>
+        </p:txBody>
+      </p:sp>
+      <p:sp>
+        <p:nvSpPr>
+          <p:cNvPr id="14" name="Left Bracket 13">
+            <a:extLst>
+              <a:ext uri="{FF2B5EF4-FFF2-40B4-BE49-F238E27FC236}">
+                <a16:creationId xmlns:a16="http://schemas.microsoft.com/office/drawing/2014/main" id="{E1D7C680-2B86-784D-92E4-4D402080292E}"/>
+              </a:ext>
+            </a:extLst>
+          </p:cNvPr>
+          <p:cNvSpPr/>
+          <p:nvPr/>
+        </p:nvSpPr>
+        <p:spPr>
+          <a:xfrm>
+            <a:off x="535259" y="2587083"/>
+            <a:ext cx="490654" cy="1877550"/>
+          </a:xfrm>
+          <a:prstGeom prst="leftBracket">
+            <a:avLst/>
+          </a:prstGeom>
+          <a:ln w="38100">
+            <a:solidFill>
+              <a:schemeClr val="accent2"/>
+            </a:solidFill>
+          </a:ln>
+        </p:spPr>
+        <p:style>
+          <a:lnRef idx="1">
+            <a:schemeClr val="accent1"/>
+          </a:lnRef>
+          <a:fillRef idx="0">
+            <a:schemeClr val="accent1"/>
+          </a:fillRef>
+          <a:effectRef idx="0">
+            <a:schemeClr val="accent1"/>
+          </a:effectRef>
+          <a:fontRef idx="minor">
+            <a:schemeClr val="tx1"/>
+          </a:fontRef>
+        </p:style>
+        <p:txBody>
+          <a:bodyPr rtlCol="0" anchor="ctr"/>
+          <a:lstStyle/>
+          <a:p>
+            <a:pPr algn="ctr"/>
+            <a:endParaRPr lang="en-US"/>
+          </a:p>
+        </p:txBody>
+      </p:sp>
+      <p:sp>
+        <p:nvSpPr>
+          <p:cNvPr id="15" name="Left Bracket 14">
+            <a:extLst>
+              <a:ext uri="{FF2B5EF4-FFF2-40B4-BE49-F238E27FC236}">
+                <a16:creationId xmlns:a16="http://schemas.microsoft.com/office/drawing/2014/main" id="{A93047E5-ED93-0242-A396-8ABB1184D8B6}"/>
+              </a:ext>
+            </a:extLst>
+          </p:cNvPr>
+          <p:cNvSpPr/>
+          <p:nvPr/>
+        </p:nvSpPr>
+        <p:spPr>
+          <a:xfrm>
+            <a:off x="535259" y="4464633"/>
+            <a:ext cx="490654" cy="1962614"/>
+          </a:xfrm>
+          <a:prstGeom prst="leftBracket">
+            <a:avLst/>
+          </a:prstGeom>
+          <a:ln w="38100">
+            <a:solidFill>
+              <a:schemeClr val="accent2"/>
+            </a:solidFill>
+          </a:ln>
+        </p:spPr>
+        <p:style>
+          <a:lnRef idx="1">
+            <a:schemeClr val="accent1"/>
+          </a:lnRef>
+          <a:fillRef idx="0">
+            <a:schemeClr val="accent1"/>
+          </a:fillRef>
+          <a:effectRef idx="0">
+            <a:schemeClr val="accent1"/>
+          </a:effectRef>
+          <a:fontRef idx="minor">
+            <a:schemeClr val="tx1"/>
+          </a:fontRef>
+        </p:style>
+        <p:txBody>
+          <a:bodyPr rtlCol="0" anchor="ctr"/>
+          <a:lstStyle/>
+          <a:p>
+            <a:pPr algn="ctr"/>
+            <a:endParaRPr lang="en-US"/>
+          </a:p>
+        </p:txBody>
+      </p:sp>
+      <p:sp>
+        <p:nvSpPr>
+          <p:cNvPr id="16" name="TextBox 15">
+            <a:extLst>
+              <a:ext uri="{FF2B5EF4-FFF2-40B4-BE49-F238E27FC236}">
+                <a16:creationId xmlns:a16="http://schemas.microsoft.com/office/drawing/2014/main" id="{438A60B8-C777-0244-81CC-64A0AC9A2DD1}"/>
+              </a:ext>
+            </a:extLst>
+          </p:cNvPr>
+          <p:cNvSpPr txBox="1"/>
+          <p:nvPr/>
+        </p:nvSpPr>
+        <p:spPr>
+          <a:xfrm rot="17631040">
+            <a:off x="-482557" y="4381820"/>
+            <a:ext cx="2060372" cy="400110"/>
+          </a:xfrm>
+          <a:prstGeom prst="rect">
+            <a:avLst/>
+          </a:prstGeom>
+          <a:noFill/>
+        </p:spPr>
+        <p:txBody>
+          <a:bodyPr wrap="none" rtlCol="0">
+            <a:spAutoFit/>
+          </a:bodyPr>
+          <a:lstStyle/>
+          <a:p>
+            <a:r>
+              <a:rPr lang="en-US" sz="2000" dirty="0"/>
+              <a:t>only edges differ</a:t>
+            </a:r>
+          </a:p>
+        </p:txBody>
+      </p:sp>
+    </p:spTree>
+    <p:extLst>
+      <p:ext uri="{BB962C8B-B14F-4D97-AF65-F5344CB8AC3E}">
+        <p14:creationId xmlns:p14="http://schemas.microsoft.com/office/powerpoint/2010/main" val="3563627406"/>
+      </p:ext>
+    </p:extLst>
+  </p:cSld>
+  <p:clrMapOvr>
+    <a:masterClrMapping/>
+  </p:clrMapOvr>
+</p:sld>
+</file>
+
+<file path=ppt/slides/slide19.xml><?xml version="1.0" encoding="utf-8"?>
+<p:sld xmlns:a="http://schemas.openxmlformats.org/drawingml/2006/main" xmlns:r="http://schemas.openxmlformats.org/officeDocument/2006/relationships" xmlns:p="http://schemas.openxmlformats.org/presentationml/2006/main">
+  <p:cSld>
+    <p:spTree>
+      <p:nvGrpSpPr>
+        <p:cNvPr id="1" name=""/>
+        <p:cNvGrpSpPr/>
+        <p:nvPr/>
+      </p:nvGrpSpPr>
+      <p:grpSpPr>
+        <a:xfrm>
+          <a:off x="0" y="0"/>
+          <a:ext cx="0" cy="0"/>
+          <a:chOff x="0" y="0"/>
+          <a:chExt cx="0" cy="0"/>
+        </a:xfrm>
+      </p:grpSpPr>
+      <p:sp>
+        <p:nvSpPr>
+          <p:cNvPr id="2" name="Title 1">
+            <a:extLst>
+              <a:ext uri="{FF2B5EF4-FFF2-40B4-BE49-F238E27FC236}">
+                <a16:creationId xmlns:a16="http://schemas.microsoft.com/office/drawing/2014/main" id="{143B114A-6606-6345-A6BE-CAD1C4808D42}"/>
+              </a:ext>
+            </a:extLst>
+          </p:cNvPr>
+          <p:cNvSpPr>
+            <a:spLocks noGrp="1"/>
+          </p:cNvSpPr>
+          <p:nvPr>
+            <p:ph type="title"/>
+          </p:nvPr>
+        </p:nvSpPr>
+        <p:spPr/>
+        <p:txBody>
+          <a:bodyPr/>
+          <a:lstStyle/>
+          <a:p>
+            <a:r>
+              <a:rPr lang="en-US" dirty="0"/>
+              <a:t>Summary</a:t>
+            </a:r>
+          </a:p>
+        </p:txBody>
+      </p:sp>
+      <p:sp>
+        <p:nvSpPr>
+          <p:cNvPr id="3" name="Content Placeholder 2">
+            <a:extLst>
+              <a:ext uri="{FF2B5EF4-FFF2-40B4-BE49-F238E27FC236}">
+                <a16:creationId xmlns:a16="http://schemas.microsoft.com/office/drawing/2014/main" id="{B591D43D-CC12-D444-95FA-5AE32AC02D5F}"/>
+              </a:ext>
+            </a:extLst>
+          </p:cNvPr>
+          <p:cNvSpPr>
+            <a:spLocks noGrp="1"/>
+          </p:cNvSpPr>
+          <p:nvPr>
+            <p:ph idx="1"/>
+          </p:nvPr>
+        </p:nvSpPr>
+        <p:spPr/>
+        <p:txBody>
+          <a:bodyPr/>
+          <a:lstStyle/>
+          <a:p>
+            <a:r>
+              <a:rPr lang="en-US" dirty="0"/>
+              <a:t>Abstract data types:</a:t>
+            </a:r>
+            <a:br>
+              <a:rPr lang="en-US" dirty="0"/>
+            </a:br>
+            <a:r>
+              <a:rPr lang="en-US" dirty="0"/>
+              <a:t>List, Set, Queue, Stack, Dictionary, Binary tree, Graph</a:t>
+            </a:r>
+          </a:p>
+          <a:p>
+            <a:r>
+              <a:rPr lang="en-US" dirty="0"/>
+              <a:t>Concrete implementations:</a:t>
+            </a:r>
+            <a:br>
+              <a:rPr lang="en-US" dirty="0"/>
+            </a:br>
+            <a:r>
+              <a:rPr lang="en-US" dirty="0"/>
+              <a:t>arrays, linked lists, node object with 1+ outgoing edge pointers</a:t>
+            </a:r>
+          </a:p>
+          <a:p>
+            <a:r>
+              <a:rPr lang="en-US" dirty="0"/>
+              <a:t>The questions you must ask of the data dictates the data structure and algorithms you need</a:t>
+            </a:r>
+          </a:p>
+          <a:p>
+            <a:r>
+              <a:rPr lang="en-US" dirty="0"/>
+              <a:t>Waste processor, memory power before brainpower</a:t>
+            </a:r>
+            <a:br>
+              <a:rPr lang="en-US" dirty="0"/>
+            </a:br>
+            <a:r>
+              <a:rPr lang="en-US" dirty="0"/>
+              <a:t>(start with simplest data structure that will work)</a:t>
+            </a:r>
+          </a:p>
+        </p:txBody>
+      </p:sp>
+    </p:spTree>
+    <p:extLst>
+      <p:ext uri="{BB962C8B-B14F-4D97-AF65-F5344CB8AC3E}">
+        <p14:creationId xmlns:p14="http://schemas.microsoft.com/office/powerpoint/2010/main" val="507685335"/>
+      </p:ext>
+    </p:extLst>
+  </p:cSld>
+  <p:clrMapOvr>
+    <a:masterClrMapping/>
+  </p:clrMapOvr>
+</p:sld>
+</file>
+
+<file path=ppt/slides/slide2.xml><?xml version="1.0" encoding="utf-8"?>
+<p:sld xmlns:a="http://schemas.openxmlformats.org/drawingml/2006/main" xmlns:r="http://schemas.openxmlformats.org/officeDocument/2006/relationships" xmlns:p="http://schemas.openxmlformats.org/presentationml/2006/main">
+  <p:cSld>
+    <p:spTree>
+      <p:nvGrpSpPr>
+        <p:cNvPr id="1" name=""/>
+        <p:cNvGrpSpPr/>
+        <p:nvPr/>
+      </p:nvGrpSpPr>
+      <p:grpSpPr>
+        <a:xfrm>
+          <a:off x="0" y="0"/>
+          <a:ext cx="0" cy="0"/>
+          <a:chOff x="0" y="0"/>
+          <a:chExt cx="0" cy="0"/>
+        </a:xfrm>
+      </p:grpSpPr>
+      <p:sp>
+        <p:nvSpPr>
+          <p:cNvPr id="2" name="Title 1">
+            <a:extLst>
+              <a:ext uri="{FF2B5EF4-FFF2-40B4-BE49-F238E27FC236}">
+                <a16:creationId xmlns:a16="http://schemas.microsoft.com/office/drawing/2014/main" id="{C8451DA8-ADC0-AF4E-A8C7-0B86CDC9FD74}"/>
+              </a:ext>
+            </a:extLst>
+          </p:cNvPr>
+          <p:cNvSpPr>
+            <a:spLocks noGrp="1"/>
+          </p:cNvSpPr>
+          <p:nvPr>
+            <p:ph type="title"/>
+          </p:nvPr>
+        </p:nvSpPr>
+        <p:spPr/>
+        <p:txBody>
+          <a:bodyPr/>
+          <a:lstStyle/>
+          <a:p>
+            <a:r>
+              <a:rPr lang="en-US" dirty="0"/>
+              <a:t>Data structures organize data</a:t>
+            </a:r>
+          </a:p>
+        </p:txBody>
+      </p:sp>
+      <p:sp>
+        <p:nvSpPr>
+          <p:cNvPr id="3" name="Content Placeholder 2">
+            <a:extLst>
+              <a:ext uri="{FF2B5EF4-FFF2-40B4-BE49-F238E27FC236}">
+                <a16:creationId xmlns:a16="http://schemas.microsoft.com/office/drawing/2014/main" id="{337ED65D-FCCD-7949-BFF2-157CDB2560D8}"/>
+              </a:ext>
+            </a:extLst>
+          </p:cNvPr>
+          <p:cNvSpPr>
+            <a:spLocks noGrp="1"/>
+          </p:cNvSpPr>
+          <p:nvPr>
+            <p:ph idx="1"/>
+          </p:nvPr>
+        </p:nvSpPr>
+        <p:spPr>
+          <a:xfrm>
+            <a:off x="838200" y="1505414"/>
+            <a:ext cx="10515600" cy="4337825"/>
+          </a:xfrm>
+        </p:spPr>
+        <p:txBody>
+          <a:bodyPr>
+            <a:normAutofit lnSpcReduction="10000"/>
+          </a:bodyPr>
+          <a:lstStyle/>
+          <a:p>
+            <a:r>
+              <a:rPr lang="en-US" dirty="0"/>
+              <a:t>Data structures group or encode relationships between data elements</a:t>
+            </a:r>
+          </a:p>
+          <a:p>
+            <a:r>
+              <a:rPr lang="en-US" dirty="0"/>
+              <a:t>There’s a difference between the </a:t>
+            </a:r>
+            <a:r>
+              <a:rPr lang="en-US" i="1" dirty="0"/>
+              <a:t>abstract data type </a:t>
+            </a:r>
+            <a:r>
+              <a:rPr lang="en-US" dirty="0"/>
+              <a:t>and the implementation (list vs array, dictionary vs </a:t>
+            </a:r>
+            <a:r>
+              <a:rPr lang="en-US" dirty="0" err="1"/>
+              <a:t>hashtable</a:t>
+            </a:r>
+            <a:r>
+              <a:rPr lang="en-US" dirty="0"/>
+              <a:t>, …)</a:t>
+            </a:r>
+          </a:p>
+          <a:p>
+            <a:r>
+              <a:rPr lang="en-US" dirty="0"/>
+              <a:t>Two methods to organize data:</a:t>
+            </a:r>
+          </a:p>
+          <a:p>
+            <a:pPr lvl="1"/>
+            <a:r>
+              <a:rPr lang="en-US" dirty="0"/>
+              <a:t>physical adjacency or relative position in RAM</a:t>
+            </a:r>
+          </a:p>
+          <a:p>
+            <a:pPr lvl="1"/>
+            <a:r>
+              <a:rPr lang="en-US" i="1" dirty="0"/>
+              <a:t>pointers</a:t>
+            </a:r>
+          </a:p>
+          <a:p>
+            <a:r>
+              <a:rPr lang="en-US" dirty="0"/>
+              <a:t>Algorithms operate on data structures; e.g., sorting algorithm operates on a list</a:t>
+            </a:r>
+          </a:p>
+          <a:p>
+            <a:r>
+              <a:rPr lang="en-US" dirty="0"/>
+              <a:t>Often algorithms are needed to construct structures too</a:t>
+            </a:r>
+          </a:p>
+          <a:p>
+            <a:endParaRPr lang="en-US" i="1" dirty="0"/>
+          </a:p>
+        </p:txBody>
+      </p:sp>
+    </p:spTree>
+    <p:extLst>
+      <p:ext uri="{BB962C8B-B14F-4D97-AF65-F5344CB8AC3E}">
+        <p14:creationId xmlns:p14="http://schemas.microsoft.com/office/powerpoint/2010/main" val="2903529265"/>
+      </p:ext>
+    </p:extLst>
+  </p:cSld>
+  <p:clrMapOvr>
+    <a:masterClrMapping/>
+  </p:clrMapOvr>
+</p:sld>
+</file>
+
+<file path=ppt/slides/slide3.xml><?xml version="1.0" encoding="utf-8"?>
+<p:sld xmlns:a="http://schemas.openxmlformats.org/drawingml/2006/main" xmlns:r="http://schemas.openxmlformats.org/officeDocument/2006/relationships" xmlns:p="http://schemas.openxmlformats.org/presentationml/2006/main">
+  <p:cSld>
+    <p:spTree>
+      <p:nvGrpSpPr>
+        <p:cNvPr id="1" name=""/>
+        <p:cNvGrpSpPr/>
+        <p:nvPr/>
+      </p:nvGrpSpPr>
+      <p:grpSpPr>
+        <a:xfrm>
+          <a:off x="0" y="0"/>
+          <a:ext cx="0" cy="0"/>
+          <a:chOff x="0" y="0"/>
+          <a:chExt cx="0" cy="0"/>
+        </a:xfrm>
+      </p:grpSpPr>
+      <p:sp>
+        <p:nvSpPr>
+          <p:cNvPr id="2" name="Title 1">
+            <a:extLst>
+              <a:ext uri="{FF2B5EF4-FFF2-40B4-BE49-F238E27FC236}">
+                <a16:creationId xmlns:a16="http://schemas.microsoft.com/office/drawing/2014/main" id="{0B9E940E-3FBA-B94E-8BAC-3036F44E99A6}"/>
+              </a:ext>
+            </a:extLst>
+          </p:cNvPr>
+          <p:cNvSpPr>
+            <a:spLocks noGrp="1"/>
+          </p:cNvSpPr>
+          <p:nvPr>
+            <p:ph type="title"/>
+          </p:nvPr>
+        </p:nvSpPr>
+        <p:spPr/>
+        <p:txBody>
+          <a:bodyPr/>
+          <a:lstStyle/>
+          <a:p>
+            <a:r>
+              <a:rPr lang="en-US" dirty="0"/>
+              <a:t>Advice on choosing data structures</a:t>
+            </a:r>
+          </a:p>
+        </p:txBody>
+      </p:sp>
+      <p:sp>
+        <p:nvSpPr>
+          <p:cNvPr id="3" name="Content Placeholder 2">
+            <a:extLst>
+              <a:ext uri="{FF2B5EF4-FFF2-40B4-BE49-F238E27FC236}">
+                <a16:creationId xmlns:a16="http://schemas.microsoft.com/office/drawing/2014/main" id="{9E8603FA-3537-E84F-8FF1-7B5D43565D10}"/>
+              </a:ext>
+            </a:extLst>
+          </p:cNvPr>
+          <p:cNvSpPr>
+            <a:spLocks noGrp="1"/>
+          </p:cNvSpPr>
+          <p:nvPr>
+            <p:ph idx="1"/>
+          </p:nvPr>
+        </p:nvSpPr>
+        <p:spPr/>
+        <p:txBody>
+          <a:bodyPr/>
+          <a:lstStyle/>
+          <a:p>
+            <a:r>
+              <a:rPr lang="en-US" dirty="0"/>
+              <a:t>Use the simplest data structure you can initially because you never know if that code will survive very long</a:t>
+            </a:r>
+          </a:p>
+          <a:p>
+            <a:r>
+              <a:rPr lang="en-US" dirty="0"/>
+              <a:t>Waste processor, memory power before brainpower (if possible)</a:t>
+            </a:r>
+          </a:p>
+          <a:p>
+            <a:r>
+              <a:rPr lang="en-US" dirty="0"/>
+              <a:t>There is a trade off between time and space</a:t>
+            </a:r>
+          </a:p>
+          <a:p>
+            <a:pPr lvl="1"/>
+            <a:r>
+              <a:rPr lang="en-US" dirty="0"/>
+              <a:t>We can often make faster algorithm using more memory</a:t>
+            </a:r>
+          </a:p>
+          <a:p>
+            <a:pPr lvl="1"/>
+            <a:r>
+              <a:rPr lang="en-US" dirty="0"/>
+              <a:t>It’s like driving to the other side of town to save 5% on beer; what are you trying to optimize? time or $$$</a:t>
+            </a:r>
+          </a:p>
+          <a:p>
+            <a:r>
+              <a:rPr lang="en-US" dirty="0"/>
+              <a:t>Prep work or more sophisticated data structure can help</a:t>
+            </a:r>
+          </a:p>
+          <a:p>
+            <a:pPr lvl="1"/>
+            <a:r>
+              <a:rPr lang="en-US" dirty="0"/>
+              <a:t>E.g., element lookup via: unordered list vs sorted list vs hash table</a:t>
+            </a:r>
+            <a:br>
+              <a:rPr lang="en-US" dirty="0"/>
+            </a:br>
+            <a:r>
+              <a:rPr lang="en-US" dirty="0"/>
+              <a:t>                                               O(n)               O(log n)            O(1)</a:t>
+            </a:r>
+          </a:p>
+          <a:p>
+            <a:endParaRPr lang="en-US" dirty="0"/>
+          </a:p>
+        </p:txBody>
+      </p:sp>
+    </p:spTree>
+    <p:extLst>
+      <p:ext uri="{BB962C8B-B14F-4D97-AF65-F5344CB8AC3E}">
+        <p14:creationId xmlns:p14="http://schemas.microsoft.com/office/powerpoint/2010/main" val="704959664"/>
+      </p:ext>
+    </p:extLst>
+  </p:cSld>
+  <p:clrMapOvr>
+    <a:masterClrMapping/>
+  </p:clrMapOvr>
+</p:sld>
+</file>
+
+<file path=ppt/slides/slide4.xml><?xml version="1.0" encoding="utf-8"?>
+<p:sld xmlns:a="http://schemas.openxmlformats.org/drawingml/2006/main" xmlns:r="http://schemas.openxmlformats.org/officeDocument/2006/relationships" xmlns:p="http://schemas.openxmlformats.org/presentationml/2006/main">
+  <p:cSld>
+    <p:spTree>
+      <p:nvGrpSpPr>
+        <p:cNvPr id="1" name=""/>
+        <p:cNvGrpSpPr/>
+        <p:nvPr/>
+      </p:nvGrpSpPr>
+      <p:grpSpPr>
+        <a:xfrm>
+          <a:off x="0" y="0"/>
+          <a:ext cx="0" cy="0"/>
+          <a:chOff x="0" y="0"/>
+          <a:chExt cx="0" cy="0"/>
+        </a:xfrm>
+      </p:grpSpPr>
+      <p:sp>
+        <p:nvSpPr>
+          <p:cNvPr id="2" name="Title 1">
+            <a:extLst>
+              <a:ext uri="{FF2B5EF4-FFF2-40B4-BE49-F238E27FC236}">
+                <a16:creationId xmlns:a16="http://schemas.microsoft.com/office/drawing/2014/main" id="{74FD0DC6-7BF2-5E41-AC61-BBC9150AC7C7}"/>
+              </a:ext>
+            </a:extLst>
+          </p:cNvPr>
+          <p:cNvSpPr>
+            <a:spLocks noGrp="1"/>
+          </p:cNvSpPr>
+          <p:nvPr>
+            <p:ph type="title"/>
+          </p:nvPr>
+        </p:nvSpPr>
+        <p:spPr/>
+        <p:txBody>
+          <a:bodyPr/>
+          <a:lstStyle/>
+          <a:p>
+            <a:r>
+              <a:rPr lang="en-US" dirty="0"/>
+              <a:t>Why you should know about DS/</a:t>
+            </a:r>
+            <a:r>
+              <a:rPr lang="en-US" dirty="0" err="1"/>
+              <a:t>Alg</a:t>
+            </a:r>
+            <a:endParaRPr lang="en-US" dirty="0"/>
+          </a:p>
+        </p:txBody>
+      </p:sp>
+      <p:sp>
+        <p:nvSpPr>
+          <p:cNvPr id="3" name="Content Placeholder 2">
+            <a:extLst>
+              <a:ext uri="{FF2B5EF4-FFF2-40B4-BE49-F238E27FC236}">
+                <a16:creationId xmlns:a16="http://schemas.microsoft.com/office/drawing/2014/main" id="{3574E199-93FE-5047-9D18-A30CF6E97147}"/>
+              </a:ext>
+            </a:extLst>
+          </p:cNvPr>
+          <p:cNvSpPr>
+            <a:spLocks noGrp="1"/>
+          </p:cNvSpPr>
+          <p:nvPr>
+            <p:ph idx="1"/>
+          </p:nvPr>
+        </p:nvSpPr>
+        <p:spPr/>
+        <p:txBody>
+          <a:bodyPr>
+            <a:normAutofit/>
+          </a:bodyPr>
+          <a:lstStyle/>
+          <a:p>
+            <a:r>
+              <a:rPr lang="en-US" dirty="0"/>
+              <a:t>Consider Enron emails</a:t>
+            </a:r>
+          </a:p>
+          <a:p>
+            <a:r>
+              <a:rPr lang="en-US" dirty="0"/>
+              <a:t>Represent how?</a:t>
+            </a:r>
+          </a:p>
+          <a:p>
+            <a:r>
+              <a:rPr lang="en-US" dirty="0"/>
+              <a:t>Depends on what?</a:t>
+            </a:r>
+          </a:p>
+          <a:p>
+            <a:r>
+              <a:rPr lang="en-US" dirty="0"/>
+              <a:t>Depends on the info</a:t>
+            </a:r>
+            <a:br>
+              <a:rPr lang="en-US" dirty="0"/>
+            </a:br>
+            <a:r>
+              <a:rPr lang="en-US" dirty="0"/>
+              <a:t>we want to extract</a:t>
+            </a:r>
+          </a:p>
+          <a:p>
+            <a:r>
+              <a:rPr lang="en-US" dirty="0"/>
+              <a:t>Find all emails by Keith</a:t>
+            </a:r>
+          </a:p>
+          <a:p>
+            <a:r>
+              <a:rPr lang="en-US" dirty="0"/>
+              <a:t>Find email path from Keith to</a:t>
+            </a:r>
+            <a:br>
+              <a:rPr lang="en-US" dirty="0"/>
+            </a:br>
+            <a:r>
+              <a:rPr lang="en-US" dirty="0"/>
+              <a:t>Phillip or find path length</a:t>
+            </a:r>
+          </a:p>
+          <a:p>
+            <a:r>
+              <a:rPr lang="en-US" dirty="0"/>
+              <a:t>Find all direct emailers to Keith</a:t>
+            </a:r>
+          </a:p>
+          <a:p>
+            <a:endParaRPr lang="en-US" dirty="0"/>
+          </a:p>
+        </p:txBody>
+      </p:sp>
+      <p:sp>
+        <p:nvSpPr>
+          <p:cNvPr id="4" name="Rectangle 3">
+            <a:extLst>
+              <a:ext uri="{FF2B5EF4-FFF2-40B4-BE49-F238E27FC236}">
+                <a16:creationId xmlns:a16="http://schemas.microsoft.com/office/drawing/2014/main" id="{3BBF8EE8-F469-2943-9D7B-F38B397138F6}"/>
+              </a:ext>
+            </a:extLst>
+          </p:cNvPr>
+          <p:cNvSpPr/>
+          <p:nvPr/>
+        </p:nvSpPr>
+        <p:spPr>
+          <a:xfrm>
+            <a:off x="4827966" y="1664954"/>
+            <a:ext cx="5423210" cy="2031325"/>
+          </a:xfrm>
+          <a:prstGeom prst="rect">
+            <a:avLst/>
+          </a:prstGeom>
+          <a:solidFill>
+            <a:schemeClr val="accent4">
+              <a:lumMod val="20000"/>
+              <a:lumOff val="80000"/>
+            </a:schemeClr>
+          </a:solidFill>
+          <a:ln>
+            <a:solidFill>
+              <a:schemeClr val="accent1"/>
+            </a:solidFill>
+          </a:ln>
+        </p:spPr>
+        <p:txBody>
+          <a:bodyPr wrap="square">
+            <a:spAutoFit/>
+          </a:bodyPr>
+          <a:lstStyle/>
+          <a:p>
+            <a:r>
+              <a:rPr lang="en-US" dirty="0">
+                <a:solidFill>
+                  <a:srgbClr val="000000"/>
+                </a:solidFill>
+                <a:latin typeface="Arial" panose="020B0604020202020204" pitchFamily="34" charset="0"/>
+                <a:cs typeface="Arial" panose="020B0604020202020204" pitchFamily="34" charset="0"/>
+              </a:rPr>
+              <a:t>Date: Wed, 18 Oct 2000 03:00:00 -0700 (PDT)</a:t>
+            </a:r>
+          </a:p>
+          <a:p>
+            <a:r>
+              <a:rPr lang="en-US" dirty="0">
+                <a:solidFill>
+                  <a:srgbClr val="000000"/>
+                </a:solidFill>
+                <a:latin typeface="Arial" panose="020B0604020202020204" pitchFamily="34" charset="0"/>
+                <a:cs typeface="Arial" panose="020B0604020202020204" pitchFamily="34" charset="0"/>
+              </a:rPr>
+              <a:t>From: </a:t>
+            </a:r>
+            <a:r>
+              <a:rPr lang="en-US" dirty="0" err="1">
+                <a:solidFill>
+                  <a:srgbClr val="000000"/>
+                </a:solidFill>
+                <a:latin typeface="Arial" panose="020B0604020202020204" pitchFamily="34" charset="0"/>
+                <a:cs typeface="Arial" panose="020B0604020202020204" pitchFamily="34" charset="0"/>
+              </a:rPr>
+              <a:t>phillip.allen@enron.com</a:t>
+            </a:r>
+            <a:endParaRPr lang="en-US" dirty="0">
+              <a:solidFill>
+                <a:srgbClr val="000000"/>
+              </a:solidFill>
+              <a:latin typeface="Arial" panose="020B0604020202020204" pitchFamily="34" charset="0"/>
+              <a:cs typeface="Arial" panose="020B0604020202020204" pitchFamily="34" charset="0"/>
+            </a:endParaRPr>
+          </a:p>
+          <a:p>
+            <a:r>
+              <a:rPr lang="en-US" dirty="0">
+                <a:solidFill>
+                  <a:srgbClr val="000000"/>
+                </a:solidFill>
+                <a:latin typeface="Arial" panose="020B0604020202020204" pitchFamily="34" charset="0"/>
+                <a:cs typeface="Arial" panose="020B0604020202020204" pitchFamily="34" charset="0"/>
+              </a:rPr>
+              <a:t>To: </a:t>
+            </a:r>
+            <a:r>
+              <a:rPr lang="en-US" dirty="0" err="1">
+                <a:solidFill>
+                  <a:srgbClr val="000000"/>
+                </a:solidFill>
+                <a:latin typeface="Arial" panose="020B0604020202020204" pitchFamily="34" charset="0"/>
+                <a:cs typeface="Arial" panose="020B0604020202020204" pitchFamily="34" charset="0"/>
+              </a:rPr>
+              <a:t>leah.arsdall@enron.com</a:t>
+            </a:r>
+            <a:endParaRPr lang="en-US" dirty="0">
+              <a:solidFill>
+                <a:srgbClr val="000000"/>
+              </a:solidFill>
+              <a:latin typeface="Arial" panose="020B0604020202020204" pitchFamily="34" charset="0"/>
+              <a:cs typeface="Arial" panose="020B0604020202020204" pitchFamily="34" charset="0"/>
+            </a:endParaRPr>
+          </a:p>
+          <a:p>
+            <a:r>
+              <a:rPr lang="en-US" dirty="0">
+                <a:solidFill>
+                  <a:srgbClr val="000000"/>
+                </a:solidFill>
+                <a:latin typeface="Arial" panose="020B0604020202020204" pitchFamily="34" charset="0"/>
+                <a:cs typeface="Arial" panose="020B0604020202020204" pitchFamily="34" charset="0"/>
+              </a:rPr>
+              <a:t>Subject: Re: test</a:t>
+            </a:r>
+          </a:p>
+          <a:p>
+            <a:r>
+              <a:rPr lang="en-US" dirty="0">
+                <a:solidFill>
+                  <a:srgbClr val="000000"/>
+                </a:solidFill>
+                <a:latin typeface="Arial" panose="020B0604020202020204" pitchFamily="34" charset="0"/>
+                <a:cs typeface="Arial" panose="020B0604020202020204" pitchFamily="34" charset="0"/>
+              </a:rPr>
+              <a:t>Mime-Version: 1.0</a:t>
+            </a:r>
+          </a:p>
+          <a:p>
+            <a:r>
+              <a:rPr lang="en-US" dirty="0">
+                <a:solidFill>
+                  <a:srgbClr val="000000"/>
+                </a:solidFill>
+                <a:latin typeface="Arial" panose="020B0604020202020204" pitchFamily="34" charset="0"/>
+                <a:cs typeface="Arial" panose="020B0604020202020204" pitchFamily="34" charset="0"/>
+              </a:rPr>
+              <a:t>Content-Type: text/plain; charset=us-ascii</a:t>
+            </a:r>
+          </a:p>
+          <a:p>
+            <a:r>
+              <a:rPr lang="en-US" dirty="0">
+                <a:solidFill>
+                  <a:srgbClr val="000000"/>
+                </a:solidFill>
+                <a:effectLst/>
+                <a:latin typeface="Arial" panose="020B0604020202020204" pitchFamily="34" charset="0"/>
+                <a:cs typeface="Arial" panose="020B0604020202020204" pitchFamily="34" charset="0"/>
+              </a:rPr>
+              <a:t>…</a:t>
+            </a:r>
+          </a:p>
+        </p:txBody>
+      </p:sp>
+      <p:sp>
+        <p:nvSpPr>
+          <p:cNvPr id="5" name="Rectangle 4">
+            <a:extLst>
+              <a:ext uri="{FF2B5EF4-FFF2-40B4-BE49-F238E27FC236}">
+                <a16:creationId xmlns:a16="http://schemas.microsoft.com/office/drawing/2014/main" id="{AC513689-AAC6-6446-984D-5CDBC2C58D4C}"/>
+              </a:ext>
+            </a:extLst>
+          </p:cNvPr>
+          <p:cNvSpPr/>
+          <p:nvPr/>
+        </p:nvSpPr>
+        <p:spPr>
+          <a:xfrm>
+            <a:off x="5756338" y="2542117"/>
+            <a:ext cx="5423210" cy="2308324"/>
+          </a:xfrm>
+          <a:prstGeom prst="rect">
+            <a:avLst/>
+          </a:prstGeom>
+          <a:solidFill>
+            <a:schemeClr val="accent4">
+              <a:lumMod val="20000"/>
+              <a:lumOff val="80000"/>
+            </a:schemeClr>
+          </a:solidFill>
+          <a:ln>
+            <a:solidFill>
+              <a:schemeClr val="accent1"/>
+            </a:solidFill>
+          </a:ln>
+        </p:spPr>
+        <p:txBody>
+          <a:bodyPr wrap="square">
+            <a:spAutoFit/>
+          </a:bodyPr>
+          <a:lstStyle/>
+          <a:p>
+            <a:r>
+              <a:rPr lang="en-US" dirty="0"/>
+              <a:t>Date: Mon, 16 Oct 2000 06:42:00 -0700 (PDT)</a:t>
+            </a:r>
+          </a:p>
+          <a:p>
+            <a:r>
+              <a:rPr lang="en-US" dirty="0"/>
+              <a:t>From: </a:t>
+            </a:r>
+            <a:r>
+              <a:rPr lang="en-US" dirty="0" err="1"/>
+              <a:t>phillip.allen@enron.com</a:t>
+            </a:r>
+            <a:endParaRPr lang="en-US" dirty="0"/>
+          </a:p>
+          <a:p>
+            <a:r>
+              <a:rPr lang="en-US" dirty="0"/>
+              <a:t>To: </a:t>
+            </a:r>
+            <a:r>
+              <a:rPr lang="en-US" dirty="0" err="1"/>
+              <a:t>buck.buckner@honeywell.com</a:t>
+            </a:r>
+            <a:endParaRPr lang="en-US" dirty="0"/>
+          </a:p>
+          <a:p>
+            <a:r>
+              <a:rPr lang="en-US" dirty="0"/>
+              <a:t>Subject: Re: FW: fixed forward or other Collar floor gas price terms</a:t>
+            </a:r>
+          </a:p>
+          <a:p>
+            <a:r>
+              <a:rPr lang="en-US" dirty="0"/>
+              <a:t>Mime-Version: 1.0</a:t>
+            </a:r>
+          </a:p>
+          <a:p>
+            <a:r>
+              <a:rPr lang="en-US" dirty="0"/>
+              <a:t>Content-Type: text/plain; charset=us-ascii</a:t>
+            </a:r>
+          </a:p>
+          <a:p>
+            <a:r>
+              <a:rPr lang="en-US" dirty="0"/>
+              <a:t>…</a:t>
+            </a:r>
+          </a:p>
+        </p:txBody>
+      </p:sp>
+      <p:sp>
+        <p:nvSpPr>
+          <p:cNvPr id="6" name="Rectangle 5">
+            <a:extLst>
+              <a:ext uri="{FF2B5EF4-FFF2-40B4-BE49-F238E27FC236}">
+                <a16:creationId xmlns:a16="http://schemas.microsoft.com/office/drawing/2014/main" id="{45B01D02-B9B9-E74B-B066-9DDCDAC91D68}"/>
+              </a:ext>
+            </a:extLst>
+          </p:cNvPr>
+          <p:cNvSpPr/>
+          <p:nvPr/>
+        </p:nvSpPr>
+        <p:spPr>
+          <a:xfrm>
+            <a:off x="6653561" y="3463420"/>
+            <a:ext cx="5423210" cy="2031325"/>
+          </a:xfrm>
+          <a:prstGeom prst="rect">
+            <a:avLst/>
+          </a:prstGeom>
+          <a:solidFill>
+            <a:schemeClr val="accent4">
+              <a:lumMod val="20000"/>
+              <a:lumOff val="80000"/>
+            </a:schemeClr>
+          </a:solidFill>
+          <a:ln>
+            <a:solidFill>
+              <a:schemeClr val="accent1"/>
+            </a:solidFill>
+          </a:ln>
+        </p:spPr>
+        <p:txBody>
+          <a:bodyPr wrap="square">
+            <a:spAutoFit/>
+          </a:bodyPr>
+          <a:lstStyle/>
+          <a:p>
+            <a:r>
+              <a:rPr lang="en-US" dirty="0"/>
+              <a:t>Date: Mon, 9 Oct 2000 07:00:00 -0700 (PDT)</a:t>
+            </a:r>
+          </a:p>
+          <a:p>
+            <a:r>
+              <a:rPr lang="en-US" dirty="0"/>
+              <a:t>From: </a:t>
+            </a:r>
+            <a:r>
+              <a:rPr lang="en-US" dirty="0" err="1"/>
+              <a:t>phillip.allen@enron.com</a:t>
+            </a:r>
+            <a:endParaRPr lang="en-US" dirty="0"/>
+          </a:p>
+          <a:p>
+            <a:r>
+              <a:rPr lang="en-US" dirty="0"/>
+              <a:t>To: </a:t>
+            </a:r>
+            <a:r>
+              <a:rPr lang="en-US" dirty="0" err="1"/>
+              <a:t>keith.holst@enron.com</a:t>
+            </a:r>
+            <a:endParaRPr lang="en-US" dirty="0"/>
+          </a:p>
+          <a:p>
+            <a:r>
+              <a:rPr lang="en-US" dirty="0"/>
+              <a:t>Subject: Consolidated positions: Issues &amp; To Do list</a:t>
+            </a:r>
+          </a:p>
+          <a:p>
+            <a:r>
+              <a:rPr lang="en-US" dirty="0"/>
+              <a:t>Mime-Version: 1.0</a:t>
+            </a:r>
+          </a:p>
+          <a:p>
+            <a:r>
+              <a:rPr lang="en-US" dirty="0"/>
+              <a:t>Content-Type: text/plain; charset=us-ascii</a:t>
+            </a:r>
+          </a:p>
+          <a:p>
+            <a:r>
+              <a:rPr lang="en-US" dirty="0"/>
+              <a:t>…</a:t>
+            </a:r>
+          </a:p>
+        </p:txBody>
+      </p:sp>
+      <p:sp>
+        <p:nvSpPr>
+          <p:cNvPr id="7" name="TextBox 6">
+            <a:extLst>
+              <a:ext uri="{FF2B5EF4-FFF2-40B4-BE49-F238E27FC236}">
+                <a16:creationId xmlns:a16="http://schemas.microsoft.com/office/drawing/2014/main" id="{C01C093C-D6BA-8B46-9100-3445530B1AAA}"/>
+              </a:ext>
+            </a:extLst>
+          </p:cNvPr>
+          <p:cNvSpPr txBox="1"/>
+          <p:nvPr/>
+        </p:nvSpPr>
+        <p:spPr>
+          <a:xfrm>
+            <a:off x="243051" y="6337634"/>
+            <a:ext cx="5852949" cy="369332"/>
+          </a:xfrm>
+          <a:prstGeom prst="rect">
+            <a:avLst/>
+          </a:prstGeom>
+          <a:noFill/>
+        </p:spPr>
+        <p:txBody>
+          <a:bodyPr wrap="none" rtlCol="0">
+            <a:spAutoFit/>
+          </a:bodyPr>
+          <a:lstStyle/>
+          <a:p>
+            <a:r>
+              <a:rPr lang="en-US" dirty="0"/>
+              <a:t>https://</a:t>
+            </a:r>
+            <a:r>
+              <a:rPr lang="en-US" dirty="0" err="1"/>
+              <a:t>www.kaggle.com</a:t>
+            </a:r>
+            <a:r>
+              <a:rPr lang="en-US" dirty="0"/>
+              <a:t>/</a:t>
+            </a:r>
+            <a:r>
+              <a:rPr lang="en-US" dirty="0" err="1"/>
+              <a:t>wcukierski</a:t>
+            </a:r>
+            <a:r>
+              <a:rPr lang="en-US" dirty="0"/>
+              <a:t>/</a:t>
+            </a:r>
+            <a:r>
+              <a:rPr lang="en-US" dirty="0" err="1"/>
+              <a:t>enron</a:t>
+            </a:r>
+            <a:r>
+              <a:rPr lang="en-US" dirty="0"/>
+              <a:t>-email-dataset</a:t>
+            </a:r>
+          </a:p>
+        </p:txBody>
+      </p:sp>
+    </p:spTree>
+    <p:extLst>
+      <p:ext uri="{BB962C8B-B14F-4D97-AF65-F5344CB8AC3E}">
+        <p14:creationId xmlns:p14="http://schemas.microsoft.com/office/powerpoint/2010/main" val="3765363063"/>
+      </p:ext>
+    </p:extLst>
+  </p:cSld>
+  <p:clrMapOvr>
+    <a:masterClrMapping/>
+  </p:clrMapOvr>
+  <p:timing>
+    <p:tnLst>
+      <p:par>
+        <p:cTn id="1" dur="indefinite" restart="never" nodeType="tmRoot">
+          <p:childTnLst>
+            <p:seq concurrent="1" nextAc="seek">
+              <p:cTn id="2" dur="indefinite" nodeType="mainSeq">
+                <p:childTnLst>
+                  <p:par>
+                    <p:cTn id="3" fill="hold">
+                      <p:stCondLst>
+                        <p:cond delay="indefinite"/>
+                      </p:stCondLst>
+                      <p:childTnLst>
+                        <p:par>
+                          <p:cTn id="4" fill="hold">
+                            <p:stCondLst>
+                              <p:cond delay="0"/>
+                            </p:stCondLst>
+                            <p:childTnLst>
+                              <p:par>
+                                <p:cTn id="5" presetID="1" presetClass="entr" presetSubtype="0" fill="hold" grpId="0" nodeType="clickEffect">
+                                  <p:stCondLst>
+                                    <p:cond delay="0"/>
+                                  </p:stCondLst>
+                                  <p:childTnLst>
+                                    <p:set>
+                                      <p:cBhvr>
+                                        <p:cTn id="6" dur="1" fill="hold">
+                                          <p:stCondLst>
+                                            <p:cond delay="0"/>
+                                          </p:stCondLst>
+                                        </p:cTn>
+                                        <p:tgtEl>
+                                          <p:spTgt spid="3">
+                                            <p:txEl>
+                                              <p:pRg st="2" end="2"/>
+                                            </p:txEl>
+                                          </p:spTgt>
+                                        </p:tgtEl>
+                                        <p:attrNameLst>
+                                          <p:attrName>style.visibility</p:attrName>
+                                        </p:attrNameLst>
+                                      </p:cBhvr>
+                                      <p:to>
+                                        <p:strVal val="visible"/>
+                                      </p:to>
+                                    </p:set>
+                                  </p:childTnLst>
+                                </p:cTn>
+                              </p:par>
+                            </p:childTnLst>
+                          </p:cTn>
+                        </p:par>
+                      </p:childTnLst>
+                    </p:cTn>
+                  </p:par>
+                  <p:par>
+                    <p:cTn id="7" fill="hold">
+                      <p:stCondLst>
+                        <p:cond delay="indefinite"/>
+                      </p:stCondLst>
+                      <p:childTnLst>
+                        <p:par>
+                          <p:cTn id="8" fill="hold">
+                            <p:stCondLst>
+                              <p:cond delay="0"/>
+                            </p:stCondLst>
+                            <p:childTnLst>
+                              <p:par>
+                                <p:cTn id="9" presetID="1" presetClass="entr" presetSubtype="0" fill="hold" nodeType="clickEffect">
+                                  <p:stCondLst>
+                                    <p:cond delay="0"/>
+                                  </p:stCondLst>
+                                  <p:childTnLst>
+                                    <p:set>
+                                      <p:cBhvr>
+                                        <p:cTn id="10" dur="1" fill="hold">
+                                          <p:stCondLst>
+                                            <p:cond delay="0"/>
+                                          </p:stCondLst>
+                                        </p:cTn>
+                                        <p:tgtEl>
+                                          <p:spTgt spid="3">
+                                            <p:txEl>
+                                              <p:pRg st="3" end="3"/>
+                                            </p:txEl>
+                                          </p:spTgt>
+                                        </p:tgtEl>
+                                        <p:attrNameLst>
+                                          <p:attrName>style.visibility</p:attrName>
+                                        </p:attrNameLst>
+                                      </p:cBhvr>
+                                      <p:to>
+                                        <p:strVal val="visible"/>
+                                      </p:to>
+                                    </p:set>
+                                  </p:childTnLst>
+                                </p:cTn>
+                              </p:par>
+                              <p:par>
+                                <p:cTn id="11" presetID="1" presetClass="entr" presetSubtype="0" fill="hold" nodeType="withEffect">
+                                  <p:stCondLst>
+                                    <p:cond delay="0"/>
+                                  </p:stCondLst>
+                                  <p:childTnLst>
+                                    <p:set>
+                                      <p:cBhvr>
+                                        <p:cTn id="12" dur="1" fill="hold">
+                                          <p:stCondLst>
+                                            <p:cond delay="0"/>
+                                          </p:stCondLst>
+                                        </p:cTn>
+                                        <p:tgtEl>
+                                          <p:spTgt spid="3">
+                                            <p:txEl>
+                                              <p:pRg st="4" end="4"/>
+                                            </p:txEl>
+                                          </p:spTgt>
+                                        </p:tgtEl>
+                                        <p:attrNameLst>
+                                          <p:attrName>style.visibility</p:attrName>
+                                        </p:attrNameLst>
+                                      </p:cBhvr>
+                                      <p:to>
+                                        <p:strVal val="visible"/>
+                                      </p:to>
+                                    </p:set>
+                                  </p:childTnLst>
+                                </p:cTn>
+                              </p:par>
+                              <p:par>
+                                <p:cTn id="13" presetID="1" presetClass="entr" presetSubtype="0" fill="hold" nodeType="withEffect">
+                                  <p:stCondLst>
+                                    <p:cond delay="0"/>
+                                  </p:stCondLst>
+                                  <p:childTnLst>
+                                    <p:set>
+                                      <p:cBhvr>
+                                        <p:cTn id="14" dur="1" fill="hold">
+                                          <p:stCondLst>
+                                            <p:cond delay="0"/>
+                                          </p:stCondLst>
+                                        </p:cTn>
+                                        <p:tgtEl>
+                                          <p:spTgt spid="3">
+                                            <p:txEl>
+                                              <p:pRg st="5" end="5"/>
+                                            </p:txEl>
+                                          </p:spTgt>
+                                        </p:tgtEl>
+                                        <p:attrNameLst>
+                                          <p:attrName>style.visibility</p:attrName>
+                                        </p:attrNameLst>
+                                      </p:cBhvr>
+                                      <p:to>
+                                        <p:strVal val="visible"/>
+                                      </p:to>
+                                    </p:set>
+                                  </p:childTnLst>
+                                </p:cTn>
+                              </p:par>
+                              <p:par>
+                                <p:cTn id="15" presetID="1" presetClass="entr" presetSubtype="0" fill="hold" nodeType="withEffect">
+                                  <p:stCondLst>
+                                    <p:cond delay="0"/>
+                                  </p:stCondLst>
+                                  <p:childTnLst>
+                                    <p:set>
+                                      <p:cBhvr>
+                                        <p:cTn id="16" dur="1" fill="hold">
+                                          <p:stCondLst>
+                                            <p:cond delay="0"/>
+                                          </p:stCondLst>
+                                        </p:cTn>
+                                        <p:tgtEl>
+                                          <p:spTgt spid="3">
+                                            <p:txEl>
+                                              <p:pRg st="6" end="6"/>
+                                            </p:txEl>
+                                          </p:spTgt>
+                                        </p:tgtEl>
+                                        <p:attrNameLst>
+                                          <p:attrName>style.visibility</p:attrName>
+                                        </p:attrNameLst>
+                                      </p:cBhvr>
+                                      <p:to>
+                                        <p:strVal val="visible"/>
+                                      </p:to>
+                                    </p:set>
+                                  </p:childTnLst>
+                                </p:cTn>
+                              </p:par>
+                            </p:childTnLst>
+                          </p:cTn>
+                        </p:par>
+                      </p:childTnLst>
+                    </p:cTn>
+                  </p:par>
+                </p:childTnLst>
+              </p:cTn>
+              <p:prevCondLst>
+                <p:cond evt="onPrev" delay="0">
+                  <p:tgtEl>
+                    <p:sldTgt/>
+                  </p:tgtEl>
+                </p:cond>
+              </p:prevCondLst>
+              <p:nextCondLst>
+                <p:cond evt="onNext" delay="0">
+                  <p:tgtEl>
+                    <p:sldTgt/>
+                  </p:tgtEl>
+                </p:cond>
+              </p:nextCondLst>
+            </p:seq>
+          </p:childTnLst>
+        </p:cTn>
+      </p:par>
+    </p:tnLst>
+    <p:bldLst>
+      <p:bldP spid="3" grpId="0" uiExpand="1" build="p"/>
+    </p:bldLst>
+  </p:timing>
+</p:sld>
+</file>
+
+<file path=ppt/slides/slide5.xml><?xml version="1.0" encoding="utf-8"?>
+<p:sld xmlns:a="http://schemas.openxmlformats.org/drawingml/2006/main" xmlns:r="http://schemas.openxmlformats.org/officeDocument/2006/relationships" xmlns:p="http://schemas.openxmlformats.org/presentationml/2006/main">
+  <p:cSld>
+    <p:spTree>
+      <p:nvGrpSpPr>
+        <p:cNvPr id="1" name=""/>
+        <p:cNvGrpSpPr/>
+        <p:nvPr/>
+      </p:nvGrpSpPr>
+      <p:grpSpPr>
+        <a:xfrm>
+          <a:off x="0" y="0"/>
+          <a:ext cx="0" cy="0"/>
+          <a:chOff x="0" y="0"/>
+          <a:chExt cx="0" cy="0"/>
+        </a:xfrm>
+      </p:grpSpPr>
+      <p:sp>
+        <p:nvSpPr>
+          <p:cNvPr id="2" name="Title 1">
+            <a:extLst>
+              <a:ext uri="{FF2B5EF4-FFF2-40B4-BE49-F238E27FC236}">
+                <a16:creationId xmlns:a16="http://schemas.microsoft.com/office/drawing/2014/main" id="{8102562F-FECA-C049-817B-A7333ABE629B}"/>
+              </a:ext>
+            </a:extLst>
+          </p:cNvPr>
+          <p:cNvSpPr>
+            <a:spLocks noGrp="1"/>
+          </p:cNvSpPr>
+          <p:nvPr>
+            <p:ph type="title"/>
+          </p:nvPr>
+        </p:nvSpPr>
+        <p:spPr>
+          <a:xfrm>
+            <a:off x="838200" y="365125"/>
+            <a:ext cx="10825976" cy="1325563"/>
+          </a:xfrm>
+        </p:spPr>
+        <p:txBody>
+          <a:bodyPr/>
+          <a:lstStyle/>
+          <a:p>
+            <a:r>
+              <a:rPr lang="en-US" dirty="0"/>
+              <a:t>What can we learn, what </a:t>
+            </a:r>
+            <a:r>
+              <a:rPr lang="en-US" dirty="0" err="1"/>
+              <a:t>alg’s</a:t>
+            </a:r>
+            <a:r>
+              <a:rPr lang="en-US" dirty="0"/>
+              <a:t> do we need</a:t>
+            </a:r>
+          </a:p>
+        </p:txBody>
+      </p:sp>
+      <p:sp>
+        <p:nvSpPr>
+          <p:cNvPr id="3" name="Content Placeholder 2">
+            <a:extLst>
+              <a:ext uri="{FF2B5EF4-FFF2-40B4-BE49-F238E27FC236}">
+                <a16:creationId xmlns:a16="http://schemas.microsoft.com/office/drawing/2014/main" id="{089A551A-8256-FD43-8A43-9EE8792681B4}"/>
+              </a:ext>
+            </a:extLst>
+          </p:cNvPr>
+          <p:cNvSpPr>
+            <a:spLocks noGrp="1"/>
+          </p:cNvSpPr>
+          <p:nvPr>
+            <p:ph idx="1"/>
+          </p:nvPr>
+        </p:nvSpPr>
+        <p:spPr>
+          <a:xfrm>
+            <a:off x="838200" y="1825625"/>
+            <a:ext cx="10515600" cy="4351338"/>
+          </a:xfrm>
+        </p:spPr>
+        <p:txBody>
+          <a:bodyPr/>
+          <a:lstStyle/>
+          <a:p>
+            <a:r>
+              <a:rPr lang="en-US" dirty="0"/>
+              <a:t>Fast string search to find emails </a:t>
+            </a:r>
+          </a:p>
+          <a:p>
+            <a:r>
+              <a:rPr lang="en-US" dirty="0"/>
+              <a:t>Compute edit distance to find</a:t>
+            </a:r>
+            <a:br>
+              <a:rPr lang="en-US" dirty="0"/>
+            </a:br>
+            <a:r>
+              <a:rPr lang="en-US" dirty="0"/>
+              <a:t>similar or misspelled email </a:t>
+            </a:r>
+            <a:r>
+              <a:rPr lang="en-US" dirty="0" err="1"/>
+              <a:t>addrs</a:t>
+            </a:r>
+            <a:endParaRPr lang="en-US" dirty="0"/>
+          </a:p>
+          <a:p>
+            <a:r>
+              <a:rPr lang="en-US" dirty="0"/>
+              <a:t>Shortest path analysis to</a:t>
+            </a:r>
+            <a:br>
+              <a:rPr lang="en-US" dirty="0"/>
+            </a:br>
+            <a:r>
+              <a:rPr lang="en-US" dirty="0"/>
+              <a:t>discover company relationships</a:t>
+            </a:r>
+            <a:br>
+              <a:rPr lang="en-US" dirty="0"/>
+            </a:br>
+            <a:r>
+              <a:rPr lang="en-US" dirty="0"/>
+              <a:t>not on org chart</a:t>
+            </a:r>
+          </a:p>
+          <a:p>
+            <a:r>
+              <a:rPr lang="en-US" dirty="0"/>
+              <a:t>k-cliques (subcommunities)</a:t>
+            </a:r>
+            <a:br>
+              <a:rPr lang="en-US" dirty="0"/>
+            </a:br>
+            <a:r>
+              <a:rPr lang="en-US" dirty="0"/>
+              <a:t>became more common as</a:t>
+            </a:r>
+            <a:br>
+              <a:rPr lang="en-US" dirty="0"/>
+            </a:br>
+            <a:r>
+              <a:rPr lang="en-US" dirty="0"/>
+              <a:t>crisis built at Enron</a:t>
+            </a:r>
+          </a:p>
+        </p:txBody>
+      </p:sp>
+      <p:sp>
+        <p:nvSpPr>
+          <p:cNvPr id="4" name="Rectangle 3">
+            <a:extLst>
+              <a:ext uri="{FF2B5EF4-FFF2-40B4-BE49-F238E27FC236}">
+                <a16:creationId xmlns:a16="http://schemas.microsoft.com/office/drawing/2014/main" id="{ACF71844-F9D9-8A4A-AD22-651E2FD180B8}"/>
+              </a:ext>
+            </a:extLst>
+          </p:cNvPr>
+          <p:cNvSpPr/>
+          <p:nvPr/>
+        </p:nvSpPr>
+        <p:spPr>
+          <a:xfrm>
+            <a:off x="6553200" y="1825625"/>
+            <a:ext cx="5423210" cy="2031325"/>
+          </a:xfrm>
+          <a:prstGeom prst="rect">
+            <a:avLst/>
+          </a:prstGeom>
+          <a:solidFill>
+            <a:schemeClr val="accent4">
+              <a:lumMod val="20000"/>
+              <a:lumOff val="80000"/>
+            </a:schemeClr>
+          </a:solidFill>
+          <a:ln>
+            <a:solidFill>
+              <a:schemeClr val="accent1"/>
+            </a:solidFill>
+          </a:ln>
+        </p:spPr>
+        <p:txBody>
+          <a:bodyPr wrap="square">
+            <a:spAutoFit/>
+          </a:bodyPr>
+          <a:lstStyle/>
+          <a:p>
+            <a:r>
+              <a:rPr lang="en-US" dirty="0"/>
+              <a:t>Date: Mon, 9 Oct 2000 07:00:00 -0700 (PDT)</a:t>
+            </a:r>
+          </a:p>
+          <a:p>
+            <a:r>
+              <a:rPr lang="en-US" dirty="0"/>
+              <a:t>From: </a:t>
+            </a:r>
+            <a:r>
+              <a:rPr lang="en-US" dirty="0" err="1"/>
+              <a:t>phillip.allen@enron.com</a:t>
+            </a:r>
+            <a:endParaRPr lang="en-US" dirty="0"/>
+          </a:p>
+          <a:p>
+            <a:r>
+              <a:rPr lang="en-US" dirty="0"/>
+              <a:t>To: </a:t>
+            </a:r>
+            <a:r>
+              <a:rPr lang="en-US" dirty="0" err="1"/>
+              <a:t>keith.holst@enron.com</a:t>
+            </a:r>
+            <a:endParaRPr lang="en-US" dirty="0"/>
+          </a:p>
+          <a:p>
+            <a:r>
+              <a:rPr lang="en-US" dirty="0"/>
+              <a:t>Subject: Consolidated positions: Issues &amp; To Do list</a:t>
+            </a:r>
+          </a:p>
+          <a:p>
+            <a:r>
+              <a:rPr lang="en-US" dirty="0"/>
+              <a:t>Mime-Version: 1.0</a:t>
+            </a:r>
+          </a:p>
+          <a:p>
+            <a:r>
+              <a:rPr lang="en-US" dirty="0"/>
+              <a:t>Content-Type: text/plain; charset=us-ascii</a:t>
+            </a:r>
+          </a:p>
+          <a:p>
+            <a:r>
+              <a:rPr lang="en-US" dirty="0"/>
+              <a:t>…</a:t>
+            </a:r>
+          </a:p>
+        </p:txBody>
+      </p:sp>
+      <p:pic>
+        <p:nvPicPr>
+          <p:cNvPr id="1025" name="Picture 1" descr="page8image1821760">
+            <a:extLst>
+              <a:ext uri="{FF2B5EF4-FFF2-40B4-BE49-F238E27FC236}">
+                <a16:creationId xmlns:a16="http://schemas.microsoft.com/office/drawing/2014/main" id="{56C608E0-FEF0-284F-9906-A89468CBD4DB}"/>
+              </a:ext>
+            </a:extLst>
+          </p:cNvPr>
+          <p:cNvPicPr>
+            <a:picLocks noChangeAspect="1" noChangeArrowheads="1"/>
+          </p:cNvPicPr>
+          <p:nvPr/>
+        </p:nvPicPr>
+        <p:blipFill>
+          <a:blip r:embed="rId2">
+            <a:extLst>
+              <a:ext uri="{28A0092B-C50C-407E-A947-70E740481C1C}">
+                <a14:useLocalDpi xmlns:a14="http://schemas.microsoft.com/office/drawing/2010/main" val="0"/>
+              </a:ext>
+            </a:extLst>
+          </a:blip>
+          <a:srcRect/>
+          <a:stretch>
+            <a:fillRect/>
+          </a:stretch>
+        </p:blipFill>
+        <p:spPr bwMode="auto">
+          <a:xfrm>
+            <a:off x="6553200" y="4086577"/>
+            <a:ext cx="2531327" cy="2090386"/>
+          </a:xfrm>
+          <a:prstGeom prst="rect">
+            <a:avLst/>
+          </a:prstGeom>
+          <a:noFill/>
+          <a:extLst>
+            <a:ext uri="{909E8E84-426E-40DD-AFC4-6F175D3DCCD1}">
+              <a14:hiddenFill xmlns:a14="http://schemas.microsoft.com/office/drawing/2010/main">
+                <a:solidFill>
+                  <a:srgbClr val="FFFFFF"/>
+                </a:solidFill>
+              </a14:hiddenFill>
+            </a:ext>
+          </a:extLst>
+        </p:spPr>
+      </p:pic>
+      <p:pic>
+        <p:nvPicPr>
+          <p:cNvPr id="1026" name="Picture 2" descr="page8image1826912">
+            <a:extLst>
+              <a:ext uri="{FF2B5EF4-FFF2-40B4-BE49-F238E27FC236}">
+                <a16:creationId xmlns:a16="http://schemas.microsoft.com/office/drawing/2014/main" id="{5A2F51CA-5F01-1740-8083-75F2F7BCD5D3}"/>
+              </a:ext>
+            </a:extLst>
+          </p:cNvPr>
+          <p:cNvPicPr>
+            <a:picLocks noChangeAspect="1" noChangeArrowheads="1"/>
+          </p:cNvPicPr>
+          <p:nvPr/>
+        </p:nvPicPr>
+        <p:blipFill>
+          <a:blip r:embed="rId3">
+            <a:extLst>
+              <a:ext uri="{28A0092B-C50C-407E-A947-70E740481C1C}">
+                <a14:useLocalDpi xmlns:a14="http://schemas.microsoft.com/office/drawing/2010/main" val="0"/>
+              </a:ext>
+            </a:extLst>
+          </a:blip>
+          <a:srcRect/>
+          <a:stretch>
+            <a:fillRect/>
+          </a:stretch>
+        </p:blipFill>
+        <p:spPr bwMode="auto">
+          <a:xfrm>
+            <a:off x="9461414" y="4086577"/>
+            <a:ext cx="2514996" cy="2090386"/>
+          </a:xfrm>
+          <a:prstGeom prst="rect">
+            <a:avLst/>
+          </a:prstGeom>
+          <a:noFill/>
+          <a:extLst>
+            <a:ext uri="{909E8E84-426E-40DD-AFC4-6F175D3DCCD1}">
+              <a14:hiddenFill xmlns:a14="http://schemas.microsoft.com/office/drawing/2010/main">
+                <a:solidFill>
+                  <a:srgbClr val="FFFFFF"/>
+                </a:solidFill>
+              </a14:hiddenFill>
+            </a:ext>
+          </a:extLst>
+        </p:spPr>
+      </p:pic>
+      <p:sp>
+        <p:nvSpPr>
+          <p:cNvPr id="5" name="Rectangle 4">
+            <a:extLst>
+              <a:ext uri="{FF2B5EF4-FFF2-40B4-BE49-F238E27FC236}">
+                <a16:creationId xmlns:a16="http://schemas.microsoft.com/office/drawing/2014/main" id="{998B69C3-92E5-CD48-A008-C03FB8F0B18D}"/>
+              </a:ext>
+            </a:extLst>
+          </p:cNvPr>
+          <p:cNvSpPr/>
+          <p:nvPr/>
+        </p:nvSpPr>
+        <p:spPr>
+          <a:xfrm>
+            <a:off x="838200" y="6176963"/>
+            <a:ext cx="6096000" cy="646331"/>
+          </a:xfrm>
+          <a:prstGeom prst="rect">
+            <a:avLst/>
+          </a:prstGeom>
+        </p:spPr>
+        <p:txBody>
+          <a:bodyPr>
+            <a:spAutoFit/>
+          </a:bodyPr>
+          <a:lstStyle/>
+          <a:p>
+            <a:r>
+              <a:rPr lang="en-US" dirty="0"/>
+              <a:t>See </a:t>
+            </a:r>
+            <a:r>
+              <a:rPr lang="en-US" i="1" dirty="0"/>
+              <a:t>Social Network Analysis and Organizational Disintegration: The Case of Enron Corporation</a:t>
+            </a:r>
+          </a:p>
+        </p:txBody>
+      </p:sp>
+    </p:spTree>
+    <p:extLst>
+      <p:ext uri="{BB962C8B-B14F-4D97-AF65-F5344CB8AC3E}">
+        <p14:creationId xmlns:p14="http://schemas.microsoft.com/office/powerpoint/2010/main" val="4035386065"/>
+      </p:ext>
+    </p:extLst>
+  </p:cSld>
+  <p:clrMapOvr>
+    <a:masterClrMapping/>
+  </p:clrMapOvr>
+</p:sld>
+</file>
+
+<file path=ppt/slides/slide6.xml><?xml version="1.0" encoding="utf-8"?>
+<p:sld xmlns:a="http://schemas.openxmlformats.org/drawingml/2006/main" xmlns:r="http://schemas.openxmlformats.org/officeDocument/2006/relationships" xmlns:p="http://schemas.openxmlformats.org/presentationml/2006/main">
+  <p:cSld>
+    <p:spTree>
+      <p:nvGrpSpPr>
+        <p:cNvPr id="1" name=""/>
+        <p:cNvGrpSpPr/>
+        <p:nvPr/>
+      </p:nvGrpSpPr>
+      <p:grpSpPr>
+        <a:xfrm>
+          <a:off x="0" y="0"/>
+          <a:ext cx="0" cy="0"/>
+          <a:chOff x="0" y="0"/>
+          <a:chExt cx="0" cy="0"/>
+        </a:xfrm>
+      </p:grpSpPr>
+      <p:sp>
+        <p:nvSpPr>
+          <p:cNvPr id="2" name="Title 1">
+            <a:extLst>
+              <a:ext uri="{FF2B5EF4-FFF2-40B4-BE49-F238E27FC236}">
+                <a16:creationId xmlns:a16="http://schemas.microsoft.com/office/drawing/2014/main" id="{39EF873E-26B1-6C49-9A9B-902C716168AC}"/>
+              </a:ext>
+            </a:extLst>
+          </p:cNvPr>
+          <p:cNvSpPr>
+            <a:spLocks noGrp="1"/>
+          </p:cNvSpPr>
+          <p:nvPr>
+            <p:ph type="title"/>
+          </p:nvPr>
+        </p:nvSpPr>
+        <p:spPr/>
+        <p:txBody>
+          <a:bodyPr/>
+          <a:lstStyle/>
+          <a:p>
+            <a:r>
+              <a:rPr lang="en-US" dirty="0"/>
+              <a:t>Elemental data in memory (RAM)</a:t>
+            </a:r>
+          </a:p>
+        </p:txBody>
+      </p:sp>
+      <p:sp>
+        <p:nvSpPr>
+          <p:cNvPr id="3" name="Content Placeholder 2">
+            <a:extLst>
+              <a:ext uri="{FF2B5EF4-FFF2-40B4-BE49-F238E27FC236}">
+                <a16:creationId xmlns:a16="http://schemas.microsoft.com/office/drawing/2014/main" id="{B17073A1-49C2-7448-B9DD-44341CBEE8F3}"/>
+              </a:ext>
+            </a:extLst>
+          </p:cNvPr>
+          <p:cNvSpPr>
+            <a:spLocks noGrp="1"/>
+          </p:cNvSpPr>
+          <p:nvPr>
+            <p:ph idx="1"/>
+          </p:nvPr>
+        </p:nvSpPr>
+        <p:spPr/>
+        <p:txBody>
+          <a:bodyPr>
+            <a:normAutofit fontScale="92500" lnSpcReduction="10000"/>
+          </a:bodyPr>
+          <a:lstStyle/>
+          <a:p>
+            <a:r>
+              <a:rPr lang="en-US" dirty="0"/>
+              <a:t>(not disk formats, we covered in data acquisition MSDS692)</a:t>
+            </a:r>
+          </a:p>
+          <a:p>
+            <a:r>
+              <a:rPr lang="en-US" dirty="0"/>
+              <a:t>What’s the </a:t>
+            </a:r>
+            <a:r>
+              <a:rPr lang="en-US" i="1" dirty="0"/>
+              <a:t>type</a:t>
+            </a:r>
+            <a:r>
+              <a:rPr lang="en-US" dirty="0"/>
+              <a:t>?:  typically </a:t>
+            </a:r>
+            <a:r>
+              <a:rPr lang="en-US" dirty="0" err="1"/>
+              <a:t>int</a:t>
+            </a:r>
+            <a:r>
+              <a:rPr lang="en-US" dirty="0"/>
+              <a:t>, float, string</a:t>
+            </a:r>
+          </a:p>
+          <a:p>
+            <a:r>
+              <a:rPr lang="en-US" dirty="0"/>
+              <a:t>Numbers can be of different sizes; e.g., np.float32, np.float64</a:t>
+            </a:r>
+          </a:p>
+          <a:p>
+            <a:r>
+              <a:rPr lang="en-US" dirty="0"/>
+              <a:t>Data </a:t>
+            </a:r>
+            <a:r>
+              <a:rPr lang="en-US" i="1" dirty="0"/>
+              <a:t>values</a:t>
+            </a:r>
+            <a:r>
+              <a:rPr lang="en-US" dirty="0"/>
+              <a:t>: an </a:t>
+            </a:r>
+            <a:r>
+              <a:rPr lang="en-US" dirty="0" err="1"/>
+              <a:t>int</a:t>
+            </a:r>
+            <a:r>
+              <a:rPr lang="en-US" dirty="0"/>
+              <a:t> can represent a number, signed or unsigned, but can also represent a categorical item such as US state</a:t>
+            </a:r>
+          </a:p>
+          <a:p>
+            <a:r>
+              <a:rPr lang="en-US" dirty="0"/>
+              <a:t>We can also use strings for categorical but it’s much less efficient in space, and often time</a:t>
+            </a:r>
+          </a:p>
+          <a:p>
+            <a:r>
+              <a:rPr lang="en-US" dirty="0"/>
+              <a:t>You can even encode multiple things within a single number, such as 5 and 32005 could be a combined 32 and 5</a:t>
+            </a:r>
+          </a:p>
+          <a:p>
+            <a:r>
+              <a:rPr lang="en-US" dirty="0"/>
+              <a:t>Data </a:t>
+            </a:r>
+            <a:r>
+              <a:rPr lang="en-US" i="1" dirty="0"/>
+              <a:t>properties</a:t>
+            </a:r>
+            <a:r>
+              <a:rPr lang="en-US" dirty="0"/>
+              <a:t>: e.g., can such values be ordered? Is there a notion of distance between values?</a:t>
+            </a:r>
+          </a:p>
+        </p:txBody>
+      </p:sp>
+    </p:spTree>
+    <p:extLst>
+      <p:ext uri="{BB962C8B-B14F-4D97-AF65-F5344CB8AC3E}">
+        <p14:creationId xmlns:p14="http://schemas.microsoft.com/office/powerpoint/2010/main" val="2321212955"/>
+      </p:ext>
+    </p:extLst>
+  </p:cSld>
+  <p:clrMapOvr>
+    <a:masterClrMapping/>
+  </p:clrMapOvr>
+</p:sld>
+</file>
+
+<file path=ppt/slides/slide7.xml><?xml version="1.0" encoding="utf-8"?>
+<p:sld xmlns:a="http://schemas.openxmlformats.org/drawingml/2006/main" xmlns:r="http://schemas.openxmlformats.org/officeDocument/2006/relationships" xmlns:p="http://schemas.openxmlformats.org/presentationml/2006/main">
+  <p:cSld>
+    <p:spTree>
+      <p:nvGrpSpPr>
+        <p:cNvPr id="1" name=""/>
+        <p:cNvGrpSpPr/>
+        <p:nvPr/>
+      </p:nvGrpSpPr>
+      <p:grpSpPr>
+        <a:xfrm>
+          <a:off x="0" y="0"/>
+          <a:ext cx="0" cy="0"/>
+          <a:chOff x="0" y="0"/>
+          <a:chExt cx="0" cy="0"/>
+        </a:xfrm>
+      </p:grpSpPr>
+      <p:sp>
+        <p:nvSpPr>
+          <p:cNvPr id="2" name="Title 1">
+            <a:extLst>
+              <a:ext uri="{FF2B5EF4-FFF2-40B4-BE49-F238E27FC236}">
+                <a16:creationId xmlns:a16="http://schemas.microsoft.com/office/drawing/2014/main" id="{5A1ED5EE-52FD-F24A-B890-A796C62368DB}"/>
+              </a:ext>
+            </a:extLst>
+          </p:cNvPr>
+          <p:cNvSpPr>
+            <a:spLocks noGrp="1"/>
+          </p:cNvSpPr>
+          <p:nvPr>
+            <p:ph type="title"/>
+          </p:nvPr>
+        </p:nvSpPr>
+        <p:spPr/>
+        <p:txBody>
+          <a:bodyPr/>
+          <a:lstStyle/>
+          <a:p>
+            <a:r>
+              <a:rPr lang="en-US" dirty="0"/>
+              <a:t>Pointer data type</a:t>
+            </a:r>
+          </a:p>
+        </p:txBody>
+      </p:sp>
+      <p:sp>
+        <p:nvSpPr>
+          <p:cNvPr id="3" name="Content Placeholder 2">
+            <a:extLst>
+              <a:ext uri="{FF2B5EF4-FFF2-40B4-BE49-F238E27FC236}">
+                <a16:creationId xmlns:a16="http://schemas.microsoft.com/office/drawing/2014/main" id="{FF265B67-5035-1D41-A41F-744FF2A0E30B}"/>
+              </a:ext>
+            </a:extLst>
+          </p:cNvPr>
+          <p:cNvSpPr>
+            <a:spLocks noGrp="1"/>
+          </p:cNvSpPr>
+          <p:nvPr>
+            <p:ph idx="1"/>
+          </p:nvPr>
+        </p:nvSpPr>
+        <p:spPr/>
+        <p:txBody>
+          <a:bodyPr/>
+          <a:lstStyle/>
+          <a:p>
+            <a:r>
+              <a:rPr lang="en-US" dirty="0"/>
+              <a:t>A pointer p is implemented as an integer variable that holds a memory address, such as “p = Point(3,4)”</a:t>
+            </a:r>
+          </a:p>
+          <a:p>
+            <a:r>
+              <a:rPr lang="en-US" dirty="0"/>
+              <a:t>Python knows variable is actually a reference to memory location</a:t>
+            </a:r>
+          </a:p>
+          <a:p>
+            <a:r>
+              <a:rPr lang="en-US" dirty="0"/>
+              <a:t>Pointers are also called </a:t>
+            </a:r>
+            <a:r>
+              <a:rPr lang="en-US" i="1" dirty="0"/>
+              <a:t>references</a:t>
+            </a:r>
+          </a:p>
+          <a:p>
+            <a:endParaRPr lang="en-US" dirty="0"/>
+          </a:p>
+        </p:txBody>
+      </p:sp>
+      <p:sp>
+        <p:nvSpPr>
+          <p:cNvPr id="6" name="Rectangle 5">
+            <a:extLst>
+              <a:ext uri="{FF2B5EF4-FFF2-40B4-BE49-F238E27FC236}">
+                <a16:creationId xmlns:a16="http://schemas.microsoft.com/office/drawing/2014/main" id="{41340092-E039-7C40-BCA8-3D0811A39AAB}"/>
+              </a:ext>
+            </a:extLst>
+          </p:cNvPr>
+          <p:cNvSpPr/>
+          <p:nvPr/>
+        </p:nvSpPr>
+        <p:spPr>
+          <a:xfrm>
+            <a:off x="5791820" y="4134377"/>
+            <a:ext cx="2582747" cy="830997"/>
+          </a:xfrm>
+          <a:prstGeom prst="rect">
+            <a:avLst/>
+          </a:prstGeom>
+          <a:ln>
+            <a:solidFill>
+              <a:schemeClr val="accent1"/>
+            </a:solidFill>
+          </a:ln>
+        </p:spPr>
+        <p:txBody>
+          <a:bodyPr wrap="square">
+            <a:spAutoFit/>
+          </a:bodyPr>
+          <a:lstStyle/>
+          <a:p>
+            <a:r>
+              <a:rPr lang="en-US" sz="2400" dirty="0">
+                <a:latin typeface="Monaco" pitchFamily="2" charset="77"/>
+              </a:rPr>
+              <a:t>you = [1,3,5]</a:t>
+            </a:r>
+          </a:p>
+          <a:p>
+            <a:r>
+              <a:rPr lang="en-US" sz="2400" dirty="0">
+                <a:latin typeface="Monaco" pitchFamily="2" charset="77"/>
+              </a:rPr>
+              <a:t>me  = you</a:t>
+            </a:r>
+          </a:p>
+        </p:txBody>
+      </p:sp>
+      <p:pic>
+        <p:nvPicPr>
+          <p:cNvPr id="8" name="Picture 7">
+            <a:extLst>
+              <a:ext uri="{FF2B5EF4-FFF2-40B4-BE49-F238E27FC236}">
+                <a16:creationId xmlns:a16="http://schemas.microsoft.com/office/drawing/2014/main" id="{52B3DDCB-F8E8-194B-924A-6174A8B8CCD7}"/>
+              </a:ext>
+            </a:extLst>
+          </p:cNvPr>
+          <p:cNvPicPr>
+            <a:picLocks noChangeAspect="1"/>
+          </p:cNvPicPr>
+          <p:nvPr/>
+        </p:nvPicPr>
+        <p:blipFill>
+          <a:blip r:embed="rId2"/>
+          <a:stretch>
+            <a:fillRect/>
+          </a:stretch>
+        </p:blipFill>
+        <p:spPr>
+          <a:xfrm>
+            <a:off x="8531612" y="4111624"/>
+            <a:ext cx="3065656" cy="1781395"/>
+          </a:xfrm>
+          <a:prstGeom prst="rect">
+            <a:avLst/>
+          </a:prstGeom>
+        </p:spPr>
+      </p:pic>
+    </p:spTree>
+    <p:extLst>
+      <p:ext uri="{BB962C8B-B14F-4D97-AF65-F5344CB8AC3E}">
+        <p14:creationId xmlns:p14="http://schemas.microsoft.com/office/powerpoint/2010/main" val="3277344628"/>
       </p:ext>
     </p:extLst>
   </p:cSld>
@@ -6979,7 +8022,7 @@
           <p:cNvPr id="2" name="Title 1">
             <a:extLst>
               <a:ext uri="{FF2B5EF4-FFF2-40B4-BE49-F238E27FC236}">
-                <a16:creationId xmlns:a16="http://schemas.microsoft.com/office/drawing/2014/main" id="{4B23924E-F064-B84E-8617-21E4D161E390}"/>
+                <a16:creationId xmlns:a16="http://schemas.microsoft.com/office/drawing/2014/main" id="{9742C859-44A1-E74D-A0CF-090C0D597B29}"/>
               </a:ext>
             </a:extLst>
           </p:cNvPr>
@@ -6997,7 +8040,7 @@
           <a:p>
             <a:r>
               <a:rPr lang="en-US" dirty="0"/>
-              <a:t>Set: unordered collection</a:t>
+              <a:t>List abstract data type</a:t>
             </a:r>
           </a:p>
         </p:txBody>
@@ -7007,7 +8050,7 @@
           <p:cNvPr id="3" name="Content Placeholder 2">
             <a:extLst>
               <a:ext uri="{FF2B5EF4-FFF2-40B4-BE49-F238E27FC236}">
-                <a16:creationId xmlns:a16="http://schemas.microsoft.com/office/drawing/2014/main" id="{390F7516-E242-6D43-BECD-3BEDBBC54C00}"/>
+                <a16:creationId xmlns:a16="http://schemas.microsoft.com/office/drawing/2014/main" id="{2ADB24F7-EE7B-8E48-94AE-BF856087D26C}"/>
               </a:ext>
             </a:extLst>
           </p:cNvPr>
@@ -7024,44 +8067,80 @@
           <a:lstStyle/>
           <a:p>
             <a:r>
-              <a:rPr lang="en-US" dirty="0"/>
-              <a:t>Typical implementation is a hash table</a:t>
-            </a:r>
-          </a:p>
-          <a:p>
-            <a:r>
-              <a:rPr lang="en-US" dirty="0"/>
-              <a:t>Operations are add, delete, contains, union, intersection, </a:t>
-            </a:r>
-            <a:r>
-              <a:rPr lang="en-US" dirty="0" err="1"/>
-              <a:t>etc</a:t>
-            </a:r>
-            <a:r>
-              <a:rPr lang="en-US" dirty="0"/>
-              <a:t>…</a:t>
-            </a:r>
-          </a:p>
-          <a:p>
-            <a:r>
-              <a:rPr lang="en-US" dirty="0"/>
-              <a:t>Contains operation takes “constant time” for </a:t>
-            </a:r>
-            <a:r>
-              <a:rPr lang="en-US" dirty="0" err="1"/>
-              <a:t>hashtable</a:t>
-            </a:r>
-            <a:r>
-              <a:rPr lang="en-US" dirty="0"/>
-              <a:t> implementation</a:t>
-            </a:r>
-          </a:p>
-        </p:txBody>
-      </p:sp>
+              <a:rPr lang="en-US" i="1" dirty="0"/>
+              <a:t>Array</a:t>
+            </a:r>
+            <a:r>
+              <a:rPr lang="en-US" dirty="0"/>
+              <a:t> implementation is most common for </a:t>
+            </a:r>
+            <a:r>
+              <a:rPr lang="en-US" i="1" dirty="0"/>
+              <a:t>list </a:t>
+            </a:r>
+            <a:r>
+              <a:rPr lang="en-US" dirty="0"/>
+              <a:t>abstract data structure</a:t>
+            </a:r>
+          </a:p>
+          <a:p>
+            <a:r>
+              <a:rPr lang="en-US" dirty="0"/>
+              <a:t>Lists are ordered but items aren’t necessarily sortable</a:t>
+            </a:r>
+          </a:p>
+          <a:p>
+            <a:r>
+              <a:rPr lang="en-US" dirty="0"/>
+              <a:t>Arrays use contiguous memory locations to associate items</a:t>
+            </a:r>
+          </a:p>
+          <a:p>
+            <a:r>
+              <a:rPr lang="en-US" dirty="0"/>
+              <a:t>Code “a=[9,2,45]” yields a pointer to contiguous block of cells</a:t>
+            </a:r>
+            <a:endParaRPr lang="en-US" i="1" dirty="0"/>
+          </a:p>
+          <a:p>
+            <a:endParaRPr lang="en-US" dirty="0"/>
+          </a:p>
+        </p:txBody>
+      </p:sp>
+      <p:pic>
+        <p:nvPicPr>
+          <p:cNvPr id="4" name="Picture 3">
+            <a:extLst>
+              <a:ext uri="{FF2B5EF4-FFF2-40B4-BE49-F238E27FC236}">
+                <a16:creationId xmlns:a16="http://schemas.microsoft.com/office/drawing/2014/main" id="{A7B89018-81CF-9943-8683-D452ED658AFF}"/>
+              </a:ext>
+            </a:extLst>
+          </p:cNvPr>
+          <p:cNvPicPr>
+            <a:picLocks noChangeAspect="1"/>
+          </p:cNvPicPr>
+          <p:nvPr/>
+        </p:nvPicPr>
+        <p:blipFill>
+          <a:blip r:embed="rId2"/>
+          <a:stretch>
+            <a:fillRect/>
+          </a:stretch>
+        </p:blipFill>
+        <p:spPr>
+          <a:xfrm>
+            <a:off x="3098026" y="4458494"/>
+            <a:ext cx="5549900" cy="1371600"/>
+          </a:xfrm>
+          <a:prstGeom prst="rect">
+            <a:avLst/>
+          </a:prstGeom>
+        </p:spPr>
+      </p:pic>
     </p:spTree>
     <p:extLst>
       <p:ext uri="{BB962C8B-B14F-4D97-AF65-F5344CB8AC3E}">
-        <p14:creationId xmlns:p14="http://schemas.microsoft.com/office/powerpoint/2010/main" val="2201856676"/>
+        <p14:creationId xmlns:p14="http://schemas.microsoft.com/office/powerpoint/2010/main" val="3382128826"/>
       </p:ext>
     </p:extLst>
   </p:cSld>
@@ -7093,7 +8172,7 @@
           <p:cNvPr id="2" name="Title 1">
             <a:extLst>
               <a:ext uri="{FF2B5EF4-FFF2-40B4-BE49-F238E27FC236}">
-                <a16:creationId xmlns:a16="http://schemas.microsoft.com/office/drawing/2014/main" id="{6BD47379-BDB8-6E43-AA3E-96F5F7117BAD}"/>
+                <a16:creationId xmlns:a16="http://schemas.microsoft.com/office/drawing/2014/main" id="{99D9C008-6B56-2B48-83A9-764D984372E9}"/>
               </a:ext>
             </a:extLst>
           </p:cNvPr>
@@ -7111,7 +8190,11 @@
           <a:p>
             <a:r>
               <a:rPr lang="en-US" dirty="0"/>
-              <a:t>Binary tree abstract data structure</a:t>
+              <a:t>Non-contiguous lists: </a:t>
+            </a:r>
+            <a:r>
+              <a:rPr lang="en-US" i="1" dirty="0"/>
+              <a:t>linked lists</a:t>
             </a:r>
           </a:p>
         </p:txBody>
@@ -7121,7 +8204,7 @@
           <p:cNvPr id="3" name="Content Placeholder 2">
             <a:extLst>
               <a:ext uri="{FF2B5EF4-FFF2-40B4-BE49-F238E27FC236}">
-                <a16:creationId xmlns:a16="http://schemas.microsoft.com/office/drawing/2014/main" id="{02A1749F-8FEC-9B4F-B807-C64CAB7943AF}"/>
+                <a16:creationId xmlns:a16="http://schemas.microsoft.com/office/drawing/2014/main" id="{550053E9-7D15-5848-9325-F8BD84887FBF}"/>
               </a:ext>
             </a:extLst>
           </p:cNvPr>
@@ -7134,72 +8217,40 @@
         </p:nvSpPr>
         <p:spPr/>
         <p:txBody>
-          <a:bodyPr/>
-          <a:lstStyle/>
-          <a:p>
-            <a:r>
-              <a:rPr lang="en-US" dirty="0"/>
-              <a:t>A directed-graph with internal nodes and leaves</a:t>
-            </a:r>
-          </a:p>
-          <a:p>
-            <a:r>
-              <a:rPr lang="en-US" dirty="0"/>
-              <a:t>No cycles and each node has at most one parent</a:t>
-            </a:r>
-          </a:p>
-          <a:p>
-            <a:r>
-              <a:rPr lang="en-US" dirty="0"/>
-              <a:t>Each node has at most 2 child nodes</a:t>
-            </a:r>
-          </a:p>
-          <a:p>
-            <a:r>
-              <a:rPr lang="en-US" dirty="0"/>
-              <a:t>For n nodes, there are n-1 edges</a:t>
-            </a:r>
-          </a:p>
-          <a:p>
-            <a:r>
-              <a:rPr lang="en-US" dirty="0"/>
-              <a:t>A </a:t>
+          <a:bodyPr>
+            <a:normAutofit/>
+          </a:bodyPr>
+          <a:lstStyle/>
+          <a:p>
+            <a:r>
+              <a:rPr lang="en-US" dirty="0"/>
+              <a:t>The other way to implement a list data type is with explicit pointers from one element to the next: “a = (9,(2,(45,None)))</a:t>
             </a:r>
             <a:r>
               <a:rPr lang="en-US" i="1" dirty="0"/>
-              <a:t>full</a:t>
-            </a:r>
-            <a:r>
-              <a:rPr lang="en-US" dirty="0"/>
-              <a:t> binary tree: all internal nodes have 2 children</a:t>
-            </a:r>
-          </a:p>
-          <a:p>
-            <a:r>
-              <a:rPr lang="en-US" dirty="0"/>
-              <a:t>Height of full tree with n internal nodes is about log2(n)</a:t>
-            </a:r>
-          </a:p>
-          <a:p>
-            <a:r>
-              <a:rPr lang="en-US" dirty="0"/>
-              <a:t>Height defined as number of edges along path root-&gt;leaf</a:t>
-            </a:r>
-          </a:p>
-          <a:p>
-            <a:r>
-              <a:rPr lang="en-US" dirty="0"/>
-              <a:t>Level 0 is root, level 1, …</a:t>
-            </a:r>
+              <a:t>”</a:t>
+            </a:r>
+          </a:p>
+          <a:p>
+            <a:endParaRPr lang="en-US" i="1" dirty="0"/>
+          </a:p>
+          <a:p>
+            <a:endParaRPr lang="en-US" i="1" dirty="0"/>
+          </a:p>
+          <a:p>
+            <a:endParaRPr lang="en-US" i="1" dirty="0"/>
+          </a:p>
+          <a:p>
+            <a:endParaRPr lang="en-US" dirty="0"/>
           </a:p>
         </p:txBody>
       </p:sp>
       <p:pic>
         <p:nvPicPr>
-          <p:cNvPr id="4" name="Content Placeholder 4">
-            <a:extLst>
-              <a:ext uri="{FF2B5EF4-FFF2-40B4-BE49-F238E27FC236}">
-                <a16:creationId xmlns:a16="http://schemas.microsoft.com/office/drawing/2014/main" id="{C972E14B-A36A-294C-8386-0A3A4CB139F6}"/>
+          <p:cNvPr id="5" name="Picture 4">
+            <a:extLst>
+              <a:ext uri="{FF2B5EF4-FFF2-40B4-BE49-F238E27FC236}">
+                <a16:creationId xmlns:a16="http://schemas.microsoft.com/office/drawing/2014/main" id="{7F7EAD7D-6C5A-634F-81E9-62923348D25D}"/>
               </a:ext>
             </a:extLst>
           </p:cNvPr>
@@ -7216,8 +8267,8 @@
         </p:blipFill>
         <p:spPr>
           <a:xfrm>
-            <a:off x="9383752" y="1395626"/>
-            <a:ext cx="2590800" cy="2438400"/>
+            <a:off x="1756782" y="2829157"/>
+            <a:ext cx="8343900" cy="1333500"/>
           </a:xfrm>
           <a:prstGeom prst="rect">
             <a:avLst/>
@@ -7227,7 +8278,7 @@
     </p:spTree>
     <p:extLst>
       <p:ext uri="{BB962C8B-B14F-4D97-AF65-F5344CB8AC3E}">
-        <p14:creationId xmlns:p14="http://schemas.microsoft.com/office/powerpoint/2010/main" val="3763329553"/>
+        <p14:creationId xmlns:p14="http://schemas.microsoft.com/office/powerpoint/2010/main" val="1035915936"/>
       </p:ext>
     </p:extLst>
   </p:cSld>
